--- a/PPT/DeepLearning01-Intro.pptx
+++ b/PPT/DeepLearning01-Intro.pptx
@@ -5,10 +5,10 @@
     <p:sldMasterId id="2147483653" r:id="rId1"/>
   </p:sldMasterIdLst>
   <p:notesMasterIdLst>
-    <p:notesMasterId r:id="rId36"/>
+    <p:notesMasterId r:id="rId34"/>
   </p:notesMasterIdLst>
   <p:handoutMasterIdLst>
-    <p:handoutMasterId r:id="rId37"/>
+    <p:handoutMasterId r:id="rId35"/>
   </p:handoutMasterIdLst>
   <p:sldIdLst>
     <p:sldId id="264" r:id="rId2"/>
@@ -33,18 +33,16 @@
     <p:sldId id="295" r:id="rId21"/>
     <p:sldId id="296" r:id="rId22"/>
     <p:sldId id="297" r:id="rId23"/>
-    <p:sldId id="298" r:id="rId24"/>
-    <p:sldId id="299" r:id="rId25"/>
-    <p:sldId id="300" r:id="rId26"/>
-    <p:sldId id="301" r:id="rId27"/>
-    <p:sldId id="302" r:id="rId28"/>
-    <p:sldId id="303" r:id="rId29"/>
-    <p:sldId id="304" r:id="rId30"/>
-    <p:sldId id="305" r:id="rId31"/>
-    <p:sldId id="306" r:id="rId32"/>
-    <p:sldId id="307" r:id="rId33"/>
-    <p:sldId id="272" r:id="rId34"/>
-    <p:sldId id="310" r:id="rId35"/>
+    <p:sldId id="300" r:id="rId24"/>
+    <p:sldId id="301" r:id="rId25"/>
+    <p:sldId id="302" r:id="rId26"/>
+    <p:sldId id="303" r:id="rId27"/>
+    <p:sldId id="304" r:id="rId28"/>
+    <p:sldId id="305" r:id="rId29"/>
+    <p:sldId id="306" r:id="rId30"/>
+    <p:sldId id="307" r:id="rId31"/>
+    <p:sldId id="272" r:id="rId32"/>
+    <p:sldId id="310" r:id="rId33"/>
   </p:sldIdLst>
   <p:sldSz cx="9144000" cy="6858000" type="screen4x3"/>
   <p:notesSz cx="6648450" cy="9782175"/>
@@ -5536,254 +5534,6 @@
           <a:p>
             <a:r>
               <a:rPr lang="fr-FR" dirty="0" smtClean="0"/>
-              <a:t>Trouver le bon modèle</a:t>
-            </a:r>
-            <a:endParaRPr lang="fr-FR" dirty="0"/>
-          </a:p>
-        </p:txBody>
-      </p:sp>
-      <p:sp>
-        <p:nvSpPr>
-          <p:cNvPr id="3" name="Espace réservé du contenu 2"/>
-          <p:cNvSpPr>
-            <a:spLocks noGrp="1"/>
-          </p:cNvSpPr>
-          <p:nvPr>
-            <p:ph idx="1"/>
-          </p:nvPr>
-        </p:nvSpPr>
-        <p:spPr/>
-        <p:txBody>
-          <a:bodyPr/>
-          <a:lstStyle/>
-          <a:p>
-            <a:r>
-              <a:rPr lang="fr-FR" dirty="0"/>
-              <a:t>Pour résumer, le travail de modélisation consiste à trouver le bon modèle statistique </a:t>
-            </a:r>
-            <a:r>
-              <a:rPr lang="fr-FR" dirty="0" smtClean="0"/>
-              <a:t>qui </a:t>
-            </a:r>
-            <a:r>
-              <a:rPr lang="fr-FR" dirty="0"/>
-              <a:t>colle le mieux aux données </a:t>
-            </a:r>
-            <a:r>
-              <a:rPr lang="fr-FR" dirty="0" smtClean="0"/>
-              <a:t>d'exemple</a:t>
-            </a:r>
-          </a:p>
-          <a:p>
-            <a:r>
-              <a:rPr lang="fr-FR" dirty="0" smtClean="0"/>
-              <a:t>Le </a:t>
-            </a:r>
-            <a:r>
-              <a:rPr lang="fr-FR" dirty="0"/>
-              <a:t>machine </a:t>
-            </a:r>
-            <a:r>
-              <a:rPr lang="fr-FR" dirty="0" err="1"/>
-              <a:t>learning</a:t>
-            </a:r>
-            <a:r>
-              <a:rPr lang="fr-FR" dirty="0"/>
-              <a:t> en particulier intervient pour trouver ce modèle de manière </a:t>
-            </a:r>
-            <a:r>
-              <a:rPr lang="fr-FR" dirty="0" smtClean="0"/>
-              <a:t>automatisée</a:t>
-            </a:r>
-          </a:p>
-          <a:p>
-            <a:r>
-              <a:rPr lang="fr-FR" dirty="0" smtClean="0"/>
-              <a:t>Problème du quartet d’</a:t>
-            </a:r>
-            <a:r>
-              <a:rPr lang="fr-FR" dirty="0" err="1" smtClean="0"/>
-              <a:t>Ascombe</a:t>
-            </a:r>
-            <a:endParaRPr lang="fr-FR" dirty="0"/>
-          </a:p>
-        </p:txBody>
-      </p:sp>
-    </p:spTree>
-    <p:extLst>
-      <p:ext uri="{BB962C8B-B14F-4D97-AF65-F5344CB8AC3E}">
-        <p14:creationId xmlns:p14="http://schemas.microsoft.com/office/powerpoint/2010/main" val="541696352"/>
-      </p:ext>
-    </p:extLst>
-  </p:cSld>
-  <p:clrMapOvr>
-    <a:masterClrMapping/>
-  </p:clrMapOvr>
-</p:sld>
-</file>
-
-<file path=ppt/slides/slide24.xml><?xml version="1.0" encoding="utf-8"?>
-<p:sld xmlns:a="http://schemas.openxmlformats.org/drawingml/2006/main" xmlns:r="http://schemas.openxmlformats.org/officeDocument/2006/relationships" xmlns:p="http://schemas.openxmlformats.org/presentationml/2006/main">
-  <p:cSld>
-    <p:spTree>
-      <p:nvGrpSpPr>
-        <p:cNvPr id="1" name=""/>
-        <p:cNvGrpSpPr/>
-        <p:nvPr/>
-      </p:nvGrpSpPr>
-      <p:grpSpPr>
-        <a:xfrm>
-          <a:off x="0" y="0"/>
-          <a:ext cx="0" cy="0"/>
-          <a:chOff x="0" y="0"/>
-          <a:chExt cx="0" cy="0"/>
-        </a:xfrm>
-      </p:grpSpPr>
-      <p:sp>
-        <p:nvSpPr>
-          <p:cNvPr id="2" name="Titre 1"/>
-          <p:cNvSpPr>
-            <a:spLocks noGrp="1"/>
-          </p:cNvSpPr>
-          <p:nvPr>
-            <p:ph type="title"/>
-          </p:nvPr>
-        </p:nvSpPr>
-        <p:spPr/>
-        <p:txBody>
-          <a:bodyPr/>
-          <a:lstStyle/>
-          <a:p>
-            <a:r>
-              <a:rPr lang="fr-FR" dirty="0" smtClean="0"/>
-              <a:t>Quartet d’</a:t>
-            </a:r>
-            <a:r>
-              <a:rPr lang="fr-FR" dirty="0" err="1" smtClean="0"/>
-              <a:t>Ascombe</a:t>
-            </a:r>
-            <a:endParaRPr lang="fr-FR" dirty="0"/>
-          </a:p>
-        </p:txBody>
-      </p:sp>
-      <p:sp>
-        <p:nvSpPr>
-          <p:cNvPr id="3" name="Espace réservé du contenu 2"/>
-          <p:cNvSpPr>
-            <a:spLocks noGrp="1"/>
-          </p:cNvSpPr>
-          <p:nvPr>
-            <p:ph idx="1"/>
-          </p:nvPr>
-        </p:nvSpPr>
-        <p:spPr/>
-        <p:txBody>
-          <a:bodyPr/>
-          <a:lstStyle/>
-          <a:p>
-            <a:r>
-              <a:rPr lang="fr-FR" dirty="0" smtClean="0"/>
-              <a:t>Ces 4 modèles possède la même régression linéaire</a:t>
-            </a:r>
-          </a:p>
-          <a:p>
-            <a:pPr lvl="1"/>
-            <a:r>
-              <a:rPr lang="fr-FR" dirty="0" smtClean="0"/>
-              <a:t>Trouver les erreurs</a:t>
-            </a:r>
-            <a:endParaRPr lang="fr-FR" dirty="0"/>
-          </a:p>
-        </p:txBody>
-      </p:sp>
-      <p:pic>
-        <p:nvPicPr>
-          <p:cNvPr id="4098" name="Picture 2" descr="Le quartet d'anscombe"/>
-          <p:cNvPicPr>
-            <a:picLocks noChangeAspect="1" noChangeArrowheads="1"/>
-          </p:cNvPicPr>
-          <p:nvPr/>
-        </p:nvPicPr>
-        <p:blipFill>
-          <a:blip r:embed="rId2">
-            <a:extLst>
-              <a:ext uri="{28A0092B-C50C-407E-A947-70E740481C1C}">
-                <a14:useLocalDpi xmlns:a14="http://schemas.microsoft.com/office/drawing/2010/main" val="0"/>
-              </a:ext>
-            </a:extLst>
-          </a:blip>
-          <a:srcRect/>
-          <a:stretch>
-            <a:fillRect/>
-          </a:stretch>
-        </p:blipFill>
-        <p:spPr bwMode="auto">
-          <a:xfrm>
-            <a:off x="1528833" y="2783429"/>
-            <a:ext cx="6067407" cy="4053028"/>
-          </a:xfrm>
-          <a:prstGeom prst="rect">
-            <a:avLst/>
-          </a:prstGeom>
-          <a:noFill/>
-          <a:extLst>
-            <a:ext uri="{909E8E84-426E-40DD-AFC4-6F175D3DCCD1}">
-              <a14:hiddenFill xmlns:a14="http://schemas.microsoft.com/office/drawing/2010/main">
-                <a:solidFill>
-                  <a:srgbClr val="FFFFFF"/>
-                </a:solidFill>
-              </a14:hiddenFill>
-            </a:ext>
-          </a:extLst>
-        </p:spPr>
-      </p:pic>
-    </p:spTree>
-    <p:extLst>
-      <p:ext uri="{BB962C8B-B14F-4D97-AF65-F5344CB8AC3E}">
-        <p14:creationId xmlns:p14="http://schemas.microsoft.com/office/powerpoint/2010/main" val="717036446"/>
-      </p:ext>
-    </p:extLst>
-  </p:cSld>
-  <p:clrMapOvr>
-    <a:masterClrMapping/>
-  </p:clrMapOvr>
-</p:sld>
-</file>
-
-<file path=ppt/slides/slide25.xml><?xml version="1.0" encoding="utf-8"?>
-<p:sld xmlns:a="http://schemas.openxmlformats.org/drawingml/2006/main" xmlns:r="http://schemas.openxmlformats.org/officeDocument/2006/relationships" xmlns:p="http://schemas.openxmlformats.org/presentationml/2006/main">
-  <p:cSld>
-    <p:spTree>
-      <p:nvGrpSpPr>
-        <p:cNvPr id="1" name=""/>
-        <p:cNvGrpSpPr/>
-        <p:nvPr/>
-      </p:nvGrpSpPr>
-      <p:grpSpPr>
-        <a:xfrm>
-          <a:off x="0" y="0"/>
-          <a:ext cx="0" cy="0"/>
-          <a:chOff x="0" y="0"/>
-          <a:chExt cx="0" cy="0"/>
-        </a:xfrm>
-      </p:grpSpPr>
-      <p:sp>
-        <p:nvSpPr>
-          <p:cNvPr id="2" name="Titre 1"/>
-          <p:cNvSpPr>
-            <a:spLocks noGrp="1"/>
-          </p:cNvSpPr>
-          <p:nvPr>
-            <p:ph type="title"/>
-          </p:nvPr>
-        </p:nvSpPr>
-        <p:spPr/>
-        <p:txBody>
-          <a:bodyPr/>
-          <a:lstStyle/>
-          <a:p>
-            <a:r>
-              <a:rPr lang="fr-FR" dirty="0" smtClean="0"/>
               <a:t>Apprentissage</a:t>
             </a:r>
             <a:endParaRPr lang="fr-FR" dirty="0"/>
@@ -5878,7 +5628,7 @@
 </p:sld>
 </file>
 
-<file path=ppt/slides/slide26.xml><?xml version="1.0" encoding="utf-8"?>
+<file path=ppt/slides/slide24.xml><?xml version="1.0" encoding="utf-8"?>
 <p:sld xmlns:a="http://schemas.openxmlformats.org/drawingml/2006/main" xmlns:r="http://schemas.openxmlformats.org/officeDocument/2006/relationships" xmlns:p="http://schemas.openxmlformats.org/presentationml/2006/main">
   <p:cSld>
     <p:spTree>
@@ -5976,7 +5726,7 @@
 </p:sld>
 </file>
 
-<file path=ppt/slides/slide27.xml><?xml version="1.0" encoding="utf-8"?>
+<file path=ppt/slides/slide25.xml><?xml version="1.0" encoding="utf-8"?>
 <p:sld xmlns:a="http://schemas.openxmlformats.org/drawingml/2006/main" xmlns:r="http://schemas.openxmlformats.org/officeDocument/2006/relationships" xmlns:p="http://schemas.openxmlformats.org/presentationml/2006/main">
   <p:cSld>
     <p:spTree>
@@ -6055,7 +5805,7 @@
 </p:sld>
 </file>
 
-<file path=ppt/slides/slide28.xml><?xml version="1.0" encoding="utf-8"?>
+<file path=ppt/slides/slide26.xml><?xml version="1.0" encoding="utf-8"?>
 <p:sld xmlns:a="http://schemas.openxmlformats.org/drawingml/2006/main" xmlns:r="http://schemas.openxmlformats.org/officeDocument/2006/relationships" xmlns:p="http://schemas.openxmlformats.org/presentationml/2006/main">
   <p:cSld>
     <p:spTree>
@@ -6169,7 +5919,7 @@
 </p:sld>
 </file>
 
-<file path=ppt/slides/slide29.xml><?xml version="1.0" encoding="utf-8"?>
+<file path=ppt/slides/slide27.xml><?xml version="1.0" encoding="utf-8"?>
 <p:sld xmlns:a="http://schemas.openxmlformats.org/drawingml/2006/main" xmlns:r="http://schemas.openxmlformats.org/officeDocument/2006/relationships" xmlns:p="http://schemas.openxmlformats.org/presentationml/2006/main">
   <p:cSld>
     <p:spTree>
@@ -6287,123 +6037,7 @@
 </p:sld>
 </file>
 
-<file path=ppt/slides/slide3.xml><?xml version="1.0" encoding="utf-8"?>
-<p:sld xmlns:a="http://schemas.openxmlformats.org/drawingml/2006/main" xmlns:r="http://schemas.openxmlformats.org/officeDocument/2006/relationships" xmlns:p="http://schemas.openxmlformats.org/presentationml/2006/main">
-  <p:cSld>
-    <p:spTree>
-      <p:nvGrpSpPr>
-        <p:cNvPr id="1" name=""/>
-        <p:cNvGrpSpPr/>
-        <p:nvPr/>
-      </p:nvGrpSpPr>
-      <p:grpSpPr>
-        <a:xfrm>
-          <a:off x="0" y="0"/>
-          <a:ext cx="0" cy="0"/>
-          <a:chOff x="0" y="0"/>
-          <a:chExt cx="0" cy="0"/>
-        </a:xfrm>
-      </p:grpSpPr>
-      <p:sp>
-        <p:nvSpPr>
-          <p:cNvPr id="2" name="Titre 1"/>
-          <p:cNvSpPr>
-            <a:spLocks noGrp="1"/>
-          </p:cNvSpPr>
-          <p:nvPr>
-            <p:ph type="title"/>
-          </p:nvPr>
-        </p:nvSpPr>
-        <p:spPr/>
-        <p:txBody>
-          <a:bodyPr/>
-          <a:lstStyle/>
-          <a:p>
-            <a:r>
-              <a:rPr lang="fr-FR" dirty="0" err="1" smtClean="0"/>
-              <a:t>Wikipedia</a:t>
-            </a:r>
-            <a:endParaRPr lang="fr-FR" dirty="0"/>
-          </a:p>
-        </p:txBody>
-      </p:sp>
-      <p:sp>
-        <p:nvSpPr>
-          <p:cNvPr id="3" name="Espace réservé du contenu 2"/>
-          <p:cNvSpPr>
-            <a:spLocks noGrp="1"/>
-          </p:cNvSpPr>
-          <p:nvPr>
-            <p:ph idx="1"/>
-          </p:nvPr>
-        </p:nvSpPr>
-        <p:spPr/>
-        <p:txBody>
-          <a:bodyPr/>
-          <a:lstStyle/>
-          <a:p>
-            <a:r>
-              <a:rPr lang="fr-FR" dirty="0"/>
-              <a:t>L</a:t>
-            </a:r>
-            <a:r>
-              <a:rPr lang="fr-FR" dirty="0" smtClean="0"/>
-              <a:t>a </a:t>
-            </a:r>
-            <a:r>
-              <a:rPr lang="fr-FR" dirty="0"/>
-              <a:t>science des données est l'extraction de connaissance d'ensembles de </a:t>
-            </a:r>
-            <a:r>
-              <a:rPr lang="fr-FR" dirty="0" smtClean="0"/>
-              <a:t>données</a:t>
-            </a:r>
-          </a:p>
-          <a:p>
-            <a:r>
-              <a:rPr lang="fr-FR" dirty="0" smtClean="0"/>
-              <a:t>Elle </a:t>
-            </a:r>
-            <a:r>
-              <a:rPr lang="fr-FR" dirty="0"/>
-              <a:t>emploie des techniques et des théories tirées de plusieurs autres domaines plus </a:t>
-            </a:r>
-            <a:r>
-              <a:rPr lang="fr-FR" dirty="0" smtClean="0"/>
-              <a:t>larges :</a:t>
-            </a:r>
-          </a:p>
-          <a:p>
-            <a:pPr lvl="1"/>
-            <a:r>
-              <a:rPr lang="fr-FR" dirty="0" smtClean="0"/>
-              <a:t>des </a:t>
-            </a:r>
-            <a:r>
-              <a:rPr lang="fr-FR" dirty="0"/>
-              <a:t>mathématiques, la statistique principalement, la théorie de l'information et la technologie de l'information, notamment le traitement de signal, des modèles probabilistes, l'apprentissage automatique, l'apprentissage statistique, la programmation informatique, l'ingénierie de données, la reconnaissance de formes et l'apprentissage, la visualisation, l'analytique prophétique, la modélisation d'incertitude, le stockage de données, </a:t>
-            </a:r>
-            <a:r>
-              <a:rPr lang="fr-FR" dirty="0" smtClean="0"/>
-              <a:t>…</a:t>
-            </a:r>
-          </a:p>
-        </p:txBody>
-      </p:sp>
-    </p:spTree>
-    <p:extLst>
-      <p:ext uri="{BB962C8B-B14F-4D97-AF65-F5344CB8AC3E}">
-        <p14:creationId xmlns:p14="http://schemas.microsoft.com/office/powerpoint/2010/main" val="1773936858"/>
-      </p:ext>
-    </p:extLst>
-  </p:cSld>
-  <p:clrMapOvr>
-    <a:masterClrMapping/>
-  </p:clrMapOvr>
-</p:sld>
-</file>
-
-<file path=ppt/slides/slide30.xml><?xml version="1.0" encoding="utf-8"?>
+<file path=ppt/slides/slide28.xml><?xml version="1.0" encoding="utf-8"?>
 <p:sld xmlns:a="http://schemas.openxmlformats.org/drawingml/2006/main" xmlns:r="http://schemas.openxmlformats.org/officeDocument/2006/relationships" xmlns:p="http://schemas.openxmlformats.org/presentationml/2006/main">
   <p:cSld>
     <p:spTree>
@@ -6529,7 +6163,7 @@
 </p:sld>
 </file>
 
-<file path=ppt/slides/slide31.xml><?xml version="1.0" encoding="utf-8"?>
+<file path=ppt/slides/slide29.xml><?xml version="1.0" encoding="utf-8"?>
 <p:sld xmlns:a="http://schemas.openxmlformats.org/drawingml/2006/main" xmlns:r="http://schemas.openxmlformats.org/officeDocument/2006/relationships" xmlns:p="http://schemas.openxmlformats.org/presentationml/2006/main">
   <p:cSld>
     <p:spTree>
@@ -6662,7 +6296,7 @@
 </p:sld>
 </file>
 
-<file path=ppt/slides/slide32.xml><?xml version="1.0" encoding="utf-8"?>
+<file path=ppt/slides/slide3.xml><?xml version="1.0" encoding="utf-8"?>
 <p:sld xmlns:a="http://schemas.openxmlformats.org/drawingml/2006/main" xmlns:r="http://schemas.openxmlformats.org/officeDocument/2006/relationships" xmlns:p="http://schemas.openxmlformats.org/presentationml/2006/main">
   <p:cSld>
     <p:spTree>
@@ -6695,8 +6329,8 @@
           <a:lstStyle/>
           <a:p>
             <a:r>
-              <a:rPr lang="fr-FR" dirty="0" smtClean="0"/>
-              <a:t>Réseaux</a:t>
+              <a:rPr lang="fr-FR" dirty="0" err="1" smtClean="0"/>
+              <a:t>Wikipedia</a:t>
             </a:r>
             <a:endParaRPr lang="fr-FR" dirty="0"/>
           </a:p>
@@ -6718,6 +6352,122 @@
           <a:lstStyle/>
           <a:p>
             <a:r>
+              <a:rPr lang="fr-FR" dirty="0"/>
+              <a:t>L</a:t>
+            </a:r>
+            <a:r>
+              <a:rPr lang="fr-FR" dirty="0" smtClean="0"/>
+              <a:t>a </a:t>
+            </a:r>
+            <a:r>
+              <a:rPr lang="fr-FR" dirty="0"/>
+              <a:t>science des données est l'extraction de connaissance d'ensembles de </a:t>
+            </a:r>
+            <a:r>
+              <a:rPr lang="fr-FR" dirty="0" smtClean="0"/>
+              <a:t>données</a:t>
+            </a:r>
+          </a:p>
+          <a:p>
+            <a:r>
+              <a:rPr lang="fr-FR" dirty="0" smtClean="0"/>
+              <a:t>Elle </a:t>
+            </a:r>
+            <a:r>
+              <a:rPr lang="fr-FR" dirty="0"/>
+              <a:t>emploie des techniques et des théories tirées de plusieurs autres domaines plus </a:t>
+            </a:r>
+            <a:r>
+              <a:rPr lang="fr-FR" dirty="0" smtClean="0"/>
+              <a:t>larges :</a:t>
+            </a:r>
+          </a:p>
+          <a:p>
+            <a:pPr lvl="1"/>
+            <a:r>
+              <a:rPr lang="fr-FR" dirty="0" smtClean="0"/>
+              <a:t>des </a:t>
+            </a:r>
+            <a:r>
+              <a:rPr lang="fr-FR" dirty="0"/>
+              <a:t>mathématiques, la statistique principalement, la théorie de l'information et la technologie de l'information, notamment le traitement de signal, des modèles probabilistes, l'apprentissage automatique, l'apprentissage statistique, la programmation informatique, l'ingénierie de données, la reconnaissance de formes et l'apprentissage, la visualisation, l'analytique prophétique, la modélisation d'incertitude, le stockage de données, </a:t>
+            </a:r>
+            <a:r>
+              <a:rPr lang="fr-FR" dirty="0" smtClean="0"/>
+              <a:t>…</a:t>
+            </a:r>
+          </a:p>
+        </p:txBody>
+      </p:sp>
+    </p:spTree>
+    <p:extLst>
+      <p:ext uri="{BB962C8B-B14F-4D97-AF65-F5344CB8AC3E}">
+        <p14:creationId xmlns:p14="http://schemas.microsoft.com/office/powerpoint/2010/main" val="1773936858"/>
+      </p:ext>
+    </p:extLst>
+  </p:cSld>
+  <p:clrMapOvr>
+    <a:masterClrMapping/>
+  </p:clrMapOvr>
+</p:sld>
+</file>
+
+<file path=ppt/slides/slide30.xml><?xml version="1.0" encoding="utf-8"?>
+<p:sld xmlns:a="http://schemas.openxmlformats.org/drawingml/2006/main" xmlns:r="http://schemas.openxmlformats.org/officeDocument/2006/relationships" xmlns:p="http://schemas.openxmlformats.org/presentationml/2006/main">
+  <p:cSld>
+    <p:spTree>
+      <p:nvGrpSpPr>
+        <p:cNvPr id="1" name=""/>
+        <p:cNvGrpSpPr/>
+        <p:nvPr/>
+      </p:nvGrpSpPr>
+      <p:grpSpPr>
+        <a:xfrm>
+          <a:off x="0" y="0"/>
+          <a:ext cx="0" cy="0"/>
+          <a:chOff x="0" y="0"/>
+          <a:chExt cx="0" cy="0"/>
+        </a:xfrm>
+      </p:grpSpPr>
+      <p:sp>
+        <p:nvSpPr>
+          <p:cNvPr id="2" name="Titre 1"/>
+          <p:cNvSpPr>
+            <a:spLocks noGrp="1"/>
+          </p:cNvSpPr>
+          <p:nvPr>
+            <p:ph type="title"/>
+          </p:nvPr>
+        </p:nvSpPr>
+        <p:spPr/>
+        <p:txBody>
+          <a:bodyPr/>
+          <a:lstStyle/>
+          <a:p>
+            <a:r>
+              <a:rPr lang="fr-FR" dirty="0" smtClean="0"/>
+              <a:t>Réseaux</a:t>
+            </a:r>
+            <a:endParaRPr lang="fr-FR" dirty="0"/>
+          </a:p>
+        </p:txBody>
+      </p:sp>
+      <p:sp>
+        <p:nvSpPr>
+          <p:cNvPr id="3" name="Espace réservé du contenu 2"/>
+          <p:cNvSpPr>
+            <a:spLocks noGrp="1"/>
+          </p:cNvSpPr>
+          <p:nvPr>
+            <p:ph idx="1"/>
+          </p:nvPr>
+        </p:nvSpPr>
+        <p:spPr/>
+        <p:txBody>
+          <a:bodyPr/>
+          <a:lstStyle/>
+          <a:p>
+            <a:r>
               <a:rPr lang="fr-FR" dirty="0" smtClean="0"/>
               <a:t>Les neurones peuvent être mis en réseaux</a:t>
             </a:r>
@@ -6764,7 +6514,27 @@
             <a:pPr lvl="1"/>
             <a:r>
               <a:rPr lang="fr-FR" dirty="0" smtClean="0"/>
-              <a:t>Maitrise l’addition sur 4 bits avec 10 neurones et 10000 itérations</a:t>
+              <a:t>Maitrise l’addition sur 4 bits avec </a:t>
+            </a:r>
+            <a:r>
+              <a:rPr lang="fr-FR" dirty="0" smtClean="0"/>
+              <a:t>145</a:t>
+            </a:r>
+            <a:r>
+              <a:rPr lang="fr-FR" dirty="0" smtClean="0"/>
+              <a:t> </a:t>
+            </a:r>
+            <a:r>
+              <a:rPr lang="fr-FR" dirty="0" smtClean="0"/>
+              <a:t>neurones et </a:t>
+            </a:r>
+            <a:r>
+              <a:rPr lang="fr-FR" dirty="0" smtClean="0"/>
+              <a:t>100 </a:t>
+            </a:r>
+            <a:r>
+              <a:rPr lang="fr-FR" dirty="0" smtClean="0"/>
+              <a:t>itérations</a:t>
             </a:r>
           </a:p>
           <a:p>
@@ -6788,7 +6558,7 @@
               <a:t>derivée</a:t>
             </a:r>
             <a:r>
-              <a:rPr lang="fr-FR" smtClean="0"/>
+              <a:rPr lang="fr-FR" dirty="0" smtClean="0"/>
               <a:t>)</a:t>
             </a:r>
             <a:endParaRPr lang="fr-FR" dirty="0"/>
@@ -6849,7 +6619,7 @@
 </p:sld>
 </file>
 
-<file path=ppt/slides/slide33.xml><?xml version="1.0" encoding="utf-8"?>
+<file path=ppt/slides/slide31.xml><?xml version="1.0" encoding="utf-8"?>
 <p:sld xmlns:a="http://schemas.openxmlformats.org/drawingml/2006/main" xmlns:r="http://schemas.openxmlformats.org/officeDocument/2006/relationships" xmlns:p="http://schemas.openxmlformats.org/presentationml/2006/main">
   <p:cSld>
     <p:spTree>
@@ -6945,7 +6715,7 @@
 </p:sld>
 </file>
 
-<file path=ppt/slides/slide34.xml><?xml version="1.0" encoding="utf-8"?>
+<file path=ppt/slides/slide32.xml><?xml version="1.0" encoding="utf-8"?>
 <p:sld xmlns:a="http://schemas.openxmlformats.org/drawingml/2006/main" xmlns:r="http://schemas.openxmlformats.org/officeDocument/2006/relationships" xmlns:p="http://schemas.openxmlformats.org/presentationml/2006/main">
   <p:cSld>
     <p:spTree>

--- a/PPT/DeepLearning01-Intro.pptx
+++ b/PPT/DeepLearning01-Intro.pptx
@@ -5,44 +5,53 @@
     <p:sldMasterId id="2147483653" r:id="rId1"/>
   </p:sldMasterIdLst>
   <p:notesMasterIdLst>
-    <p:notesMasterId r:id="rId34"/>
+    <p:notesMasterId r:id="rId43"/>
   </p:notesMasterIdLst>
   <p:handoutMasterIdLst>
-    <p:handoutMasterId r:id="rId35"/>
+    <p:handoutMasterId r:id="rId44"/>
   </p:handoutMasterIdLst>
   <p:sldIdLst>
     <p:sldId id="264" r:id="rId2"/>
-    <p:sldId id="279" r:id="rId3"/>
-    <p:sldId id="280" r:id="rId4"/>
-    <p:sldId id="281" r:id="rId5"/>
-    <p:sldId id="282" r:id="rId6"/>
-    <p:sldId id="283" r:id="rId7"/>
-    <p:sldId id="284" r:id="rId8"/>
-    <p:sldId id="285" r:id="rId9"/>
-    <p:sldId id="308" r:id="rId10"/>
-    <p:sldId id="309" r:id="rId11"/>
-    <p:sldId id="286" r:id="rId12"/>
-    <p:sldId id="287" r:id="rId13"/>
-    <p:sldId id="288" r:id="rId14"/>
-    <p:sldId id="289" r:id="rId15"/>
-    <p:sldId id="290" r:id="rId16"/>
-    <p:sldId id="291" r:id="rId17"/>
-    <p:sldId id="292" r:id="rId18"/>
-    <p:sldId id="293" r:id="rId19"/>
-    <p:sldId id="294" r:id="rId20"/>
-    <p:sldId id="295" r:id="rId21"/>
-    <p:sldId id="296" r:id="rId22"/>
-    <p:sldId id="297" r:id="rId23"/>
-    <p:sldId id="300" r:id="rId24"/>
-    <p:sldId id="301" r:id="rId25"/>
-    <p:sldId id="302" r:id="rId26"/>
-    <p:sldId id="303" r:id="rId27"/>
-    <p:sldId id="304" r:id="rId28"/>
-    <p:sldId id="305" r:id="rId29"/>
-    <p:sldId id="306" r:id="rId30"/>
-    <p:sldId id="307" r:id="rId31"/>
-    <p:sldId id="272" r:id="rId32"/>
-    <p:sldId id="310" r:id="rId33"/>
+    <p:sldId id="334" r:id="rId3"/>
+    <p:sldId id="279" r:id="rId4"/>
+    <p:sldId id="280" r:id="rId5"/>
+    <p:sldId id="281" r:id="rId6"/>
+    <p:sldId id="282" r:id="rId7"/>
+    <p:sldId id="283" r:id="rId8"/>
+    <p:sldId id="284" r:id="rId9"/>
+    <p:sldId id="285" r:id="rId10"/>
+    <p:sldId id="308" r:id="rId11"/>
+    <p:sldId id="309" r:id="rId12"/>
+    <p:sldId id="286" r:id="rId13"/>
+    <p:sldId id="287" r:id="rId14"/>
+    <p:sldId id="288" r:id="rId15"/>
+    <p:sldId id="289" r:id="rId16"/>
+    <p:sldId id="290" r:id="rId17"/>
+    <p:sldId id="291" r:id="rId18"/>
+    <p:sldId id="292" r:id="rId19"/>
+    <p:sldId id="293" r:id="rId20"/>
+    <p:sldId id="345" r:id="rId21"/>
+    <p:sldId id="294" r:id="rId22"/>
+    <p:sldId id="295" r:id="rId23"/>
+    <p:sldId id="296" r:id="rId24"/>
+    <p:sldId id="297" r:id="rId25"/>
+    <p:sldId id="300" r:id="rId26"/>
+    <p:sldId id="302" r:id="rId27"/>
+    <p:sldId id="336" r:id="rId28"/>
+    <p:sldId id="314" r:id="rId29"/>
+    <p:sldId id="304" r:id="rId30"/>
+    <p:sldId id="305" r:id="rId31"/>
+    <p:sldId id="306" r:id="rId32"/>
+    <p:sldId id="307" r:id="rId33"/>
+    <p:sldId id="332" r:id="rId34"/>
+    <p:sldId id="272" r:id="rId35"/>
+    <p:sldId id="325" r:id="rId36"/>
+    <p:sldId id="343" r:id="rId37"/>
+    <p:sldId id="333" r:id="rId38"/>
+    <p:sldId id="322" r:id="rId39"/>
+    <p:sldId id="340" r:id="rId40"/>
+    <p:sldId id="341" r:id="rId41"/>
+    <p:sldId id="310" r:id="rId42"/>
   </p:sldIdLst>
   <p:sldSz cx="9144000" cy="6858000" type="screen4x3"/>
   <p:notesSz cx="6648450" cy="9782175"/>
@@ -635,35 +644,35 @@
           <a:p>
             <a:pPr lvl="0"/>
             <a:r>
-              <a:rPr lang="fr-FR" noProof="0" smtClean="0"/>
+              <a:rPr lang="fr-FR" noProof="0"/>
               <a:t>Cliquez pour modifier les styles du texte du masque</a:t>
             </a:r>
           </a:p>
           <a:p>
             <a:pPr lvl="1"/>
             <a:r>
-              <a:rPr lang="fr-FR" noProof="0" smtClean="0"/>
+              <a:rPr lang="fr-FR" noProof="0"/>
               <a:t>Deuxième niveau</a:t>
             </a:r>
           </a:p>
           <a:p>
             <a:pPr lvl="2"/>
             <a:r>
-              <a:rPr lang="fr-FR" noProof="0" smtClean="0"/>
+              <a:rPr lang="fr-FR" noProof="0"/>
               <a:t>Troisième niveau</a:t>
             </a:r>
           </a:p>
           <a:p>
             <a:pPr lvl="3"/>
             <a:r>
-              <a:rPr lang="fr-FR" noProof="0" smtClean="0"/>
+              <a:rPr lang="fr-FR" noProof="0"/>
               <a:t>Quatrième niveau</a:t>
             </a:r>
           </a:p>
           <a:p>
             <a:pPr lvl="4"/>
             <a:r>
-              <a:rPr lang="fr-FR" noProof="0" smtClean="0"/>
+              <a:rPr lang="fr-FR" noProof="0"/>
               <a:t>Cinquième niveau</a:t>
             </a:r>
           </a:p>
@@ -951,10 +960,9 @@
           <a:lstStyle/>
           <a:p>
             <a:r>
-              <a:rPr lang="fr-FR" smtClean="0"/>
+              <a:rPr lang="fr-FR"/>
               <a:t>Cliquez pour modifier le style du titre</a:t>
             </a:r>
-            <a:endParaRPr lang="fr-FR"/>
           </a:p>
         </p:txBody>
       </p:sp>
@@ -1016,10 +1024,9 @@
           </a:lstStyle>
           <a:p>
             <a:r>
-              <a:rPr lang="fr-FR" smtClean="0"/>
+              <a:rPr lang="fr-FR"/>
               <a:t>Cliquez pour modifier le style des sous-titres du masque</a:t>
             </a:r>
-            <a:endParaRPr lang="fr-FR"/>
           </a:p>
         </p:txBody>
       </p:sp>
@@ -1074,10 +1081,9 @@
           <a:lstStyle/>
           <a:p>
             <a:r>
-              <a:rPr lang="fr-FR" smtClean="0"/>
+              <a:rPr lang="fr-FR"/>
               <a:t>Cliquez pour modifier le style du titre</a:t>
             </a:r>
-            <a:endParaRPr lang="fr-FR"/>
           </a:p>
         </p:txBody>
       </p:sp>
@@ -1103,38 +1109,37 @@
           <a:p>
             <a:pPr lvl="0"/>
             <a:r>
-              <a:rPr lang="fr-FR" smtClean="0"/>
+              <a:rPr lang="fr-FR"/>
               <a:t>Cliquez pour modifier les styles du texte du masque</a:t>
             </a:r>
           </a:p>
           <a:p>
             <a:pPr lvl="1"/>
             <a:r>
-              <a:rPr lang="fr-FR" smtClean="0"/>
+              <a:rPr lang="fr-FR"/>
               <a:t>Deuxième niveau</a:t>
             </a:r>
           </a:p>
           <a:p>
             <a:pPr lvl="2"/>
             <a:r>
-              <a:rPr lang="fr-FR" smtClean="0"/>
+              <a:rPr lang="fr-FR"/>
               <a:t>Troisième niveau</a:t>
             </a:r>
           </a:p>
           <a:p>
             <a:pPr lvl="3"/>
             <a:r>
-              <a:rPr lang="fr-FR" smtClean="0"/>
+              <a:rPr lang="fr-FR"/>
               <a:t>Quatrième niveau</a:t>
             </a:r>
           </a:p>
           <a:p>
             <a:pPr lvl="4"/>
             <a:r>
-              <a:rPr lang="fr-FR" smtClean="0"/>
+              <a:rPr lang="fr-FR"/>
               <a:t>Cinquième niveau</a:t>
             </a:r>
-            <a:endParaRPr lang="fr-FR"/>
           </a:p>
         </p:txBody>
       </p:sp>
@@ -1193,10 +1198,9 @@
           </a:lstStyle>
           <a:p>
             <a:r>
-              <a:rPr lang="fr-FR" dirty="0" smtClean="0"/>
+              <a:rPr lang="fr-FR" dirty="0"/>
               <a:t>Cliquez pour modifier le style du titre</a:t>
             </a:r>
-            <a:endParaRPr lang="fr-FR" dirty="0"/>
           </a:p>
         </p:txBody>
       </p:sp>
@@ -1222,38 +1226,37 @@
           <a:p>
             <a:pPr lvl="0"/>
             <a:r>
-              <a:rPr lang="fr-FR" dirty="0" smtClean="0"/>
+              <a:rPr lang="fr-FR" dirty="0"/>
               <a:t>Cliquez pour modifier les styles du texte du masque</a:t>
             </a:r>
           </a:p>
           <a:p>
             <a:pPr lvl="1"/>
             <a:r>
-              <a:rPr lang="fr-FR" dirty="0" smtClean="0"/>
+              <a:rPr lang="fr-FR" dirty="0"/>
               <a:t>Deuxième niveau</a:t>
             </a:r>
           </a:p>
           <a:p>
             <a:pPr lvl="2"/>
             <a:r>
-              <a:rPr lang="fr-FR" dirty="0" smtClean="0"/>
+              <a:rPr lang="fr-FR" dirty="0"/>
               <a:t>Troisième niveau</a:t>
             </a:r>
           </a:p>
           <a:p>
             <a:pPr lvl="3"/>
             <a:r>
-              <a:rPr lang="fr-FR" dirty="0" smtClean="0"/>
+              <a:rPr lang="fr-FR" dirty="0"/>
               <a:t>Quatrième niveau</a:t>
             </a:r>
           </a:p>
           <a:p>
             <a:pPr lvl="4"/>
             <a:r>
-              <a:rPr lang="fr-FR" dirty="0" smtClean="0"/>
+              <a:rPr lang="fr-FR" dirty="0"/>
               <a:t>Cinquième niveau</a:t>
             </a:r>
-            <a:endParaRPr lang="fr-FR" dirty="0"/>
           </a:p>
         </p:txBody>
       </p:sp>
@@ -1303,10 +1306,9 @@
           <a:lstStyle/>
           <a:p>
             <a:r>
-              <a:rPr lang="fr-FR" smtClean="0"/>
+              <a:rPr lang="fr-FR"/>
               <a:t>Cliquez pour modifier le style du titre</a:t>
             </a:r>
-            <a:endParaRPr lang="fr-FR"/>
           </a:p>
         </p:txBody>
       </p:sp>
@@ -1360,38 +1362,37 @@
           <a:p>
             <a:pPr lvl="0"/>
             <a:r>
-              <a:rPr lang="fr-FR" smtClean="0"/>
+              <a:rPr lang="fr-FR"/>
               <a:t>Cliquez pour modifier les styles du texte du masque</a:t>
             </a:r>
           </a:p>
           <a:p>
             <a:pPr lvl="1"/>
             <a:r>
-              <a:rPr lang="fr-FR" smtClean="0"/>
+              <a:rPr lang="fr-FR"/>
               <a:t>Deuxième niveau</a:t>
             </a:r>
           </a:p>
           <a:p>
             <a:pPr lvl="2"/>
             <a:r>
-              <a:rPr lang="fr-FR" smtClean="0"/>
+              <a:rPr lang="fr-FR"/>
               <a:t>Troisième niveau</a:t>
             </a:r>
           </a:p>
           <a:p>
             <a:pPr lvl="3"/>
             <a:r>
-              <a:rPr lang="fr-FR" smtClean="0"/>
+              <a:rPr lang="fr-FR"/>
               <a:t>Quatrième niveau</a:t>
             </a:r>
           </a:p>
           <a:p>
             <a:pPr lvl="4"/>
             <a:r>
-              <a:rPr lang="fr-FR" smtClean="0"/>
+              <a:rPr lang="fr-FR"/>
               <a:t>Cinquième niveau</a:t>
             </a:r>
-            <a:endParaRPr lang="fr-FR"/>
           </a:p>
         </p:txBody>
       </p:sp>
@@ -1445,38 +1446,37 @@
           <a:p>
             <a:pPr lvl="0"/>
             <a:r>
-              <a:rPr lang="fr-FR" smtClean="0"/>
+              <a:rPr lang="fr-FR"/>
               <a:t>Cliquez pour modifier les styles du texte du masque</a:t>
             </a:r>
           </a:p>
           <a:p>
             <a:pPr lvl="1"/>
             <a:r>
-              <a:rPr lang="fr-FR" smtClean="0"/>
+              <a:rPr lang="fr-FR"/>
               <a:t>Deuxième niveau</a:t>
             </a:r>
           </a:p>
           <a:p>
             <a:pPr lvl="2"/>
             <a:r>
-              <a:rPr lang="fr-FR" smtClean="0"/>
+              <a:rPr lang="fr-FR"/>
               <a:t>Troisième niveau</a:t>
             </a:r>
           </a:p>
           <a:p>
             <a:pPr lvl="3"/>
             <a:r>
-              <a:rPr lang="fr-FR" smtClean="0"/>
+              <a:rPr lang="fr-FR"/>
               <a:t>Quatrième niveau</a:t>
             </a:r>
           </a:p>
           <a:p>
             <a:pPr lvl="4"/>
             <a:r>
-              <a:rPr lang="fr-FR" smtClean="0"/>
+              <a:rPr lang="fr-FR"/>
               <a:t>Cinquième niveau</a:t>
             </a:r>
-            <a:endParaRPr lang="fr-FR"/>
           </a:p>
         </p:txBody>
       </p:sp>
@@ -1535,10 +1535,9 @@
           </a:lstStyle>
           <a:p>
             <a:r>
-              <a:rPr lang="fr-FR" smtClean="0"/>
+              <a:rPr lang="fr-FR"/>
               <a:t>Cliquez pour modifier le style du titre</a:t>
             </a:r>
-            <a:endParaRPr lang="fr-FR"/>
           </a:p>
         </p:txBody>
       </p:sp>
@@ -1601,7 +1600,7 @@
           <a:p>
             <a:pPr lvl="0"/>
             <a:r>
-              <a:rPr lang="fr-FR" smtClean="0"/>
+              <a:rPr lang="fr-FR"/>
               <a:t>Cliquez pour modifier les styles du texte du masque</a:t>
             </a:r>
           </a:p>
@@ -1657,38 +1656,37 @@
           <a:p>
             <a:pPr lvl="0"/>
             <a:r>
-              <a:rPr lang="fr-FR" smtClean="0"/>
+              <a:rPr lang="fr-FR"/>
               <a:t>Cliquez pour modifier les styles du texte du masque</a:t>
             </a:r>
           </a:p>
           <a:p>
             <a:pPr lvl="1"/>
             <a:r>
-              <a:rPr lang="fr-FR" smtClean="0"/>
+              <a:rPr lang="fr-FR"/>
               <a:t>Deuxième niveau</a:t>
             </a:r>
           </a:p>
           <a:p>
             <a:pPr lvl="2"/>
             <a:r>
-              <a:rPr lang="fr-FR" smtClean="0"/>
+              <a:rPr lang="fr-FR"/>
               <a:t>Troisième niveau</a:t>
             </a:r>
           </a:p>
           <a:p>
             <a:pPr lvl="3"/>
             <a:r>
-              <a:rPr lang="fr-FR" smtClean="0"/>
+              <a:rPr lang="fr-FR"/>
               <a:t>Quatrième niveau</a:t>
             </a:r>
           </a:p>
           <a:p>
             <a:pPr lvl="4"/>
             <a:r>
-              <a:rPr lang="fr-FR" smtClean="0"/>
+              <a:rPr lang="fr-FR"/>
               <a:t>Cinquième niveau</a:t>
             </a:r>
-            <a:endParaRPr lang="fr-FR"/>
           </a:p>
         </p:txBody>
       </p:sp>
@@ -1751,7 +1749,7 @@
           <a:p>
             <a:pPr lvl="0"/>
             <a:r>
-              <a:rPr lang="fr-FR" smtClean="0"/>
+              <a:rPr lang="fr-FR"/>
               <a:t>Cliquez pour modifier les styles du texte du masque</a:t>
             </a:r>
           </a:p>
@@ -1807,38 +1805,37 @@
           <a:p>
             <a:pPr lvl="0"/>
             <a:r>
-              <a:rPr lang="fr-FR" smtClean="0"/>
+              <a:rPr lang="fr-FR"/>
               <a:t>Cliquez pour modifier les styles du texte du masque</a:t>
             </a:r>
           </a:p>
           <a:p>
             <a:pPr lvl="1"/>
             <a:r>
-              <a:rPr lang="fr-FR" smtClean="0"/>
+              <a:rPr lang="fr-FR"/>
               <a:t>Deuxième niveau</a:t>
             </a:r>
           </a:p>
           <a:p>
             <a:pPr lvl="2"/>
             <a:r>
-              <a:rPr lang="fr-FR" smtClean="0"/>
+              <a:rPr lang="fr-FR"/>
               <a:t>Troisième niveau</a:t>
             </a:r>
           </a:p>
           <a:p>
             <a:pPr lvl="3"/>
             <a:r>
-              <a:rPr lang="fr-FR" smtClean="0"/>
+              <a:rPr lang="fr-FR"/>
               <a:t>Quatrième niveau</a:t>
             </a:r>
           </a:p>
           <a:p>
             <a:pPr lvl="4"/>
             <a:r>
-              <a:rPr lang="fr-FR" smtClean="0"/>
+              <a:rPr lang="fr-FR"/>
               <a:t>Cinquième niveau</a:t>
             </a:r>
-            <a:endParaRPr lang="fr-FR"/>
           </a:p>
         </p:txBody>
       </p:sp>
@@ -1888,10 +1885,9 @@
           <a:lstStyle/>
           <a:p>
             <a:r>
-              <a:rPr lang="fr-FR" smtClean="0"/>
+              <a:rPr lang="fr-FR"/>
               <a:t>Cliquez pour modifier le style du titre</a:t>
             </a:r>
-            <a:endParaRPr lang="fr-FR"/>
           </a:p>
         </p:txBody>
       </p:sp>
@@ -1980,10 +1976,9 @@
           </a:lstStyle>
           <a:p>
             <a:r>
-              <a:rPr lang="fr-FR" smtClean="0"/>
+              <a:rPr lang="fr-FR"/>
               <a:t>Cliquez pour modifier le style du titre</a:t>
             </a:r>
-            <a:endParaRPr lang="fr-FR"/>
           </a:p>
         </p:txBody>
       </p:sp>
@@ -2037,38 +2032,37 @@
           <a:p>
             <a:pPr lvl="0"/>
             <a:r>
-              <a:rPr lang="fr-FR" smtClean="0"/>
+              <a:rPr lang="fr-FR"/>
               <a:t>Cliquez pour modifier les styles du texte du masque</a:t>
             </a:r>
           </a:p>
           <a:p>
             <a:pPr lvl="1"/>
             <a:r>
-              <a:rPr lang="fr-FR" smtClean="0"/>
+              <a:rPr lang="fr-FR"/>
               <a:t>Deuxième niveau</a:t>
             </a:r>
           </a:p>
           <a:p>
             <a:pPr lvl="2"/>
             <a:r>
-              <a:rPr lang="fr-FR" smtClean="0"/>
+              <a:rPr lang="fr-FR"/>
               <a:t>Troisième niveau</a:t>
             </a:r>
           </a:p>
           <a:p>
             <a:pPr lvl="3"/>
             <a:r>
-              <a:rPr lang="fr-FR" smtClean="0"/>
+              <a:rPr lang="fr-FR"/>
               <a:t>Quatrième niveau</a:t>
             </a:r>
           </a:p>
           <a:p>
             <a:pPr lvl="4"/>
             <a:r>
-              <a:rPr lang="fr-FR" smtClean="0"/>
+              <a:rPr lang="fr-FR"/>
               <a:t>Cinquième niveau</a:t>
             </a:r>
-            <a:endParaRPr lang="fr-FR"/>
           </a:p>
         </p:txBody>
       </p:sp>
@@ -2131,7 +2125,7 @@
           <a:p>
             <a:pPr lvl="0"/>
             <a:r>
-              <a:rPr lang="fr-FR" smtClean="0"/>
+              <a:rPr lang="fr-FR"/>
               <a:t>Cliquez pour modifier les styles du texte du masque</a:t>
             </a:r>
           </a:p>
@@ -2192,10 +2186,9 @@
           </a:lstStyle>
           <a:p>
             <a:r>
-              <a:rPr lang="fr-FR" smtClean="0"/>
+              <a:rPr lang="fr-FR"/>
               <a:t>Cliquez pour modifier le style du titre</a:t>
             </a:r>
-            <a:endParaRPr lang="fr-FR"/>
           </a:p>
         </p:txBody>
       </p:sp>
@@ -2257,7 +2250,7 @@
           </a:lstStyle>
           <a:p>
             <a:pPr lvl="0"/>
-            <a:endParaRPr lang="fr-FR" noProof="0" smtClean="0"/>
+            <a:endParaRPr lang="fr-FR" noProof="0"/>
           </a:p>
         </p:txBody>
       </p:sp>
@@ -2320,7 +2313,7 @@
           <a:p>
             <a:pPr lvl="0"/>
             <a:r>
-              <a:rPr lang="fr-FR" smtClean="0"/>
+              <a:rPr lang="fr-FR"/>
               <a:t>Cliquez pour modifier les styles du texte du masque</a:t>
             </a:r>
           </a:p>
@@ -2372,10 +2365,9 @@
           <a:lstStyle/>
           <a:p>
             <a:r>
-              <a:rPr lang="fr-FR" smtClean="0"/>
+              <a:rPr lang="fr-FR"/>
               <a:t>Cliquez pour modifier le style du titre</a:t>
             </a:r>
-            <a:endParaRPr lang="fr-FR"/>
           </a:p>
         </p:txBody>
       </p:sp>
@@ -2396,38 +2388,37 @@
           <a:p>
             <a:pPr lvl="0"/>
             <a:r>
-              <a:rPr lang="fr-FR" smtClean="0"/>
+              <a:rPr lang="fr-FR"/>
               <a:t>Cliquez pour modifier les styles du texte du masque</a:t>
             </a:r>
           </a:p>
           <a:p>
             <a:pPr lvl="1"/>
             <a:r>
-              <a:rPr lang="fr-FR" smtClean="0"/>
+              <a:rPr lang="fr-FR"/>
               <a:t>Deuxième niveau</a:t>
             </a:r>
           </a:p>
           <a:p>
             <a:pPr lvl="2"/>
             <a:r>
-              <a:rPr lang="fr-FR" smtClean="0"/>
+              <a:rPr lang="fr-FR"/>
               <a:t>Troisième niveau</a:t>
             </a:r>
           </a:p>
           <a:p>
             <a:pPr lvl="3"/>
             <a:r>
-              <a:rPr lang="fr-FR" smtClean="0"/>
+              <a:rPr lang="fr-FR"/>
               <a:t>Quatrième niveau</a:t>
             </a:r>
           </a:p>
           <a:p>
             <a:pPr lvl="4"/>
             <a:r>
-              <a:rPr lang="fr-FR" smtClean="0"/>
+              <a:rPr lang="fr-FR"/>
               <a:t>Cinquième niveau</a:t>
             </a:r>
-            <a:endParaRPr lang="fr-FR"/>
           </a:p>
         </p:txBody>
       </p:sp>
@@ -2608,7 +2599,7 @@
             <a:pPr eaLnBrk="1" hangingPunct="1">
               <a:defRPr/>
             </a:pPr>
-            <a:endParaRPr lang="fr-FR" altLang="fr-FR" smtClean="0"/>
+            <a:endParaRPr lang="fr-FR" altLang="fr-FR"/>
           </a:p>
         </p:txBody>
       </p:sp>
@@ -2762,7 +2753,7 @@
               <a:defRPr/>
             </a:pPr>
             <a:r>
-              <a:rPr lang="fr-FR" sz="1200" dirty="0" smtClean="0"/>
+              <a:rPr lang="fr-FR" sz="1200" dirty="0"/>
               <a:t>Page </a:t>
             </a:r>
             <a:fld id="{E218E9B1-FD08-4C80-902E-210BA2967D0D}" type="slidenum">
@@ -2775,7 +2766,7 @@
               </a:pPr>
               <a:t>‹N°›</a:t>
             </a:fld>
-            <a:endParaRPr lang="fr-FR" dirty="0" smtClean="0">
+            <a:endParaRPr lang="fr-FR" dirty="0">
               <a:latin typeface="Times New Roman" pitchFamily="18" charset="0"/>
             </a:endParaRPr>
           </a:p>
@@ -2931,10 +2922,10 @@
               <a:defRPr/>
             </a:pPr>
             <a:r>
-              <a:rPr lang="fr-FR" sz="1600" dirty="0" smtClean="0"/>
+              <a:rPr lang="fr-FR" sz="1600" dirty="0"/>
               <a:t>Python</a:t>
             </a:r>
-            <a:endParaRPr lang="fr-FR" dirty="0" smtClean="0">
+            <a:endParaRPr lang="fr-FR" dirty="0">
               <a:latin typeface="Times New Roman" pitchFamily="18" charset="0"/>
             </a:endParaRPr>
           </a:p>
@@ -2992,7 +2983,7 @@
           <a:p>
             <a:pPr lvl="0"/>
             <a:r>
-              <a:rPr lang="fr-FR" altLang="fr-FR" smtClean="0"/>
+              <a:rPr lang="fr-FR" altLang="fr-FR"/>
               <a:t>Cliquez pour modifier le style du titre du masque</a:t>
             </a:r>
           </a:p>
@@ -3050,35 +3041,35 @@
           <a:p>
             <a:pPr lvl="0"/>
             <a:r>
-              <a:rPr lang="fr-FR" altLang="fr-FR" smtClean="0"/>
+              <a:rPr lang="fr-FR" altLang="fr-FR"/>
               <a:t>Cliquez pour modifier les styles du texte du masque</a:t>
             </a:r>
           </a:p>
           <a:p>
             <a:pPr lvl="1"/>
             <a:r>
-              <a:rPr lang="fr-FR" altLang="fr-FR" smtClean="0"/>
+              <a:rPr lang="fr-FR" altLang="fr-FR"/>
               <a:t>Deuxième niveau</a:t>
             </a:r>
           </a:p>
           <a:p>
             <a:pPr lvl="2"/>
             <a:r>
-              <a:rPr lang="fr-FR" altLang="fr-FR" smtClean="0"/>
+              <a:rPr lang="fr-FR" altLang="fr-FR"/>
               <a:t>Troisième niveau</a:t>
             </a:r>
           </a:p>
           <a:p>
             <a:pPr lvl="3"/>
             <a:r>
-              <a:rPr lang="fr-FR" altLang="fr-FR" smtClean="0"/>
+              <a:rPr lang="fr-FR" altLang="fr-FR"/>
               <a:t>Quatrième niveau</a:t>
             </a:r>
           </a:p>
           <a:p>
             <a:pPr lvl="4"/>
             <a:r>
-              <a:rPr lang="fr-FR" altLang="fr-FR" smtClean="0"/>
+              <a:rPr lang="fr-FR" altLang="fr-FR"/>
               <a:t>Cinquième niveau</a:t>
             </a:r>
           </a:p>
@@ -3234,10 +3225,10 @@
               <a:defRPr/>
             </a:pPr>
             <a:r>
-              <a:rPr lang="fr-FR" sz="1200" smtClean="0"/>
+              <a:rPr lang="fr-FR" sz="1200"/>
               <a:t>© Cyril Vincent Conseil</a:t>
             </a:r>
-            <a:endParaRPr lang="fr-FR" smtClean="0">
+            <a:endParaRPr lang="fr-FR">
               <a:latin typeface="Times New Roman" pitchFamily="18" charset="0"/>
             </a:endParaRPr>
           </a:p>
@@ -3719,22 +3710,17 @@
           <a:p>
             <a:pPr eaLnBrk="1" hangingPunct="1"/>
             <a:r>
-              <a:rPr lang="fr-FR" altLang="fr-FR" dirty="0" smtClean="0"/>
-              <a:t>Chapitre </a:t>
-            </a:r>
-            <a:r>
               <a:rPr lang="fr-FR" altLang="fr-FR" dirty="0"/>
-              <a:t>1</a:t>
-            </a:r>
-            <a:endParaRPr lang="fr-FR" altLang="fr-FR" dirty="0" smtClean="0"/>
+              <a:t>Chapitre 1</a:t>
+            </a:r>
           </a:p>
           <a:p>
             <a:pPr eaLnBrk="1" hangingPunct="1"/>
             <a:r>
-              <a:rPr lang="fr-FR" altLang="fr-FR" smtClean="0"/>
+              <a:rPr lang="fr-FR" altLang="fr-FR"/>
               <a:t>Introduction</a:t>
             </a:r>
-            <a:endParaRPr lang="fr-FR" altLang="fr-FR" dirty="0" smtClean="0"/>
+            <a:endParaRPr lang="fr-FR" altLang="fr-FR" dirty="0"/>
           </a:p>
         </p:txBody>
       </p:sp>
@@ -3785,11 +3771,11 @@
           <a:lstStyle/>
           <a:p>
             <a:r>
-              <a:rPr lang="fr-FR" sz="3600" dirty="0" err="1" smtClean="0"/>
+              <a:rPr lang="fr-FR" sz="3600" dirty="0" err="1"/>
               <a:t>Deep</a:t>
             </a:r>
             <a:r>
-              <a:rPr lang="fr-FR" sz="3600" dirty="0" smtClean="0"/>
+              <a:rPr lang="fr-FR" sz="3600" dirty="0"/>
               <a:t> Learning</a:t>
             </a:r>
           </a:p>
@@ -3800,17 +3786,222 @@
   <p:clrMapOvr>
     <a:masterClrMapping/>
   </p:clrMapOvr>
-  <p:timing>
-    <p:tnLst>
-      <p:par>
-        <p:cTn id="1" dur="indefinite" restart="never" nodeType="tmRoot"/>
-      </p:par>
-    </p:tnLst>
-  </p:timing>
 </p:sld>
 </file>
 
 <file path=ppt/slides/slide10.xml><?xml version="1.0" encoding="utf-8"?>
+<p:sld xmlns:a="http://schemas.openxmlformats.org/drawingml/2006/main" xmlns:r="http://schemas.openxmlformats.org/officeDocument/2006/relationships" xmlns:p="http://schemas.openxmlformats.org/presentationml/2006/main">
+  <p:cSld>
+    <p:spTree>
+      <p:nvGrpSpPr>
+        <p:cNvPr id="1" name=""/>
+        <p:cNvGrpSpPr/>
+        <p:nvPr/>
+      </p:nvGrpSpPr>
+      <p:grpSpPr>
+        <a:xfrm>
+          <a:off x="0" y="0"/>
+          <a:ext cx="0" cy="0"/>
+          <a:chOff x="0" y="0"/>
+          <a:chExt cx="0" cy="0"/>
+        </a:xfrm>
+      </p:grpSpPr>
+      <p:sp>
+        <p:nvSpPr>
+          <p:cNvPr id="2" name="Titre 1"/>
+          <p:cNvSpPr>
+            <a:spLocks noGrp="1"/>
+          </p:cNvSpPr>
+          <p:nvPr>
+            <p:ph type="title"/>
+          </p:nvPr>
+        </p:nvSpPr>
+        <p:spPr/>
+        <p:txBody>
+          <a:bodyPr/>
+          <a:lstStyle/>
+          <a:p>
+            <a:r>
+              <a:rPr lang="fr-FR" dirty="0"/>
+              <a:t>Difficultés</a:t>
+            </a:r>
+          </a:p>
+        </p:txBody>
+      </p:sp>
+      <p:sp>
+        <p:nvSpPr>
+          <p:cNvPr id="3" name="Espace réservé du contenu 2"/>
+          <p:cNvSpPr>
+            <a:spLocks noGrp="1"/>
+          </p:cNvSpPr>
+          <p:nvPr>
+            <p:ph idx="1"/>
+          </p:nvPr>
+        </p:nvSpPr>
+        <p:spPr/>
+        <p:txBody>
+          <a:bodyPr/>
+          <a:lstStyle/>
+          <a:p>
+            <a:r>
+              <a:rPr lang="fr-FR" dirty="0"/>
+              <a:t>Certains problèmes sont trop complexes pour être résolus par un algorithme</a:t>
+            </a:r>
+          </a:p>
+          <a:p>
+            <a:pPr lvl="1"/>
+            <a:r>
+              <a:rPr lang="fr-FR" dirty="0"/>
+              <a:t>Comment reconnaitre un visage ?</a:t>
+            </a:r>
+          </a:p>
+          <a:p>
+            <a:pPr lvl="1"/>
+            <a:r>
+              <a:rPr lang="fr-FR" dirty="0"/>
+              <a:t>Comment conduire une voiture ?</a:t>
+            </a:r>
+          </a:p>
+          <a:p>
+            <a:pPr lvl="1"/>
+            <a:r>
+              <a:rPr lang="fr-FR" dirty="0"/>
+              <a:t>Est-ce la même personne ?</a:t>
+            </a:r>
+          </a:p>
+          <a:p>
+            <a:pPr lvl="1"/>
+            <a:endParaRPr lang="fr-FR" dirty="0"/>
+          </a:p>
+          <a:p>
+            <a:pPr lvl="1"/>
+            <a:r>
+              <a:rPr lang="fr-FR" dirty="0"/>
+              <a:t>Les mesures anthropométriques ne suffisent pas</a:t>
+            </a:r>
+          </a:p>
+        </p:txBody>
+      </p:sp>
+      <p:pic>
+        <p:nvPicPr>
+          <p:cNvPr id="1026" name="Picture 2" descr="RÃ©sultat de recherche d'images pour &quot;ia reconnaissance visage katy perry&quot;"/>
+          <p:cNvPicPr>
+            <a:picLocks noChangeAspect="1" noChangeArrowheads="1"/>
+          </p:cNvPicPr>
+          <p:nvPr/>
+        </p:nvPicPr>
+        <p:blipFill>
+          <a:blip r:embed="rId2">
+            <a:extLst>
+              <a:ext uri="{28A0092B-C50C-407E-A947-70E740481C1C}">
+                <a14:useLocalDpi xmlns:a14="http://schemas.microsoft.com/office/drawing/2010/main" val="0"/>
+              </a:ext>
+            </a:extLst>
+          </a:blip>
+          <a:srcRect/>
+          <a:stretch>
+            <a:fillRect/>
+          </a:stretch>
+        </p:blipFill>
+        <p:spPr bwMode="auto">
+          <a:xfrm>
+            <a:off x="5597259" y="1823841"/>
+            <a:ext cx="3584552" cy="2389702"/>
+          </a:xfrm>
+          <a:prstGeom prst="rect">
+            <a:avLst/>
+          </a:prstGeom>
+          <a:noFill/>
+          <a:extLst>
+            <a:ext uri="{909E8E84-426E-40DD-AFC4-6F175D3DCCD1}">
+              <a14:hiddenFill xmlns:a14="http://schemas.microsoft.com/office/drawing/2010/main">
+                <a:solidFill>
+                  <a:srgbClr val="FFFFFF"/>
+                </a:solidFill>
+              </a14:hiddenFill>
+            </a:ext>
+          </a:extLst>
+        </p:spPr>
+      </p:pic>
+      <p:pic>
+        <p:nvPicPr>
+          <p:cNvPr id="1028" name="Picture 4" descr="RÃ©sultat de recherche d'images pour &quot;deep learning  visage katy perry&quot;"/>
+          <p:cNvPicPr>
+            <a:picLocks noChangeAspect="1" noChangeArrowheads="1"/>
+          </p:cNvPicPr>
+          <p:nvPr/>
+        </p:nvPicPr>
+        <p:blipFill>
+          <a:blip r:embed="rId3">
+            <a:extLst>
+              <a:ext uri="{28A0092B-C50C-407E-A947-70E740481C1C}">
+                <a14:useLocalDpi xmlns:a14="http://schemas.microsoft.com/office/drawing/2010/main" val="0"/>
+              </a:ext>
+            </a:extLst>
+          </a:blip>
+          <a:srcRect/>
+          <a:stretch>
+            <a:fillRect/>
+          </a:stretch>
+        </p:blipFill>
+        <p:spPr bwMode="auto">
+          <a:xfrm>
+            <a:off x="7740352" y="1851480"/>
+            <a:ext cx="1821722" cy="2362063"/>
+          </a:xfrm>
+          <a:prstGeom prst="rect">
+            <a:avLst/>
+          </a:prstGeom>
+          <a:noFill/>
+          <a:extLst>
+            <a:ext uri="{909E8E84-426E-40DD-AFC4-6F175D3DCCD1}">
+              <a14:hiddenFill xmlns:a14="http://schemas.microsoft.com/office/drawing/2010/main">
+                <a:solidFill>
+                  <a:srgbClr val="FFFFFF"/>
+                </a:solidFill>
+              </a14:hiddenFill>
+            </a:ext>
+          </a:extLst>
+        </p:spPr>
+      </p:pic>
+      <p:pic>
+        <p:nvPicPr>
+          <p:cNvPr id="4" name="Image 3"/>
+          <p:cNvPicPr>
+            <a:picLocks noChangeAspect="1"/>
+          </p:cNvPicPr>
+          <p:nvPr/>
+        </p:nvPicPr>
+        <p:blipFill>
+          <a:blip r:embed="rId4"/>
+          <a:stretch>
+            <a:fillRect/>
+          </a:stretch>
+        </p:blipFill>
+        <p:spPr>
+          <a:xfrm>
+            <a:off x="2339752" y="4529861"/>
+            <a:ext cx="3751511" cy="2298271"/>
+          </a:xfrm>
+          <a:prstGeom prst="rect">
+            <a:avLst/>
+          </a:prstGeom>
+        </p:spPr>
+      </p:pic>
+    </p:spTree>
+    <p:extLst>
+      <p:ext uri="{BB962C8B-B14F-4D97-AF65-F5344CB8AC3E}">
+        <p14:creationId xmlns:p14="http://schemas.microsoft.com/office/powerpoint/2010/main" val="3995539023"/>
+      </p:ext>
+    </p:extLst>
+  </p:cSld>
+  <p:clrMapOvr>
+    <a:masterClrMapping/>
+  </p:clrMapOvr>
+</p:sld>
+</file>
+
+<file path=ppt/slides/slide11.xml><?xml version="1.0" encoding="utf-8"?>
 <p:sld xmlns:a="http://schemas.openxmlformats.org/drawingml/2006/main" xmlns:r="http://schemas.openxmlformats.org/officeDocument/2006/relationships" xmlns:p="http://schemas.openxmlformats.org/presentationml/2006/main">
   <p:cSld>
     <p:spTree>
@@ -3916,17 +4107,10 @@
   <p:clrMapOvr>
     <a:masterClrMapping/>
   </p:clrMapOvr>
-  <p:timing>
-    <p:tnLst>
-      <p:par>
-        <p:cTn id="1" dur="indefinite" restart="never" nodeType="tmRoot"/>
-      </p:par>
-    </p:tnLst>
-  </p:timing>
 </p:sld>
 </file>
 
-<file path=ppt/slides/slide11.xml><?xml version="1.0" encoding="utf-8"?>
+<file path=ppt/slides/slide12.xml><?xml version="1.0" encoding="utf-8"?>
 <p:sld xmlns:a="http://schemas.openxmlformats.org/drawingml/2006/main" xmlns:r="http://schemas.openxmlformats.org/officeDocument/2006/relationships" xmlns:p="http://schemas.openxmlformats.org/presentationml/2006/main">
   <p:cSld>
     <p:spTree>
@@ -3959,10 +4143,9 @@
           <a:lstStyle/>
           <a:p>
             <a:r>
-              <a:rPr lang="fr-FR" dirty="0" smtClean="0"/>
+              <a:rPr lang="fr-FR" dirty="0"/>
               <a:t>L'intelligence artificielle</a:t>
             </a:r>
-            <a:endParaRPr lang="fr-FR" dirty="0"/>
           </a:p>
         </p:txBody>
       </p:sp>
@@ -3987,12 +4170,8 @@
           <a:lstStyle/>
           <a:p>
             <a:r>
-              <a:rPr lang="fr-FR" dirty="0" smtClean="0"/>
-              <a:t>l'IA est </a:t>
-            </a:r>
-            <a:r>
-              <a:rPr lang="fr-FR" dirty="0"/>
-              <a:t>l'ensemble des théories et des techniques mises en œuvre en vue de réaliser des machines capables de simuler l'intelligence </a:t>
+              <a:rPr lang="fr-FR" dirty="0"/>
+              <a:t>l'IA est l'ensemble des théories et des techniques mises en œuvre en vue de réaliser des machines capables de simuler l'intelligence </a:t>
             </a:r>
           </a:p>
         </p:txBody>
@@ -4051,7 +4230,7 @@
 </p:sld>
 </file>
 
-<file path=ppt/slides/slide12.xml><?xml version="1.0" encoding="utf-8"?>
+<file path=ppt/slides/slide13.xml><?xml version="1.0" encoding="utf-8"?>
 <p:sld xmlns:a="http://schemas.openxmlformats.org/drawingml/2006/main" xmlns:r="http://schemas.openxmlformats.org/officeDocument/2006/relationships" xmlns:p="http://schemas.openxmlformats.org/presentationml/2006/main">
   <p:cSld>
     <p:spTree>
@@ -4084,10 +4263,9 @@
           <a:lstStyle/>
           <a:p>
             <a:r>
-              <a:rPr lang="fr-FR" dirty="0" smtClean="0"/>
+              <a:rPr lang="fr-FR" dirty="0"/>
               <a:t>Test de Turing</a:t>
             </a:r>
-            <a:endParaRPr lang="fr-FR" dirty="0"/>
           </a:p>
         </p:txBody>
       </p:sp>
@@ -4113,43 +4291,22 @@
           <a:p>
             <a:r>
               <a:rPr lang="fr-FR" dirty="0"/>
-              <a:t>Le test de Turing est une proposition de test d’intelligence artificielle fondée sur la faculté d'une machine à imiter la conversation </a:t>
-            </a:r>
-            <a:r>
-              <a:rPr lang="fr-FR" dirty="0" smtClean="0"/>
-              <a:t>humaine</a:t>
+              <a:t>Le test de Turing est une proposition de test d’intelligence artificielle fondée sur la faculté d'une machine à imiter la conversation humaine</a:t>
             </a:r>
           </a:p>
           <a:p>
             <a:pPr lvl="1"/>
             <a:r>
-              <a:rPr lang="fr-FR" dirty="0" smtClean="0"/>
-              <a:t>Ce test </a:t>
-            </a:r>
-            <a:r>
-              <a:rPr lang="fr-FR" dirty="0"/>
-              <a:t>consiste à mettre un humain en confrontation verbale à l’aveugle avec un ordinateur et un autre </a:t>
-            </a:r>
-            <a:r>
-              <a:rPr lang="fr-FR" dirty="0" smtClean="0"/>
-              <a:t>humain</a:t>
+              <a:rPr lang="fr-FR" dirty="0"/>
+              <a:t>Ce test consiste à mettre un humain en confrontation verbale à l’aveugle avec un ordinateur et un autre humain</a:t>
             </a:r>
           </a:p>
           <a:p>
             <a:pPr lvl="1"/>
             <a:r>
-              <a:rPr lang="fr-FR" dirty="0" smtClean="0"/>
-              <a:t>Si </a:t>
-            </a:r>
-            <a:r>
-              <a:rPr lang="fr-FR" dirty="0"/>
-              <a:t>la personne qui engage les conversations n’est pas capable de dire lequel de ses interlocuteurs est un ordinateur, on peut considérer que le logiciel de l’ordinateur a passé avec succès le </a:t>
-            </a:r>
-            <a:r>
-              <a:rPr lang="fr-FR" dirty="0" smtClean="0"/>
-              <a:t>test</a:t>
-            </a:r>
-            <a:endParaRPr lang="fr-FR" dirty="0"/>
+              <a:rPr lang="fr-FR" dirty="0"/>
+              <a:t>Si la personne qui engage les conversations n’est pas capable de dire lequel de ses interlocuteurs est un ordinateur, on peut considérer que le logiciel de l’ordinateur a passé avec succès le test</a:t>
+            </a:r>
           </a:p>
         </p:txBody>
       </p:sp>
@@ -4207,7 +4364,7 @@
 </p:sld>
 </file>
 
-<file path=ppt/slides/slide13.xml><?xml version="1.0" encoding="utf-8"?>
+<file path=ppt/slides/slide14.xml><?xml version="1.0" encoding="utf-8"?>
 <p:sld xmlns:a="http://schemas.openxmlformats.org/drawingml/2006/main" xmlns:r="http://schemas.openxmlformats.org/officeDocument/2006/relationships" xmlns:p="http://schemas.openxmlformats.org/presentationml/2006/main">
   <p:cSld>
     <p:spTree>
@@ -4240,10 +4397,9 @@
           <a:lstStyle/>
           <a:p>
             <a:r>
-              <a:rPr lang="fr-FR" dirty="0" smtClean="0"/>
+              <a:rPr lang="fr-FR" dirty="0"/>
               <a:t>Copier la nature ou non</a:t>
             </a:r>
-            <a:endParaRPr lang="fr-FR" dirty="0"/>
           </a:p>
         </p:txBody>
       </p:sp>
@@ -4342,7 +4498,7 @@
 </p:sld>
 </file>
 
-<file path=ppt/slides/slide14.xml><?xml version="1.0" encoding="utf-8"?>
+<file path=ppt/slides/slide15.xml><?xml version="1.0" encoding="utf-8"?>
 <p:sld xmlns:a="http://schemas.openxmlformats.org/drawingml/2006/main" xmlns:r="http://schemas.openxmlformats.org/officeDocument/2006/relationships" xmlns:p="http://schemas.openxmlformats.org/presentationml/2006/main">
   <p:cSld>
     <p:spTree>
@@ -4375,10 +4531,9 @@
           <a:lstStyle/>
           <a:p>
             <a:r>
-              <a:rPr lang="fr-FR" dirty="0" smtClean="0"/>
+              <a:rPr lang="fr-FR" dirty="0"/>
               <a:t>IA - ML - DL</a:t>
             </a:r>
-            <a:endParaRPr lang="fr-FR" dirty="0"/>
           </a:p>
         </p:txBody>
       </p:sp>
@@ -4436,7 +4591,7 @@
 </p:sld>
 </file>
 
-<file path=ppt/slides/slide15.xml><?xml version="1.0" encoding="utf-8"?>
+<file path=ppt/slides/slide16.xml><?xml version="1.0" encoding="utf-8"?>
 <p:sld xmlns:a="http://schemas.openxmlformats.org/drawingml/2006/main" xmlns:r="http://schemas.openxmlformats.org/officeDocument/2006/relationships" xmlns:p="http://schemas.openxmlformats.org/presentationml/2006/main">
   <p:cSld>
     <p:spTree>
@@ -4469,10 +4624,9 @@
           <a:lstStyle/>
           <a:p>
             <a:r>
-              <a:rPr lang="fr-FR" dirty="0" smtClean="0"/>
+              <a:rPr lang="fr-FR" dirty="0"/>
               <a:t>Machine Learning</a:t>
             </a:r>
-            <a:endParaRPr lang="fr-FR" dirty="0"/>
           </a:p>
         </p:txBody>
       </p:sp>
@@ -4530,105 +4684,6 @@
 </p:sld>
 </file>
 
-<file path=ppt/slides/slide16.xml><?xml version="1.0" encoding="utf-8"?>
-<p:sld xmlns:a="http://schemas.openxmlformats.org/drawingml/2006/main" xmlns:r="http://schemas.openxmlformats.org/officeDocument/2006/relationships" xmlns:p="http://schemas.openxmlformats.org/presentationml/2006/main">
-  <p:cSld>
-    <p:spTree>
-      <p:nvGrpSpPr>
-        <p:cNvPr id="1" name=""/>
-        <p:cNvGrpSpPr/>
-        <p:nvPr/>
-      </p:nvGrpSpPr>
-      <p:grpSpPr>
-        <a:xfrm>
-          <a:off x="0" y="0"/>
-          <a:ext cx="0" cy="0"/>
-          <a:chOff x="0" y="0"/>
-          <a:chExt cx="0" cy="0"/>
-        </a:xfrm>
-      </p:grpSpPr>
-      <p:sp>
-        <p:nvSpPr>
-          <p:cNvPr id="2" name="Titre 1"/>
-          <p:cNvSpPr>
-            <a:spLocks noGrp="1"/>
-          </p:cNvSpPr>
-          <p:nvPr>
-            <p:ph type="title"/>
-          </p:nvPr>
-        </p:nvSpPr>
-        <p:spPr/>
-        <p:txBody>
-          <a:bodyPr/>
-          <a:lstStyle/>
-          <a:p>
-            <a:r>
-              <a:rPr lang="fr-FR" dirty="0" smtClean="0"/>
-              <a:t>Machine Learning</a:t>
-            </a:r>
-            <a:endParaRPr lang="fr-FR" dirty="0"/>
-          </a:p>
-        </p:txBody>
-      </p:sp>
-      <p:sp>
-        <p:nvSpPr>
-          <p:cNvPr id="3" name="Espace réservé du contenu 2"/>
-          <p:cNvSpPr>
-            <a:spLocks noGrp="1"/>
-          </p:cNvSpPr>
-          <p:nvPr>
-            <p:ph idx="1"/>
-          </p:nvPr>
-        </p:nvSpPr>
-        <p:spPr/>
-        <p:txBody>
-          <a:bodyPr/>
-          <a:lstStyle/>
-          <a:p>
-            <a:r>
-              <a:rPr lang="fr-FR" dirty="0"/>
-              <a:t>L'apprentissage automatique </a:t>
-            </a:r>
-            <a:r>
-              <a:rPr lang="fr-FR" dirty="0" smtClean="0"/>
-              <a:t>(machine </a:t>
-            </a:r>
-            <a:r>
-              <a:rPr lang="fr-FR" dirty="0" err="1" smtClean="0"/>
-              <a:t>learning</a:t>
-            </a:r>
-            <a:r>
-              <a:rPr lang="fr-FR" dirty="0" smtClean="0"/>
-              <a:t>), champ </a:t>
-            </a:r>
-            <a:r>
-              <a:rPr lang="fr-FR" dirty="0"/>
-              <a:t>d'étude de l'intelligence artificielle, concerne la conception, l'analyse, le développement et l'implémentation de méthodes permettant à une machine </a:t>
-            </a:r>
-            <a:r>
-              <a:rPr lang="fr-FR" dirty="0" smtClean="0"/>
-              <a:t>d'évoluer </a:t>
-            </a:r>
-            <a:r>
-              <a:rPr lang="fr-FR" dirty="0"/>
-              <a:t>par un processus systématique, et ainsi de remplir des tâches difficiles ou problématiques par des moyens algorithmiques plus classiques</a:t>
-            </a:r>
-          </a:p>
-        </p:txBody>
-      </p:sp>
-    </p:spTree>
-    <p:extLst>
-      <p:ext uri="{BB962C8B-B14F-4D97-AF65-F5344CB8AC3E}">
-        <p14:creationId xmlns:p14="http://schemas.microsoft.com/office/powerpoint/2010/main" val="840195629"/>
-      </p:ext>
-    </p:extLst>
-  </p:cSld>
-  <p:clrMapOvr>
-    <a:masterClrMapping/>
-  </p:clrMapOvr>
-</p:sld>
-</file>
-
 <file path=ppt/slides/slide17.xml><?xml version="1.0" encoding="utf-8"?>
 <p:sld xmlns:a="http://schemas.openxmlformats.org/drawingml/2006/main" xmlns:r="http://schemas.openxmlformats.org/officeDocument/2006/relationships" xmlns:p="http://schemas.openxmlformats.org/presentationml/2006/main">
   <p:cSld>
@@ -4662,10 +4717,9 @@
           <a:lstStyle/>
           <a:p>
             <a:r>
-              <a:rPr lang="fr-FR" dirty="0" smtClean="0"/>
-              <a:t>Apprentissage supervisé</a:t>
-            </a:r>
-            <a:endParaRPr lang="fr-FR" dirty="0"/>
+              <a:rPr lang="fr-FR" dirty="0"/>
+              <a:t>Machine Learning</a:t>
+            </a:r>
           </a:p>
         </p:txBody>
       </p:sp>
@@ -4685,17 +4739,98 @@
           <a:lstStyle/>
           <a:p>
             <a:r>
-              <a:rPr lang="fr-FR" dirty="0" smtClean="0"/>
+              <a:rPr lang="fr-FR" dirty="0"/>
+              <a:t>L'apprentissage automatique (machine </a:t>
+            </a:r>
+            <a:r>
+              <a:rPr lang="fr-FR" dirty="0" err="1"/>
+              <a:t>learning</a:t>
+            </a:r>
+            <a:r>
+              <a:rPr lang="fr-FR" dirty="0"/>
+              <a:t>), champ d'étude de l'intelligence artificielle, concerne la conception, l'analyse, le développement et l'implémentation de méthodes permettant à une machine d'évoluer par un processus systématique, et ainsi de remplir des tâches difficiles ou problématiques par des moyens algorithmiques plus classiques</a:t>
+            </a:r>
+          </a:p>
+        </p:txBody>
+      </p:sp>
+    </p:spTree>
+    <p:extLst>
+      <p:ext uri="{BB962C8B-B14F-4D97-AF65-F5344CB8AC3E}">
+        <p14:creationId xmlns:p14="http://schemas.microsoft.com/office/powerpoint/2010/main" val="840195629"/>
+      </p:ext>
+    </p:extLst>
+  </p:cSld>
+  <p:clrMapOvr>
+    <a:masterClrMapping/>
+  </p:clrMapOvr>
+</p:sld>
+</file>
+
+<file path=ppt/slides/slide18.xml><?xml version="1.0" encoding="utf-8"?>
+<p:sld xmlns:a="http://schemas.openxmlformats.org/drawingml/2006/main" xmlns:r="http://schemas.openxmlformats.org/officeDocument/2006/relationships" xmlns:p="http://schemas.openxmlformats.org/presentationml/2006/main">
+  <p:cSld>
+    <p:spTree>
+      <p:nvGrpSpPr>
+        <p:cNvPr id="1" name=""/>
+        <p:cNvGrpSpPr/>
+        <p:nvPr/>
+      </p:nvGrpSpPr>
+      <p:grpSpPr>
+        <a:xfrm>
+          <a:off x="0" y="0"/>
+          <a:ext cx="0" cy="0"/>
+          <a:chOff x="0" y="0"/>
+          <a:chExt cx="0" cy="0"/>
+        </a:xfrm>
+      </p:grpSpPr>
+      <p:sp>
+        <p:nvSpPr>
+          <p:cNvPr id="2" name="Titre 1"/>
+          <p:cNvSpPr>
+            <a:spLocks noGrp="1"/>
+          </p:cNvSpPr>
+          <p:nvPr>
+            <p:ph type="title"/>
+          </p:nvPr>
+        </p:nvSpPr>
+        <p:spPr/>
+        <p:txBody>
+          <a:bodyPr/>
+          <a:lstStyle/>
+          <a:p>
+            <a:r>
+              <a:rPr lang="fr-FR" dirty="0"/>
+              <a:t>Apprentissage supervisé</a:t>
+            </a:r>
+          </a:p>
+        </p:txBody>
+      </p:sp>
+      <p:sp>
+        <p:nvSpPr>
+          <p:cNvPr id="3" name="Espace réservé du contenu 2"/>
+          <p:cNvSpPr>
+            <a:spLocks noGrp="1"/>
+          </p:cNvSpPr>
+          <p:nvPr>
+            <p:ph idx="1"/>
+          </p:nvPr>
+        </p:nvSpPr>
+        <p:spPr/>
+        <p:txBody>
+          <a:bodyPr/>
+          <a:lstStyle/>
+          <a:p>
+            <a:r>
+              <a:rPr lang="fr-FR" dirty="0"/>
               <a:t>Dans cet exemple les images ont été annotés par un expert avec leur catégorie</a:t>
             </a:r>
           </a:p>
           <a:p>
             <a:pPr lvl="1"/>
             <a:r>
-              <a:rPr lang="fr-FR" dirty="0" smtClean="0"/>
+              <a:rPr lang="fr-FR" dirty="0"/>
               <a:t>La machine apprend puis prédit</a:t>
             </a:r>
-            <a:endParaRPr lang="fr-FR" dirty="0"/>
           </a:p>
         </p:txBody>
       </p:sp>
@@ -4753,123 +4888,6 @@
 </p:sld>
 </file>
 
-<file path=ppt/slides/slide18.xml><?xml version="1.0" encoding="utf-8"?>
-<p:sld xmlns:a="http://schemas.openxmlformats.org/drawingml/2006/main" xmlns:r="http://schemas.openxmlformats.org/officeDocument/2006/relationships" xmlns:p="http://schemas.openxmlformats.org/presentationml/2006/main">
-  <p:cSld>
-    <p:spTree>
-      <p:nvGrpSpPr>
-        <p:cNvPr id="1" name=""/>
-        <p:cNvGrpSpPr/>
-        <p:nvPr/>
-      </p:nvGrpSpPr>
-      <p:grpSpPr>
-        <a:xfrm>
-          <a:off x="0" y="0"/>
-          <a:ext cx="0" cy="0"/>
-          <a:chOff x="0" y="0"/>
-          <a:chExt cx="0" cy="0"/>
-        </a:xfrm>
-      </p:grpSpPr>
-      <p:sp>
-        <p:nvSpPr>
-          <p:cNvPr id="2" name="Titre 1"/>
-          <p:cNvSpPr>
-            <a:spLocks noGrp="1"/>
-          </p:cNvSpPr>
-          <p:nvPr>
-            <p:ph type="title"/>
-          </p:nvPr>
-        </p:nvSpPr>
-        <p:spPr/>
-        <p:txBody>
-          <a:bodyPr/>
-          <a:lstStyle/>
-          <a:p>
-            <a:r>
-              <a:rPr lang="fr-FR" dirty="0" smtClean="0"/>
-              <a:t>But</a:t>
-            </a:r>
-            <a:endParaRPr lang="fr-FR" dirty="0"/>
-          </a:p>
-        </p:txBody>
-      </p:sp>
-      <p:sp>
-        <p:nvSpPr>
-          <p:cNvPr id="3" name="Espace réservé du contenu 2"/>
-          <p:cNvSpPr>
-            <a:spLocks noGrp="1"/>
-          </p:cNvSpPr>
-          <p:nvPr>
-            <p:ph idx="1"/>
-          </p:nvPr>
-        </p:nvSpPr>
-        <p:spPr/>
-        <p:txBody>
-          <a:bodyPr/>
-          <a:lstStyle/>
-          <a:p>
-            <a:r>
-              <a:rPr lang="fr-FR" dirty="0"/>
-              <a:t>En machine </a:t>
-            </a:r>
-            <a:r>
-              <a:rPr lang="fr-FR" dirty="0" err="1"/>
-              <a:t>learning</a:t>
-            </a:r>
-            <a:r>
-              <a:rPr lang="fr-FR" dirty="0"/>
-              <a:t> et en data science plus généralement, l'objectif est de trouver un modèle </a:t>
-            </a:r>
-            <a:r>
-              <a:rPr lang="fr-FR" dirty="0" smtClean="0"/>
-              <a:t>du </a:t>
-            </a:r>
-            <a:r>
-              <a:rPr lang="fr-FR" dirty="0"/>
-              <a:t>phénomène à l'origine des </a:t>
-            </a:r>
-            <a:r>
-              <a:rPr lang="fr-FR" dirty="0" smtClean="0"/>
-              <a:t>données</a:t>
-            </a:r>
-          </a:p>
-          <a:p>
-            <a:r>
-              <a:rPr lang="fr-FR" dirty="0" smtClean="0"/>
-              <a:t>C'est </a:t>
-            </a:r>
-            <a:r>
-              <a:rPr lang="fr-FR" dirty="0"/>
-              <a:t>à dire qu'on considère que chaque donnée observée est l'expression d'une variable aléatoire générée par une distribution de </a:t>
-            </a:r>
-            <a:r>
-              <a:rPr lang="fr-FR" dirty="0" smtClean="0"/>
-              <a:t>probabilité</a:t>
-            </a:r>
-          </a:p>
-          <a:p>
-            <a:pPr lvl="1"/>
-            <a:r>
-              <a:rPr lang="fr-FR" smtClean="0"/>
-              <a:t>Par exemple les sondages</a:t>
-            </a:r>
-            <a:endParaRPr lang="fr-FR" dirty="0"/>
-          </a:p>
-        </p:txBody>
-      </p:sp>
-    </p:spTree>
-    <p:extLst>
-      <p:ext uri="{BB962C8B-B14F-4D97-AF65-F5344CB8AC3E}">
-        <p14:creationId xmlns:p14="http://schemas.microsoft.com/office/powerpoint/2010/main" val="1621675134"/>
-      </p:ext>
-    </p:extLst>
-  </p:cSld>
-  <p:clrMapOvr>
-    <a:masterClrMapping/>
-  </p:clrMapOvr>
-</p:sld>
-</file>
-
 <file path=ppt/slides/slide19.xml><?xml version="1.0" encoding="utf-8"?>
 <p:sld xmlns:a="http://schemas.openxmlformats.org/drawingml/2006/main" xmlns:r="http://schemas.openxmlformats.org/officeDocument/2006/relationships" xmlns:p="http://schemas.openxmlformats.org/presentationml/2006/main">
   <p:cSld>
@@ -4903,10 +4921,9 @@
           <a:lstStyle/>
           <a:p>
             <a:r>
-              <a:rPr lang="fr-FR" dirty="0" smtClean="0"/>
-              <a:t>Exemple</a:t>
-            </a:r>
-            <a:endParaRPr lang="fr-FR" dirty="0"/>
+              <a:rPr lang="fr-FR" dirty="0"/>
+              <a:t>But</a:t>
+            </a:r>
           </a:p>
         </p:txBody>
       </p:sp>
@@ -4920,32 +4937,368 @@
             <p:ph idx="1"/>
           </p:nvPr>
         </p:nvSpPr>
-        <p:spPr/>
+        <p:spPr>
+          <a:xfrm>
+            <a:off x="628650" y="2040037"/>
+            <a:ext cx="7886700" cy="3263504"/>
+          </a:xfrm>
+        </p:spPr>
         <p:txBody>
           <a:bodyPr/>
           <a:lstStyle/>
           <a:p>
             <a:r>
-              <a:rPr lang="fr-FR" dirty="0" smtClean="0"/>
-              <a:t>Imaginez </a:t>
-            </a:r>
-            <a:r>
-              <a:rPr lang="fr-FR" dirty="0"/>
-              <a:t>que vous voulez savoir si vous payez trop cher votre </a:t>
-            </a:r>
-            <a:r>
-              <a:rPr lang="fr-FR" dirty="0" smtClean="0"/>
-              <a:t>loyer</a:t>
-            </a:r>
-          </a:p>
-          <a:p>
-            <a:r>
-              <a:rPr lang="fr-FR" dirty="0" smtClean="0"/>
-              <a:t>Vous </a:t>
-            </a:r>
-            <a:r>
-              <a:rPr lang="fr-FR" dirty="0"/>
-              <a:t>avez récupéré sur un site de location une trentaine de prix des locations disponibles, ainsi que la surface associée</a:t>
+              <a:rPr lang="fr-FR" dirty="0"/>
+              <a:t>En Machine Learning, l'objectif est de trouver un modèle mathématique du phénomène à l'origine des données par apprentissage</a:t>
+            </a:r>
+          </a:p>
+        </p:txBody>
+      </p:sp>
+      <p:pic>
+        <p:nvPicPr>
+          <p:cNvPr id="1026" name="Picture 2" descr="Machine learning en E-commerce : une expérience client optimale - Arkheus">
+            <a:extLst>
+              <a:ext uri="{FF2B5EF4-FFF2-40B4-BE49-F238E27FC236}">
+                <a16:creationId xmlns:a16="http://schemas.microsoft.com/office/drawing/2014/main" id="{AB55968D-DE43-4613-BCDF-B4584C3687F3}"/>
+              </a:ext>
+            </a:extLst>
+          </p:cNvPr>
+          <p:cNvPicPr>
+            <a:picLocks noChangeAspect="1" noChangeArrowheads="1"/>
+          </p:cNvPicPr>
+          <p:nvPr/>
+        </p:nvPicPr>
+        <p:blipFill>
+          <a:blip r:embed="rId2">
+            <a:extLst>
+              <a:ext uri="{28A0092B-C50C-407E-A947-70E740481C1C}">
+                <a14:useLocalDpi xmlns:a14="http://schemas.microsoft.com/office/drawing/2010/main" val="0"/>
+              </a:ext>
+            </a:extLst>
+          </a:blip>
+          <a:srcRect/>
+          <a:stretch>
+            <a:fillRect/>
+          </a:stretch>
+        </p:blipFill>
+        <p:spPr bwMode="auto">
+          <a:xfrm>
+            <a:off x="2915816" y="3501008"/>
+            <a:ext cx="3515592" cy="2487281"/>
+          </a:xfrm>
+          <a:prstGeom prst="rect">
+            <a:avLst/>
+          </a:prstGeom>
+          <a:noFill/>
+          <a:extLst>
+            <a:ext uri="{909E8E84-426E-40DD-AFC4-6F175D3DCCD1}">
+              <a14:hiddenFill xmlns:a14="http://schemas.microsoft.com/office/drawing/2010/main">
+                <a:solidFill>
+                  <a:srgbClr val="FFFFFF"/>
+                </a:solidFill>
+              </a14:hiddenFill>
+            </a:ext>
+          </a:extLst>
+        </p:spPr>
+      </p:pic>
+    </p:spTree>
+    <p:extLst>
+      <p:ext uri="{BB962C8B-B14F-4D97-AF65-F5344CB8AC3E}">
+        <p14:creationId xmlns:p14="http://schemas.microsoft.com/office/powerpoint/2010/main" val="3171926051"/>
+      </p:ext>
+    </p:extLst>
+  </p:cSld>
+  <p:clrMapOvr>
+    <a:masterClrMapping/>
+  </p:clrMapOvr>
+</p:sld>
+</file>
+
+<file path=ppt/slides/slide2.xml><?xml version="1.0" encoding="utf-8"?>
+<p:sld xmlns:a="http://schemas.openxmlformats.org/drawingml/2006/main" xmlns:r="http://schemas.openxmlformats.org/officeDocument/2006/relationships" xmlns:p="http://schemas.openxmlformats.org/presentationml/2006/main">
+  <p:cSld>
+    <p:spTree>
+      <p:nvGrpSpPr>
+        <p:cNvPr id="1" name=""/>
+        <p:cNvGrpSpPr/>
+        <p:nvPr/>
+      </p:nvGrpSpPr>
+      <p:grpSpPr>
+        <a:xfrm>
+          <a:off x="0" y="0"/>
+          <a:ext cx="0" cy="0"/>
+          <a:chOff x="0" y="0"/>
+          <a:chExt cx="0" cy="0"/>
+        </a:xfrm>
+      </p:grpSpPr>
+      <p:sp>
+        <p:nvSpPr>
+          <p:cNvPr id="2" name="Titre 1">
+            <a:extLst>
+              <a:ext uri="{FF2B5EF4-FFF2-40B4-BE49-F238E27FC236}">
+                <a16:creationId xmlns:a16="http://schemas.microsoft.com/office/drawing/2014/main" id="{A13579DF-66D0-4E22-BB39-CB7A8E021BB1}"/>
+              </a:ext>
+            </a:extLst>
+          </p:cNvPr>
+          <p:cNvSpPr>
+            <a:spLocks noGrp="1"/>
+          </p:cNvSpPr>
+          <p:nvPr>
+            <p:ph type="title"/>
+          </p:nvPr>
+        </p:nvSpPr>
+        <p:spPr/>
+        <p:txBody>
+          <a:bodyPr/>
+          <a:lstStyle/>
+          <a:p>
+            <a:endParaRPr lang="fr-FR"/>
+          </a:p>
+        </p:txBody>
+      </p:sp>
+      <p:pic>
+        <p:nvPicPr>
+          <p:cNvPr id="4" name="Picture 6" descr="Le rapport Villani sur l'intelligence artificielle est attendu pour janvier">
+            <a:extLst>
+              <a:ext uri="{FF2B5EF4-FFF2-40B4-BE49-F238E27FC236}">
+                <a16:creationId xmlns:a16="http://schemas.microsoft.com/office/drawing/2014/main" id="{D868BDFA-9D78-4025-96A8-732E051C3A1A}"/>
+              </a:ext>
+            </a:extLst>
+          </p:cNvPr>
+          <p:cNvPicPr>
+            <a:picLocks noChangeAspect="1" noChangeArrowheads="1"/>
+          </p:cNvPicPr>
+          <p:nvPr/>
+        </p:nvPicPr>
+        <p:blipFill>
+          <a:blip r:embed="rId2">
+            <a:extLst>
+              <a:ext uri="{28A0092B-C50C-407E-A947-70E740481C1C}">
+                <a14:useLocalDpi xmlns:a14="http://schemas.microsoft.com/office/drawing/2010/main" val="0"/>
+              </a:ext>
+            </a:extLst>
+          </a:blip>
+          <a:srcRect/>
+          <a:stretch>
+            <a:fillRect/>
+          </a:stretch>
+        </p:blipFill>
+        <p:spPr bwMode="auto">
+          <a:xfrm>
+            <a:off x="0" y="857250"/>
+            <a:ext cx="9144000" cy="5177826"/>
+          </a:xfrm>
+          <a:prstGeom prst="rect">
+            <a:avLst/>
+          </a:prstGeom>
+          <a:noFill/>
+          <a:extLst>
+            <a:ext uri="{909E8E84-426E-40DD-AFC4-6F175D3DCCD1}">
+              <a14:hiddenFill xmlns:a14="http://schemas.microsoft.com/office/drawing/2010/main">
+                <a:solidFill>
+                  <a:srgbClr val="FFFFFF"/>
+                </a:solidFill>
+              </a14:hiddenFill>
+            </a:ext>
+          </a:extLst>
+        </p:spPr>
+      </p:pic>
+    </p:spTree>
+    <p:extLst>
+      <p:ext uri="{BB962C8B-B14F-4D97-AF65-F5344CB8AC3E}">
+        <p14:creationId xmlns:p14="http://schemas.microsoft.com/office/powerpoint/2010/main" val="2517459029"/>
+      </p:ext>
+    </p:extLst>
+  </p:cSld>
+  <p:clrMapOvr>
+    <a:masterClrMapping/>
+  </p:clrMapOvr>
+</p:sld>
+</file>
+
+<file path=ppt/slides/slide20.xml><?xml version="1.0" encoding="utf-8"?>
+<p:sld xmlns:a="http://schemas.openxmlformats.org/drawingml/2006/main" xmlns:r="http://schemas.openxmlformats.org/officeDocument/2006/relationships" xmlns:p="http://schemas.openxmlformats.org/presentationml/2006/main">
+  <p:cSld>
+    <p:spTree>
+      <p:nvGrpSpPr>
+        <p:cNvPr id="1" name=""/>
+        <p:cNvGrpSpPr/>
+        <p:nvPr/>
+      </p:nvGrpSpPr>
+      <p:grpSpPr>
+        <a:xfrm>
+          <a:off x="0" y="0"/>
+          <a:ext cx="0" cy="0"/>
+          <a:chOff x="0" y="0"/>
+          <a:chExt cx="0" cy="0"/>
+        </a:xfrm>
+      </p:grpSpPr>
+      <p:sp>
+        <p:nvSpPr>
+          <p:cNvPr id="2" name="Titre 1"/>
+          <p:cNvSpPr>
+            <a:spLocks noGrp="1"/>
+          </p:cNvSpPr>
+          <p:nvPr>
+            <p:ph type="title"/>
+          </p:nvPr>
+        </p:nvSpPr>
+        <p:spPr/>
+        <p:txBody>
+          <a:bodyPr/>
+          <a:lstStyle/>
+          <a:p>
+            <a:r>
+              <a:rPr lang="fr-FR" dirty="0"/>
+              <a:t>Apprentissage non supervisé ou semi-supervisé</a:t>
+            </a:r>
+          </a:p>
+        </p:txBody>
+      </p:sp>
+      <p:sp>
+        <p:nvSpPr>
+          <p:cNvPr id="3" name="Espace réservé du contenu 2"/>
+          <p:cNvSpPr>
+            <a:spLocks noGrp="1"/>
+          </p:cNvSpPr>
+          <p:nvPr>
+            <p:ph idx="1"/>
+          </p:nvPr>
+        </p:nvSpPr>
+        <p:spPr/>
+        <p:txBody>
+          <a:bodyPr/>
+          <a:lstStyle/>
+          <a:p>
+            <a:r>
+              <a:rPr lang="fr-FR" dirty="0"/>
+              <a:t>Clustering</a:t>
+            </a:r>
+          </a:p>
+          <a:p>
+            <a:r>
+              <a:rPr lang="fr-FR" dirty="0"/>
+              <a:t>Regroupement en mesurant une "distance" entre des données</a:t>
+            </a:r>
+          </a:p>
+          <a:p>
+            <a:r>
+              <a:rPr lang="fr-FR" dirty="0"/>
+              <a:t>Par exemple :</a:t>
+            </a:r>
+          </a:p>
+          <a:p>
+            <a:pPr lvl="1"/>
+            <a:r>
+              <a:rPr lang="fr-FR" dirty="0"/>
+              <a:t>"Il fait beau" est plus proche de "le temps est magnifique" que "il est beau"</a:t>
+            </a:r>
+          </a:p>
+          <a:p>
+            <a:r>
+              <a:rPr lang="fr-FR" dirty="0"/>
+              <a:t>Cas d'utilisation</a:t>
+            </a:r>
+          </a:p>
+          <a:p>
+            <a:pPr lvl="1"/>
+            <a:r>
+              <a:rPr lang="fr-FR" dirty="0"/>
+              <a:t>Regrouper des images qui se ressemblent</a:t>
+            </a:r>
+          </a:p>
+          <a:p>
+            <a:pPr lvl="1"/>
+            <a:r>
+              <a:rPr lang="fr-FR" dirty="0"/>
+              <a:t>Regrouper des signaux électromagnétiques qui se ressemblent</a:t>
+            </a:r>
+          </a:p>
+          <a:p>
+            <a:pPr lvl="1"/>
+            <a:r>
+              <a:rPr lang="fr-FR" dirty="0"/>
+              <a:t>Regrouper des textes qui se ressemblent avec gestions des synonymes et des contextes</a:t>
+            </a:r>
+          </a:p>
+        </p:txBody>
+      </p:sp>
+    </p:spTree>
+    <p:extLst>
+      <p:ext uri="{BB962C8B-B14F-4D97-AF65-F5344CB8AC3E}">
+        <p14:creationId xmlns:p14="http://schemas.microsoft.com/office/powerpoint/2010/main" val="3823895156"/>
+      </p:ext>
+    </p:extLst>
+  </p:cSld>
+  <p:clrMapOvr>
+    <a:masterClrMapping/>
+  </p:clrMapOvr>
+</p:sld>
+</file>
+
+<file path=ppt/slides/slide21.xml><?xml version="1.0" encoding="utf-8"?>
+<p:sld xmlns:a="http://schemas.openxmlformats.org/drawingml/2006/main" xmlns:r="http://schemas.openxmlformats.org/officeDocument/2006/relationships" xmlns:p="http://schemas.openxmlformats.org/presentationml/2006/main">
+  <p:cSld>
+    <p:spTree>
+      <p:nvGrpSpPr>
+        <p:cNvPr id="1" name=""/>
+        <p:cNvGrpSpPr/>
+        <p:nvPr/>
+      </p:nvGrpSpPr>
+      <p:grpSpPr>
+        <a:xfrm>
+          <a:off x="0" y="0"/>
+          <a:ext cx="0" cy="0"/>
+          <a:chOff x="0" y="0"/>
+          <a:chExt cx="0" cy="0"/>
+        </a:xfrm>
+      </p:grpSpPr>
+      <p:sp>
+        <p:nvSpPr>
+          <p:cNvPr id="2" name="Titre 1"/>
+          <p:cNvSpPr>
+            <a:spLocks noGrp="1"/>
+          </p:cNvSpPr>
+          <p:nvPr>
+            <p:ph type="title"/>
+          </p:nvPr>
+        </p:nvSpPr>
+        <p:spPr/>
+        <p:txBody>
+          <a:bodyPr/>
+          <a:lstStyle/>
+          <a:p>
+            <a:r>
+              <a:rPr lang="fr-FR" dirty="0"/>
+              <a:t>Exemple</a:t>
+            </a:r>
+          </a:p>
+        </p:txBody>
+      </p:sp>
+      <p:sp>
+        <p:nvSpPr>
+          <p:cNvPr id="3" name="Espace réservé du contenu 2"/>
+          <p:cNvSpPr>
+            <a:spLocks noGrp="1"/>
+          </p:cNvSpPr>
+          <p:nvPr>
+            <p:ph idx="1"/>
+          </p:nvPr>
+        </p:nvSpPr>
+        <p:spPr/>
+        <p:txBody>
+          <a:bodyPr/>
+          <a:lstStyle/>
+          <a:p>
+            <a:r>
+              <a:rPr lang="fr-FR" dirty="0"/>
+              <a:t>Imaginez que vous voulez savoir si vous payez trop cher votre loyer</a:t>
+            </a:r>
+          </a:p>
+          <a:p>
+            <a:r>
+              <a:rPr lang="fr-FR" dirty="0"/>
+              <a:t>Vous avez récupéré sur un site de location une trentaine de prix des locations disponibles, ainsi que la surface associée</a:t>
             </a:r>
           </a:p>
         </p:txBody>
@@ -4987,7 +5340,7 @@
 </p:sld>
 </file>
 
-<file path=ppt/slides/slide2.xml><?xml version="1.0" encoding="utf-8"?>
+<file path=ppt/slides/slide22.xml><?xml version="1.0" encoding="utf-8"?>
 <p:sld xmlns:a="http://schemas.openxmlformats.org/drawingml/2006/main" xmlns:r="http://schemas.openxmlformats.org/officeDocument/2006/relationships" xmlns:p="http://schemas.openxmlformats.org/presentationml/2006/main">
   <p:cSld>
     <p:spTree>
@@ -5019,7 +5372,10 @@
           <a:bodyPr/>
           <a:lstStyle/>
           <a:p>
-            <a:endParaRPr lang="fr-FR"/>
+            <a:r>
+              <a:rPr lang="fr-FR" dirty="0"/>
+              <a:t>Graphique</a:t>
+            </a:r>
           </a:p>
         </p:txBody>
       </p:sp>
@@ -5038,124 +5394,10 @@
           <a:bodyPr/>
           <a:lstStyle/>
           <a:p>
-            <a:endParaRPr lang="fr-FR"/>
-          </a:p>
-        </p:txBody>
-      </p:sp>
-      <p:pic>
-        <p:nvPicPr>
-          <p:cNvPr id="1026" name="Picture 2" descr="Image associÃ©e"/>
-          <p:cNvPicPr>
-            <a:picLocks noChangeAspect="1" noChangeArrowheads="1"/>
-          </p:cNvPicPr>
-          <p:nvPr/>
-        </p:nvPicPr>
-        <p:blipFill>
-          <a:blip r:embed="rId2">
-            <a:extLst>
-              <a:ext uri="{28A0092B-C50C-407E-A947-70E740481C1C}">
-                <a14:useLocalDpi xmlns:a14="http://schemas.microsoft.com/office/drawing/2010/main" val="0"/>
-              </a:ext>
-            </a:extLst>
-          </a:blip>
-          <a:srcRect/>
-          <a:stretch>
-            <a:fillRect/>
-          </a:stretch>
-        </p:blipFill>
-        <p:spPr bwMode="auto">
-          <a:xfrm>
-            <a:off x="954616" y="0"/>
-            <a:ext cx="7215842" cy="6785993"/>
-          </a:xfrm>
-          <a:prstGeom prst="rect">
-            <a:avLst/>
-          </a:prstGeom>
-          <a:noFill/>
-          <a:extLst>
-            <a:ext uri="{909E8E84-426E-40DD-AFC4-6F175D3DCCD1}">
-              <a14:hiddenFill xmlns:a14="http://schemas.microsoft.com/office/drawing/2010/main">
-                <a:solidFill>
-                  <a:srgbClr val="FFFFFF"/>
-                </a:solidFill>
-              </a14:hiddenFill>
-            </a:ext>
-          </a:extLst>
-        </p:spPr>
-      </p:pic>
-    </p:spTree>
-    <p:extLst>
-      <p:ext uri="{BB962C8B-B14F-4D97-AF65-F5344CB8AC3E}">
-        <p14:creationId xmlns:p14="http://schemas.microsoft.com/office/powerpoint/2010/main" val="3559559726"/>
-      </p:ext>
-    </p:extLst>
-  </p:cSld>
-  <p:clrMapOvr>
-    <a:masterClrMapping/>
-  </p:clrMapOvr>
-</p:sld>
-</file>
-
-<file path=ppt/slides/slide20.xml><?xml version="1.0" encoding="utf-8"?>
-<p:sld xmlns:a="http://schemas.openxmlformats.org/drawingml/2006/main" xmlns:r="http://schemas.openxmlformats.org/officeDocument/2006/relationships" xmlns:p="http://schemas.openxmlformats.org/presentationml/2006/main">
-  <p:cSld>
-    <p:spTree>
-      <p:nvGrpSpPr>
-        <p:cNvPr id="1" name=""/>
-        <p:cNvGrpSpPr/>
-        <p:nvPr/>
-      </p:nvGrpSpPr>
-      <p:grpSpPr>
-        <a:xfrm>
-          <a:off x="0" y="0"/>
-          <a:ext cx="0" cy="0"/>
-          <a:chOff x="0" y="0"/>
-          <a:chExt cx="0" cy="0"/>
-        </a:xfrm>
-      </p:grpSpPr>
-      <p:sp>
-        <p:nvSpPr>
-          <p:cNvPr id="2" name="Titre 1"/>
-          <p:cNvSpPr>
-            <a:spLocks noGrp="1"/>
-          </p:cNvSpPr>
-          <p:nvPr>
-            <p:ph type="title"/>
-          </p:nvPr>
-        </p:nvSpPr>
-        <p:spPr/>
-        <p:txBody>
-          <a:bodyPr/>
-          <a:lstStyle/>
-          <a:p>
-            <a:r>
-              <a:rPr lang="fr-FR" dirty="0" smtClean="0"/>
-              <a:t>Graphique</a:t>
-            </a:r>
-            <a:endParaRPr lang="fr-FR" dirty="0"/>
-          </a:p>
-        </p:txBody>
-      </p:sp>
-      <p:sp>
-        <p:nvSpPr>
-          <p:cNvPr id="3" name="Espace réservé du contenu 2"/>
-          <p:cNvSpPr>
-            <a:spLocks noGrp="1"/>
-          </p:cNvSpPr>
-          <p:nvPr>
-            <p:ph idx="1"/>
-          </p:nvPr>
-        </p:nvSpPr>
-        <p:spPr/>
-        <p:txBody>
-          <a:bodyPr/>
-          <a:lstStyle/>
-          <a:p>
-            <a:r>
-              <a:rPr lang="fr-FR" dirty="0" smtClean="0"/>
+            <a:r>
+              <a:rPr lang="fr-FR" dirty="0"/>
               <a:t>Surface / Loyer</a:t>
             </a:r>
-            <a:endParaRPr lang="fr-FR" dirty="0"/>
           </a:p>
         </p:txBody>
       </p:sp>
@@ -5213,7 +5455,7 @@
 </p:sld>
 </file>
 
-<file path=ppt/slides/slide21.xml><?xml version="1.0" encoding="utf-8"?>
+<file path=ppt/slides/slide23.xml><?xml version="1.0" encoding="utf-8"?>
 <p:sld xmlns:a="http://schemas.openxmlformats.org/drawingml/2006/main" xmlns:r="http://schemas.openxmlformats.org/officeDocument/2006/relationships" xmlns:p="http://schemas.openxmlformats.org/presentationml/2006/main">
   <p:cSld>
     <p:spTree>
@@ -5246,10 +5488,9 @@
           <a:lstStyle/>
           <a:p>
             <a:r>
-              <a:rPr lang="fr-FR" dirty="0" smtClean="0"/>
+              <a:rPr lang="fr-FR" dirty="0"/>
               <a:t>Régression linéaire</a:t>
             </a:r>
-            <a:endParaRPr lang="fr-FR" dirty="0"/>
           </a:p>
         </p:txBody>
       </p:sp>
@@ -5269,7 +5510,7 @@
           <a:lstStyle/>
           <a:p>
             <a:r>
-              <a:rPr lang="fr-FR" dirty="0" smtClean="0"/>
+              <a:rPr lang="fr-FR" dirty="0"/>
               <a:t>Notre exemple montre une régression linéaire</a:t>
             </a:r>
           </a:p>
@@ -5332,7 +5573,7 @@
 </p:sld>
 </file>
 
-<file path=ppt/slides/slide22.xml><?xml version="1.0" encoding="utf-8"?>
+<file path=ppt/slides/slide24.xml><?xml version="1.0" encoding="utf-8"?>
 <p:sld xmlns:a="http://schemas.openxmlformats.org/drawingml/2006/main" xmlns:r="http://schemas.openxmlformats.org/officeDocument/2006/relationships" xmlns:p="http://schemas.openxmlformats.org/presentationml/2006/main">
   <p:cSld>
     <p:spTree>
@@ -5365,10 +5606,9 @@
           <a:lstStyle/>
           <a:p>
             <a:r>
-              <a:rPr lang="fr-FR" dirty="0" smtClean="0"/>
+              <a:rPr lang="fr-FR" dirty="0"/>
               <a:t>Classification</a:t>
             </a:r>
-            <a:endParaRPr lang="fr-FR" dirty="0"/>
           </a:p>
         </p:txBody>
       </p:sp>
@@ -5397,51 +5637,27 @@
             </a:r>
             <a:r>
               <a:rPr lang="fr-FR" dirty="0"/>
-              <a:t> est le type de sortie que l'on attend de notre </a:t>
-            </a:r>
-            <a:r>
-              <a:rPr lang="fr-FR" dirty="0" smtClean="0"/>
-              <a:t>programme</a:t>
+              <a:t> est le type de sortie que l'on attend de notre programme</a:t>
             </a:r>
           </a:p>
           <a:p>
             <a:pPr lvl="1"/>
             <a:r>
-              <a:rPr lang="fr-FR" dirty="0" smtClean="0"/>
-              <a:t>Est-ce </a:t>
-            </a:r>
-            <a:r>
-              <a:rPr lang="fr-FR" dirty="0"/>
-              <a:t>une valeur continue (un </a:t>
-            </a:r>
-            <a:r>
-              <a:rPr lang="fr-FR" dirty="0" smtClean="0"/>
-              <a:t>nombre)</a:t>
+              <a:rPr lang="fr-FR" dirty="0"/>
+              <a:t>Est-ce une valeur continue (un nombre)</a:t>
             </a:r>
           </a:p>
           <a:p>
             <a:pPr lvl="1"/>
             <a:r>
-              <a:rPr lang="fr-FR" dirty="0" smtClean="0"/>
-              <a:t>ou </a:t>
-            </a:r>
-            <a:r>
-              <a:rPr lang="fr-FR" dirty="0"/>
-              <a:t>bien une valeur discrète (une catégorie) </a:t>
-            </a:r>
-            <a:r>
-              <a:rPr lang="fr-FR" dirty="0" smtClean="0"/>
-              <a:t>?</a:t>
-            </a:r>
-          </a:p>
-          <a:p>
-            <a:r>
-              <a:rPr lang="fr-FR" dirty="0" smtClean="0"/>
-              <a:t>Le </a:t>
-            </a:r>
-            <a:r>
-              <a:rPr lang="fr-FR" dirty="0"/>
-              <a:t>premier cas est appelé une régression, le second une classification</a:t>
+              <a:rPr lang="fr-FR" dirty="0"/>
+              <a:t>ou bien une valeur discrète (une catégorie) ?</a:t>
+            </a:r>
+          </a:p>
+          <a:p>
+            <a:r>
+              <a:rPr lang="fr-FR" dirty="0"/>
+              <a:t>Le premier cas est appelé une régression, le second une classification</a:t>
             </a:r>
           </a:p>
         </p:txBody>
@@ -5500,232 +5716,6 @@
 </p:sld>
 </file>
 
-<file path=ppt/slides/slide23.xml><?xml version="1.0" encoding="utf-8"?>
-<p:sld xmlns:a="http://schemas.openxmlformats.org/drawingml/2006/main" xmlns:r="http://schemas.openxmlformats.org/officeDocument/2006/relationships" xmlns:p="http://schemas.openxmlformats.org/presentationml/2006/main">
-  <p:cSld>
-    <p:spTree>
-      <p:nvGrpSpPr>
-        <p:cNvPr id="1" name=""/>
-        <p:cNvGrpSpPr/>
-        <p:nvPr/>
-      </p:nvGrpSpPr>
-      <p:grpSpPr>
-        <a:xfrm>
-          <a:off x="0" y="0"/>
-          <a:ext cx="0" cy="0"/>
-          <a:chOff x="0" y="0"/>
-          <a:chExt cx="0" cy="0"/>
-        </a:xfrm>
-      </p:grpSpPr>
-      <p:sp>
-        <p:nvSpPr>
-          <p:cNvPr id="2" name="Titre 1"/>
-          <p:cNvSpPr>
-            <a:spLocks noGrp="1"/>
-          </p:cNvSpPr>
-          <p:nvPr>
-            <p:ph type="title"/>
-          </p:nvPr>
-        </p:nvSpPr>
-        <p:spPr/>
-        <p:txBody>
-          <a:bodyPr/>
-          <a:lstStyle/>
-          <a:p>
-            <a:r>
-              <a:rPr lang="fr-FR" dirty="0" smtClean="0"/>
-              <a:t>Apprentissage</a:t>
-            </a:r>
-            <a:endParaRPr lang="fr-FR" dirty="0"/>
-          </a:p>
-        </p:txBody>
-      </p:sp>
-      <p:sp>
-        <p:nvSpPr>
-          <p:cNvPr id="3" name="Espace réservé du contenu 2"/>
-          <p:cNvSpPr>
-            <a:spLocks noGrp="1"/>
-          </p:cNvSpPr>
-          <p:nvPr>
-            <p:ph idx="1"/>
-          </p:nvPr>
-        </p:nvSpPr>
-        <p:spPr/>
-        <p:txBody>
-          <a:bodyPr/>
-          <a:lstStyle/>
-          <a:p>
-            <a:r>
-              <a:rPr lang="fr-FR" dirty="0"/>
-              <a:t>En machine </a:t>
-            </a:r>
-            <a:r>
-              <a:rPr lang="fr-FR" dirty="0" err="1"/>
-              <a:t>learning</a:t>
-            </a:r>
-            <a:r>
-              <a:rPr lang="fr-FR" dirty="0"/>
-              <a:t>, l'idée est que l'algorithme construise une "représentation interne" tout seul afin de pouvoir effectuer la tâche qui lui est demandée (prédiction, identification, </a:t>
-            </a:r>
-            <a:r>
-              <a:rPr lang="fr-FR" dirty="0" err="1" smtClean="0"/>
-              <a:t>etc</a:t>
-            </a:r>
-            <a:r>
-              <a:rPr lang="fr-FR" dirty="0" smtClean="0"/>
-              <a:t>)</a:t>
-            </a:r>
-          </a:p>
-          <a:p>
-            <a:r>
-              <a:rPr lang="fr-FR" dirty="0" smtClean="0"/>
-              <a:t>L’être humain est quasiment incapable d’écrire l’algorithme</a:t>
-            </a:r>
-          </a:p>
-          <a:p>
-            <a:r>
-              <a:rPr lang="fr-FR" dirty="0" smtClean="0"/>
-              <a:t>Pour </a:t>
-            </a:r>
-            <a:r>
-              <a:rPr lang="fr-FR" dirty="0"/>
-              <a:t>cela, il va d'abord falloir lui entrer un jeu de données d'exemples afin qu'il puisse s'entraîner et s'améliorer, d'où le mot </a:t>
-            </a:r>
-            <a:r>
-              <a:rPr lang="fr-FR" dirty="0" smtClean="0"/>
-              <a:t>apprentissage</a:t>
-            </a:r>
-          </a:p>
-          <a:p>
-            <a:r>
-              <a:rPr lang="fr-FR" dirty="0" smtClean="0"/>
-              <a:t>Ce </a:t>
-            </a:r>
-            <a:r>
-              <a:rPr lang="fr-FR" dirty="0"/>
-              <a:t>jeu de données s'appelle le </a:t>
-            </a:r>
-            <a:r>
-              <a:rPr lang="fr-FR" dirty="0" smtClean="0"/>
-              <a:t>training set</a:t>
-            </a:r>
-          </a:p>
-          <a:p>
-            <a:endParaRPr lang="fr-FR" dirty="0"/>
-          </a:p>
-        </p:txBody>
-      </p:sp>
-    </p:spTree>
-    <p:extLst>
-      <p:ext uri="{BB962C8B-B14F-4D97-AF65-F5344CB8AC3E}">
-        <p14:creationId xmlns:p14="http://schemas.microsoft.com/office/powerpoint/2010/main" val="3013364896"/>
-      </p:ext>
-    </p:extLst>
-  </p:cSld>
-  <p:clrMapOvr>
-    <a:masterClrMapping/>
-  </p:clrMapOvr>
-</p:sld>
-</file>
-
-<file path=ppt/slides/slide24.xml><?xml version="1.0" encoding="utf-8"?>
-<p:sld xmlns:a="http://schemas.openxmlformats.org/drawingml/2006/main" xmlns:r="http://schemas.openxmlformats.org/officeDocument/2006/relationships" xmlns:p="http://schemas.openxmlformats.org/presentationml/2006/main">
-  <p:cSld>
-    <p:spTree>
-      <p:nvGrpSpPr>
-        <p:cNvPr id="1" name=""/>
-        <p:cNvGrpSpPr/>
-        <p:nvPr/>
-      </p:nvGrpSpPr>
-      <p:grpSpPr>
-        <a:xfrm>
-          <a:off x="0" y="0"/>
-          <a:ext cx="0" cy="0"/>
-          <a:chOff x="0" y="0"/>
-          <a:chExt cx="0" cy="0"/>
-        </a:xfrm>
-      </p:grpSpPr>
-      <p:sp>
-        <p:nvSpPr>
-          <p:cNvPr id="2" name="Titre 1"/>
-          <p:cNvSpPr>
-            <a:spLocks noGrp="1"/>
-          </p:cNvSpPr>
-          <p:nvPr>
-            <p:ph type="title"/>
-          </p:nvPr>
-        </p:nvSpPr>
-        <p:spPr/>
-        <p:txBody>
-          <a:bodyPr/>
-          <a:lstStyle/>
-          <a:p>
-            <a:r>
-              <a:rPr lang="fr-FR" dirty="0" smtClean="0"/>
-              <a:t>Machine Learning </a:t>
-            </a:r>
-            <a:r>
-              <a:rPr lang="fr-FR" smtClean="0"/>
-              <a:t>vs Programmation</a:t>
-            </a:r>
-            <a:endParaRPr lang="fr-FR" dirty="0"/>
-          </a:p>
-        </p:txBody>
-      </p:sp>
-      <p:pic>
-        <p:nvPicPr>
-          <p:cNvPr id="1026" name="Picture 2" descr="https://dpzbhybb2pdcj.cloudfront.net/allaire/Figures/01fig02.jpg"/>
-          <p:cNvPicPr>
-            <a:picLocks noChangeAspect="1" noChangeArrowheads="1"/>
-          </p:cNvPicPr>
-          <p:nvPr/>
-        </p:nvPicPr>
-        <p:blipFill>
-          <a:blip r:embed="rId2">
-            <a:extLst>
-              <a:ext uri="{28A0092B-C50C-407E-A947-70E740481C1C}">
-                <a14:useLocalDpi xmlns:a14="http://schemas.microsoft.com/office/drawing/2010/main" val="0"/>
-              </a:ext>
-            </a:extLst>
-          </a:blip>
-          <a:srcRect/>
-          <a:stretch>
-            <a:fillRect/>
-          </a:stretch>
-        </p:blipFill>
-        <p:spPr bwMode="auto">
-          <a:xfrm>
-            <a:off x="1979712" y="2420888"/>
-            <a:ext cx="6048672" cy="3069477"/>
-          </a:xfrm>
-          <a:prstGeom prst="rect">
-            <a:avLst/>
-          </a:prstGeom>
-          <a:noFill/>
-          <a:extLst>
-            <a:ext uri="{909E8E84-426E-40DD-AFC4-6F175D3DCCD1}">
-              <a14:hiddenFill xmlns:a14="http://schemas.microsoft.com/office/drawing/2010/main">
-                <a:solidFill>
-                  <a:srgbClr val="FFFFFF"/>
-                </a:solidFill>
-              </a14:hiddenFill>
-            </a:ext>
-          </a:extLst>
-        </p:spPr>
-      </p:pic>
-    </p:spTree>
-    <p:extLst>
-      <p:ext uri="{BB962C8B-B14F-4D97-AF65-F5344CB8AC3E}">
-        <p14:creationId xmlns:p14="http://schemas.microsoft.com/office/powerpoint/2010/main" val="2491157772"/>
-      </p:ext>
-    </p:extLst>
-  </p:cSld>
-  <p:clrMapOvr>
-    <a:masterClrMapping/>
-  </p:clrMapOvr>
-</p:sld>
-</file>
-
 <file path=ppt/slides/slide25.xml><?xml version="1.0" encoding="utf-8"?>
 <p:sld xmlns:a="http://schemas.openxmlformats.org/drawingml/2006/main" xmlns:r="http://schemas.openxmlformats.org/officeDocument/2006/relationships" xmlns:p="http://schemas.openxmlformats.org/presentationml/2006/main">
   <p:cSld>
@@ -5759,10 +5749,120 @@
           <a:lstStyle/>
           <a:p>
             <a:r>
-              <a:rPr lang="fr-FR" dirty="0" smtClean="0"/>
+              <a:rPr lang="fr-FR" dirty="0"/>
+              <a:t>Apprentissage</a:t>
+            </a:r>
+          </a:p>
+        </p:txBody>
+      </p:sp>
+      <p:sp>
+        <p:nvSpPr>
+          <p:cNvPr id="3" name="Espace réservé du contenu 2"/>
+          <p:cNvSpPr>
+            <a:spLocks noGrp="1"/>
+          </p:cNvSpPr>
+          <p:nvPr>
+            <p:ph idx="1"/>
+          </p:nvPr>
+        </p:nvSpPr>
+        <p:spPr/>
+        <p:txBody>
+          <a:bodyPr/>
+          <a:lstStyle/>
+          <a:p>
+            <a:r>
+              <a:rPr lang="fr-FR" dirty="0"/>
+              <a:t>En machine </a:t>
+            </a:r>
+            <a:r>
+              <a:rPr lang="fr-FR" dirty="0" err="1"/>
+              <a:t>learning</a:t>
+            </a:r>
+            <a:r>
+              <a:rPr lang="fr-FR" dirty="0"/>
+              <a:t>, l'idée est que l'algorithme construise une "représentation interne" tout seul afin de pouvoir effectuer la tâche qui lui est demandée (prédiction, identification, </a:t>
+            </a:r>
+            <a:r>
+              <a:rPr lang="fr-FR" dirty="0" err="1"/>
+              <a:t>etc</a:t>
+            </a:r>
+            <a:r>
+              <a:rPr lang="fr-FR" dirty="0"/>
+              <a:t>)</a:t>
+            </a:r>
+          </a:p>
+          <a:p>
+            <a:r>
+              <a:rPr lang="fr-FR" dirty="0"/>
+              <a:t>L’être humain est quasiment incapable d’écrire l’algorithme</a:t>
+            </a:r>
+          </a:p>
+          <a:p>
+            <a:r>
+              <a:rPr lang="fr-FR" dirty="0"/>
+              <a:t>Pour cela, il va d'abord falloir lui entrer un jeu de données d'exemples afin qu'il puisse s'entraîner et s'améliorer, d'où le mot apprentissage</a:t>
+            </a:r>
+          </a:p>
+          <a:p>
+            <a:r>
+              <a:rPr lang="fr-FR" dirty="0"/>
+              <a:t>Ce jeu de données s'appelle le training set</a:t>
+            </a:r>
+          </a:p>
+          <a:p>
+            <a:endParaRPr lang="fr-FR" dirty="0"/>
+          </a:p>
+        </p:txBody>
+      </p:sp>
+    </p:spTree>
+    <p:extLst>
+      <p:ext uri="{BB962C8B-B14F-4D97-AF65-F5344CB8AC3E}">
+        <p14:creationId xmlns:p14="http://schemas.microsoft.com/office/powerpoint/2010/main" val="3013364896"/>
+      </p:ext>
+    </p:extLst>
+  </p:cSld>
+  <p:clrMapOvr>
+    <a:masterClrMapping/>
+  </p:clrMapOvr>
+</p:sld>
+</file>
+
+<file path=ppt/slides/slide26.xml><?xml version="1.0" encoding="utf-8"?>
+<p:sld xmlns:a="http://schemas.openxmlformats.org/drawingml/2006/main" xmlns:r="http://schemas.openxmlformats.org/officeDocument/2006/relationships" xmlns:p="http://schemas.openxmlformats.org/presentationml/2006/main">
+  <p:cSld>
+    <p:spTree>
+      <p:nvGrpSpPr>
+        <p:cNvPr id="1" name=""/>
+        <p:cNvGrpSpPr/>
+        <p:nvPr/>
+      </p:nvGrpSpPr>
+      <p:grpSpPr>
+        <a:xfrm>
+          <a:off x="0" y="0"/>
+          <a:ext cx="0" cy="0"/>
+          <a:chOff x="0" y="0"/>
+          <a:chExt cx="0" cy="0"/>
+        </a:xfrm>
+      </p:grpSpPr>
+      <p:sp>
+        <p:nvSpPr>
+          <p:cNvPr id="2" name="Titre 1"/>
+          <p:cNvSpPr>
+            <a:spLocks noGrp="1"/>
+          </p:cNvSpPr>
+          <p:nvPr>
+            <p:ph type="title"/>
+          </p:nvPr>
+        </p:nvSpPr>
+        <p:spPr/>
+        <p:txBody>
+          <a:bodyPr/>
+          <a:lstStyle/>
+          <a:p>
+            <a:r>
+              <a:rPr lang="fr-FR" dirty="0"/>
               <a:t>Choix du modèle</a:t>
             </a:r>
-            <a:endParaRPr lang="fr-FR" dirty="0"/>
           </a:p>
         </p:txBody>
       </p:sp>
@@ -5805,120 +5905,6 @@
 </p:sld>
 </file>
 
-<file path=ppt/slides/slide26.xml><?xml version="1.0" encoding="utf-8"?>
-<p:sld xmlns:a="http://schemas.openxmlformats.org/drawingml/2006/main" xmlns:r="http://schemas.openxmlformats.org/officeDocument/2006/relationships" xmlns:p="http://schemas.openxmlformats.org/presentationml/2006/main">
-  <p:cSld>
-    <p:spTree>
-      <p:nvGrpSpPr>
-        <p:cNvPr id="1" name=""/>
-        <p:cNvGrpSpPr/>
-        <p:nvPr/>
-      </p:nvGrpSpPr>
-      <p:grpSpPr>
-        <a:xfrm>
-          <a:off x="0" y="0"/>
-          <a:ext cx="0" cy="0"/>
-          <a:chOff x="0" y="0"/>
-          <a:chExt cx="0" cy="0"/>
-        </a:xfrm>
-      </p:grpSpPr>
-      <p:sp>
-        <p:nvSpPr>
-          <p:cNvPr id="2" name="Titre 1"/>
-          <p:cNvSpPr>
-            <a:spLocks noGrp="1"/>
-          </p:cNvSpPr>
-          <p:nvPr>
-            <p:ph type="title"/>
-          </p:nvPr>
-        </p:nvSpPr>
-        <p:spPr/>
-        <p:txBody>
-          <a:bodyPr/>
-          <a:lstStyle/>
-          <a:p>
-            <a:r>
-              <a:rPr lang="fr-FR" dirty="0" smtClean="0"/>
-              <a:t>Les </a:t>
-            </a:r>
-            <a:r>
-              <a:rPr lang="fr-FR" dirty="0" err="1" smtClean="0"/>
-              <a:t>frameworks</a:t>
-            </a:r>
-            <a:endParaRPr lang="fr-FR" dirty="0"/>
-          </a:p>
-        </p:txBody>
-      </p:sp>
-      <p:sp>
-        <p:nvSpPr>
-          <p:cNvPr id="3" name="Espace réservé du contenu 2"/>
-          <p:cNvSpPr>
-            <a:spLocks noGrp="1"/>
-          </p:cNvSpPr>
-          <p:nvPr>
-            <p:ph idx="1"/>
-          </p:nvPr>
-        </p:nvSpPr>
-        <p:spPr/>
-        <p:txBody>
-          <a:bodyPr/>
-          <a:lstStyle/>
-          <a:p>
-            <a:r>
-              <a:rPr lang="fr-FR" dirty="0" smtClean="0"/>
-              <a:t>Le leader</a:t>
-            </a:r>
-          </a:p>
-          <a:p>
-            <a:pPr lvl="1"/>
-            <a:r>
-              <a:rPr lang="fr-FR" dirty="0" smtClean="0"/>
-              <a:t>Python </a:t>
-            </a:r>
-            <a:r>
-              <a:rPr lang="fr-FR" dirty="0" err="1" smtClean="0"/>
-              <a:t>ScikitLearn</a:t>
-            </a:r>
-            <a:r>
-              <a:rPr lang="fr-FR" dirty="0" smtClean="0"/>
-              <a:t> (INRIA)</a:t>
-            </a:r>
-            <a:endParaRPr lang="fr-FR" dirty="0"/>
-          </a:p>
-          <a:p>
-            <a:r>
-              <a:rPr lang="fr-FR" dirty="0" smtClean="0"/>
-              <a:t>Le challenger</a:t>
-            </a:r>
-          </a:p>
-          <a:p>
-            <a:pPr lvl="1"/>
-            <a:r>
-              <a:rPr lang="fr-FR" dirty="0" smtClean="0"/>
-              <a:t>R</a:t>
-            </a:r>
-          </a:p>
-          <a:p>
-            <a:r>
-              <a:rPr lang="fr-FR" dirty="0" smtClean="0"/>
-              <a:t>Java et C# savent en faire mais ne font pas référence</a:t>
-            </a:r>
-          </a:p>
-        </p:txBody>
-      </p:sp>
-    </p:spTree>
-    <p:extLst>
-      <p:ext uri="{BB962C8B-B14F-4D97-AF65-F5344CB8AC3E}">
-        <p14:creationId xmlns:p14="http://schemas.microsoft.com/office/powerpoint/2010/main" val="4001365314"/>
-      </p:ext>
-    </p:extLst>
-  </p:cSld>
-  <p:clrMapOvr>
-    <a:masterClrMapping/>
-  </p:clrMapOvr>
-</p:sld>
-</file>
-
 <file path=ppt/slides/slide27.xml><?xml version="1.0" encoding="utf-8"?>
 <p:sld xmlns:a="http://schemas.openxmlformats.org/drawingml/2006/main" xmlns:r="http://schemas.openxmlformats.org/officeDocument/2006/relationships" xmlns:p="http://schemas.openxmlformats.org/presentationml/2006/main">
   <p:cSld>
@@ -5938,7 +5924,13 @@
       </p:grpSpPr>
       <p:sp>
         <p:nvSpPr>
-          <p:cNvPr id="2" name="Titre 1"/>
+          <p:cNvPr id="2" name="Titre 1">
+            <a:extLst>
+              <a:ext uri="{FF2B5EF4-FFF2-40B4-BE49-F238E27FC236}">
+                <a16:creationId xmlns:a16="http://schemas.microsoft.com/office/drawing/2014/main" id="{FB8B347E-A3C6-4FD1-B000-9BF2AD49E8CA}"/>
+              </a:ext>
+            </a:extLst>
+          </p:cNvPr>
           <p:cNvSpPr>
             <a:spLocks noGrp="1"/>
           </p:cNvSpPr>
@@ -5952,82 +5944,418 @@
           <a:lstStyle/>
           <a:p>
             <a:r>
-              <a:rPr lang="fr-FR" dirty="0" err="1" smtClean="0"/>
-              <a:t>Deep</a:t>
-            </a:r>
-            <a:r>
-              <a:rPr lang="fr-FR" dirty="0" smtClean="0"/>
-              <a:t> Learning</a:t>
+              <a:rPr lang="fr-FR" dirty="0"/>
+              <a:t>Les langages et </a:t>
+            </a:r>
+            <a:r>
+              <a:rPr lang="fr-FR" dirty="0" err="1"/>
+              <a:t>Frameworks</a:t>
             </a:r>
             <a:endParaRPr lang="fr-FR" dirty="0"/>
           </a:p>
         </p:txBody>
       </p:sp>
-      <p:sp>
-        <p:nvSpPr>
-          <p:cNvPr id="3" name="Espace réservé du contenu 2"/>
-          <p:cNvSpPr>
-            <a:spLocks noGrp="1"/>
-          </p:cNvSpPr>
-          <p:nvPr>
-            <p:ph idx="1"/>
-          </p:nvPr>
-        </p:nvSpPr>
-        <p:spPr/>
+      <p:pic>
+        <p:nvPicPr>
+          <p:cNvPr id="6" name="Picture 2" descr="Python et intelligence artificielle">
+            <a:extLst>
+              <a:ext uri="{FF2B5EF4-FFF2-40B4-BE49-F238E27FC236}">
+                <a16:creationId xmlns:a16="http://schemas.microsoft.com/office/drawing/2014/main" id="{FB769AA8-F524-42F6-A99C-EBEF407B4F9D}"/>
+              </a:ext>
+            </a:extLst>
+          </p:cNvPr>
+          <p:cNvPicPr>
+            <a:picLocks noChangeAspect="1" noChangeArrowheads="1"/>
+          </p:cNvPicPr>
+          <p:nvPr/>
+        </p:nvPicPr>
+        <p:blipFill>
+          <a:blip r:embed="rId2" cstate="print">
+            <a:extLst>
+              <a:ext uri="{28A0092B-C50C-407E-A947-70E740481C1C}">
+                <a14:useLocalDpi xmlns:a14="http://schemas.microsoft.com/office/drawing/2010/main" val="0"/>
+              </a:ext>
+            </a:extLst>
+          </a:blip>
+          <a:srcRect/>
+          <a:stretch>
+            <a:fillRect/>
+          </a:stretch>
+        </p:blipFill>
+        <p:spPr bwMode="auto">
+          <a:xfrm>
+            <a:off x="5190680" y="3015391"/>
+            <a:ext cx="3671455" cy="1989900"/>
+          </a:xfrm>
+          <a:prstGeom prst="rect">
+            <a:avLst/>
+          </a:prstGeom>
+          <a:noFill/>
+          <a:extLst>
+            <a:ext uri="{909E8E84-426E-40DD-AFC4-6F175D3DCCD1}">
+              <a14:hiddenFill xmlns:a14="http://schemas.microsoft.com/office/drawing/2010/main">
+                <a:solidFill>
+                  <a:srgbClr val="FFFFFF"/>
+                </a:solidFill>
+              </a14:hiddenFill>
+            </a:ext>
+          </a:extLst>
+        </p:spPr>
+      </p:pic>
+      <p:pic>
+        <p:nvPicPr>
+          <p:cNvPr id="8" name="Picture 4" descr="TensorFlow — Wikipédia">
+            <a:extLst>
+              <a:ext uri="{FF2B5EF4-FFF2-40B4-BE49-F238E27FC236}">
+                <a16:creationId xmlns:a16="http://schemas.microsoft.com/office/drawing/2014/main" id="{7B92E35F-DA87-4345-A44E-D4B0F99773B5}"/>
+              </a:ext>
+            </a:extLst>
+          </p:cNvPr>
+          <p:cNvPicPr>
+            <a:picLocks noChangeAspect="1" noChangeArrowheads="1"/>
+          </p:cNvPicPr>
+          <p:nvPr/>
+        </p:nvPicPr>
+        <p:blipFill>
+          <a:blip r:embed="rId3">
+            <a:extLst>
+              <a:ext uri="{28A0092B-C50C-407E-A947-70E740481C1C}">
+                <a14:useLocalDpi xmlns:a14="http://schemas.microsoft.com/office/drawing/2010/main" val="0"/>
+              </a:ext>
+            </a:extLst>
+          </a:blip>
+          <a:srcRect/>
+          <a:stretch>
+            <a:fillRect/>
+          </a:stretch>
+        </p:blipFill>
+        <p:spPr bwMode="auto">
+          <a:xfrm>
+            <a:off x="7557541" y="1873856"/>
+            <a:ext cx="1304594" cy="1087161"/>
+          </a:xfrm>
+          <a:prstGeom prst="rect">
+            <a:avLst/>
+          </a:prstGeom>
+          <a:noFill/>
+          <a:extLst>
+            <a:ext uri="{909E8E84-426E-40DD-AFC4-6F175D3DCCD1}">
+              <a14:hiddenFill xmlns:a14="http://schemas.microsoft.com/office/drawing/2010/main">
+                <a:solidFill>
+                  <a:srgbClr val="FFFFFF"/>
+                </a:solidFill>
+              </a14:hiddenFill>
+            </a:ext>
+          </a:extLst>
+        </p:spPr>
+      </p:pic>
+      <p:sp>
+        <p:nvSpPr>
+          <p:cNvPr id="9" name="Espace réservé du contenu 2">
+            <a:extLst>
+              <a:ext uri="{FF2B5EF4-FFF2-40B4-BE49-F238E27FC236}">
+                <a16:creationId xmlns:a16="http://schemas.microsoft.com/office/drawing/2014/main" id="{C4E86258-C244-48B5-ADC8-901B50E0DF47}"/>
+              </a:ext>
+            </a:extLst>
+          </p:cNvPr>
+          <p:cNvSpPr txBox="1">
+            <a:spLocks/>
+          </p:cNvSpPr>
+          <p:nvPr/>
+        </p:nvSpPr>
+        <p:spPr>
+          <a:xfrm>
+            <a:off x="217264" y="1851422"/>
+            <a:ext cx="4670318" cy="3780420"/>
+          </a:xfrm>
+          <a:prstGeom prst="rect">
+            <a:avLst/>
+          </a:prstGeom>
+        </p:spPr>
         <p:txBody>
           <a:bodyPr/>
-          <a:lstStyle/>
-          <a:p>
-            <a:r>
-              <a:rPr lang="fr-FR" dirty="0" smtClean="0"/>
-              <a:t>Le </a:t>
-            </a:r>
-            <a:r>
-              <a:rPr lang="fr-FR" dirty="0" err="1" smtClean="0"/>
-              <a:t>deep</a:t>
-            </a:r>
-            <a:r>
-              <a:rPr lang="fr-FR" dirty="0" smtClean="0"/>
-              <a:t> </a:t>
-            </a:r>
-            <a:r>
-              <a:rPr lang="fr-FR" dirty="0" err="1" smtClean="0"/>
-              <a:t>learning</a:t>
-            </a:r>
-            <a:r>
-              <a:rPr lang="fr-FR" dirty="0" smtClean="0"/>
-              <a:t> </a:t>
-            </a:r>
-            <a:r>
-              <a:rPr lang="fr-FR" dirty="0"/>
-              <a:t>est un ensemble de méthodes d'apprentissage automatique tentant de modéliser avec un haut niveau d’abstraction des données grâce à des architectures articulées de différentes transformations </a:t>
-            </a:r>
-            <a:r>
-              <a:rPr lang="fr-FR"/>
-              <a:t>non </a:t>
-            </a:r>
-            <a:r>
-              <a:rPr lang="fr-FR" smtClean="0"/>
-              <a:t>linéaires</a:t>
+          <a:lstStyle>
+            <a:lvl1pPr marL="228600" indent="-228600" algn="l" defTabSz="914400" rtl="0" eaLnBrk="1" latinLnBrk="0" hangingPunct="1">
+              <a:lnSpc>
+                <a:spcPct val="90000"/>
+              </a:lnSpc>
+              <a:spcBef>
+                <a:spcPts val="1000"/>
+              </a:spcBef>
+              <a:buFont typeface="Arial" panose="020B0604020202020204" pitchFamily="34" charset="0"/>
+              <a:buChar char="•"/>
+              <a:defRPr sz="2800" kern="1200">
+                <a:solidFill>
+                  <a:schemeClr val="tx1"/>
+                </a:solidFill>
+                <a:latin typeface="+mn-lt"/>
+                <a:ea typeface="+mn-ea"/>
+                <a:cs typeface="+mn-cs"/>
+              </a:defRPr>
+            </a:lvl1pPr>
+            <a:lvl2pPr marL="685800" indent="-228600" algn="l" defTabSz="914400" rtl="0" eaLnBrk="1" latinLnBrk="0" hangingPunct="1">
+              <a:lnSpc>
+                <a:spcPct val="90000"/>
+              </a:lnSpc>
+              <a:spcBef>
+                <a:spcPts val="500"/>
+              </a:spcBef>
+              <a:buFont typeface="Arial" panose="020B0604020202020204" pitchFamily="34" charset="0"/>
+              <a:buChar char="•"/>
+              <a:defRPr sz="2400" kern="1200">
+                <a:solidFill>
+                  <a:schemeClr val="tx1"/>
+                </a:solidFill>
+                <a:latin typeface="+mn-lt"/>
+                <a:ea typeface="+mn-ea"/>
+                <a:cs typeface="+mn-cs"/>
+              </a:defRPr>
+            </a:lvl2pPr>
+            <a:lvl3pPr marL="1143000" indent="-228600" algn="l" defTabSz="914400" rtl="0" eaLnBrk="1" latinLnBrk="0" hangingPunct="1">
+              <a:lnSpc>
+                <a:spcPct val="90000"/>
+              </a:lnSpc>
+              <a:spcBef>
+                <a:spcPts val="500"/>
+              </a:spcBef>
+              <a:buFont typeface="Arial" panose="020B0604020202020204" pitchFamily="34" charset="0"/>
+              <a:buChar char="•"/>
+              <a:defRPr sz="2000" kern="1200">
+                <a:solidFill>
+                  <a:schemeClr val="tx1"/>
+                </a:solidFill>
+                <a:latin typeface="+mn-lt"/>
+                <a:ea typeface="+mn-ea"/>
+                <a:cs typeface="+mn-cs"/>
+              </a:defRPr>
+            </a:lvl3pPr>
+            <a:lvl4pPr marL="1600200" indent="-228600" algn="l" defTabSz="914400" rtl="0" eaLnBrk="1" latinLnBrk="0" hangingPunct="1">
+              <a:lnSpc>
+                <a:spcPct val="90000"/>
+              </a:lnSpc>
+              <a:spcBef>
+                <a:spcPts val="500"/>
+              </a:spcBef>
+              <a:buFont typeface="Arial" panose="020B0604020202020204" pitchFamily="34" charset="0"/>
+              <a:buChar char="•"/>
+              <a:defRPr sz="1800" kern="1200">
+                <a:solidFill>
+                  <a:schemeClr val="tx1"/>
+                </a:solidFill>
+                <a:latin typeface="+mn-lt"/>
+                <a:ea typeface="+mn-ea"/>
+                <a:cs typeface="+mn-cs"/>
+              </a:defRPr>
+            </a:lvl4pPr>
+            <a:lvl5pPr marL="2057400" indent="-228600" algn="l" defTabSz="914400" rtl="0" eaLnBrk="1" latinLnBrk="0" hangingPunct="1">
+              <a:lnSpc>
+                <a:spcPct val="90000"/>
+              </a:lnSpc>
+              <a:spcBef>
+                <a:spcPts val="500"/>
+              </a:spcBef>
+              <a:buFont typeface="Arial" panose="020B0604020202020204" pitchFamily="34" charset="0"/>
+              <a:buChar char="•"/>
+              <a:defRPr sz="1800" kern="1200">
+                <a:solidFill>
+                  <a:schemeClr val="tx1"/>
+                </a:solidFill>
+                <a:latin typeface="+mn-lt"/>
+                <a:ea typeface="+mn-ea"/>
+                <a:cs typeface="+mn-cs"/>
+              </a:defRPr>
+            </a:lvl5pPr>
+            <a:lvl6pPr marL="2514600" indent="-228600" algn="l" defTabSz="914400" rtl="0" eaLnBrk="1" latinLnBrk="0" hangingPunct="1">
+              <a:lnSpc>
+                <a:spcPct val="90000"/>
+              </a:lnSpc>
+              <a:spcBef>
+                <a:spcPts val="500"/>
+              </a:spcBef>
+              <a:buFont typeface="Arial" panose="020B0604020202020204" pitchFamily="34" charset="0"/>
+              <a:buChar char="•"/>
+              <a:defRPr sz="1800" kern="1200">
+                <a:solidFill>
+                  <a:schemeClr val="tx1"/>
+                </a:solidFill>
+                <a:latin typeface="+mn-lt"/>
+                <a:ea typeface="+mn-ea"/>
+                <a:cs typeface="+mn-cs"/>
+              </a:defRPr>
+            </a:lvl6pPr>
+            <a:lvl7pPr marL="2971800" indent="-228600" algn="l" defTabSz="914400" rtl="0" eaLnBrk="1" latinLnBrk="0" hangingPunct="1">
+              <a:lnSpc>
+                <a:spcPct val="90000"/>
+              </a:lnSpc>
+              <a:spcBef>
+                <a:spcPts val="500"/>
+              </a:spcBef>
+              <a:buFont typeface="Arial" panose="020B0604020202020204" pitchFamily="34" charset="0"/>
+              <a:buChar char="•"/>
+              <a:defRPr sz="1800" kern="1200">
+                <a:solidFill>
+                  <a:schemeClr val="tx1"/>
+                </a:solidFill>
+                <a:latin typeface="+mn-lt"/>
+                <a:ea typeface="+mn-ea"/>
+                <a:cs typeface="+mn-cs"/>
+              </a:defRPr>
+            </a:lvl7pPr>
+            <a:lvl8pPr marL="3429000" indent="-228600" algn="l" defTabSz="914400" rtl="0" eaLnBrk="1" latinLnBrk="0" hangingPunct="1">
+              <a:lnSpc>
+                <a:spcPct val="90000"/>
+              </a:lnSpc>
+              <a:spcBef>
+                <a:spcPts val="500"/>
+              </a:spcBef>
+              <a:buFont typeface="Arial" panose="020B0604020202020204" pitchFamily="34" charset="0"/>
+              <a:buChar char="•"/>
+              <a:defRPr sz="1800" kern="1200">
+                <a:solidFill>
+                  <a:schemeClr val="tx1"/>
+                </a:solidFill>
+                <a:latin typeface="+mn-lt"/>
+                <a:ea typeface="+mn-ea"/>
+                <a:cs typeface="+mn-cs"/>
+              </a:defRPr>
+            </a:lvl8pPr>
+            <a:lvl9pPr marL="3886200" indent="-228600" algn="l" defTabSz="914400" rtl="0" eaLnBrk="1" latinLnBrk="0" hangingPunct="1">
+              <a:lnSpc>
+                <a:spcPct val="90000"/>
+              </a:lnSpc>
+              <a:spcBef>
+                <a:spcPts val="500"/>
+              </a:spcBef>
+              <a:buFont typeface="Arial" panose="020B0604020202020204" pitchFamily="34" charset="0"/>
+              <a:buChar char="•"/>
+              <a:defRPr sz="1800" kern="1200">
+                <a:solidFill>
+                  <a:schemeClr val="tx1"/>
+                </a:solidFill>
+                <a:latin typeface="+mn-lt"/>
+                <a:ea typeface="+mn-ea"/>
+                <a:cs typeface="+mn-cs"/>
+              </a:defRPr>
+            </a:lvl9pPr>
+          </a:lstStyle>
+          <a:p>
+            <a:r>
+              <a:rPr lang="fr-FR" sz="2400" dirty="0"/>
+              <a:t>Apprentissage</a:t>
             </a:r>
           </a:p>
           <a:p>
             <a:pPr lvl="1"/>
             <a:r>
-              <a:rPr lang="fr-FR" smtClean="0"/>
-              <a:t>Ces </a:t>
-            </a:r>
-            <a:r>
-              <a:rPr lang="fr-FR" dirty="0"/>
-              <a:t>techniques ont permis des progrès importants et rapides dans les domaines de l'analyse du signal sonore ou visuel et notamment de la reconnaissance faciale, de la reconnaissance vocale, de la vision par ordinateur, du traitement automatisé du langage</a:t>
-            </a:r>
-          </a:p>
-        </p:txBody>
-      </p:sp>
+              <a:rPr lang="fr-FR" sz="2100" dirty="0"/>
+              <a:t>Python</a:t>
+            </a:r>
+          </a:p>
+          <a:p>
+            <a:pPr lvl="1"/>
+            <a:r>
+              <a:rPr lang="fr-FR" sz="2100" dirty="0" err="1"/>
+              <a:t>Scikit-learn</a:t>
+            </a:r>
+            <a:endParaRPr lang="fr-FR" sz="2100" dirty="0"/>
+          </a:p>
+          <a:p>
+            <a:pPr lvl="2"/>
+            <a:r>
+              <a:rPr lang="fr-FR" sz="1500" dirty="0"/>
+              <a:t>INRIA et Télécom ParisTech</a:t>
+            </a:r>
+          </a:p>
+          <a:p>
+            <a:pPr lvl="1"/>
+            <a:r>
+              <a:rPr lang="fr-FR" sz="2100" dirty="0" err="1"/>
+              <a:t>TensorFlow</a:t>
+            </a:r>
+            <a:endParaRPr lang="fr-FR" sz="2100" dirty="0"/>
+          </a:p>
+          <a:p>
+            <a:pPr lvl="2"/>
+            <a:r>
+              <a:rPr lang="fr-FR" sz="1500" dirty="0"/>
+              <a:t>Google</a:t>
+            </a:r>
+          </a:p>
+          <a:p>
+            <a:pPr lvl="1"/>
+            <a:r>
+              <a:rPr lang="fr-FR" sz="1800" dirty="0"/>
+              <a:t>Matlab, SAS, </a:t>
+            </a:r>
+            <a:r>
+              <a:rPr lang="fr-FR" sz="1800" dirty="0" err="1"/>
+              <a:t>PyTorch</a:t>
+            </a:r>
+            <a:r>
+              <a:rPr lang="fr-FR" sz="1800" dirty="0"/>
+              <a:t>, R, …</a:t>
+            </a:r>
+          </a:p>
+          <a:p>
+            <a:r>
+              <a:rPr lang="fr-FR" sz="2400" dirty="0"/>
+              <a:t>Prédiction</a:t>
+            </a:r>
+          </a:p>
+          <a:p>
+            <a:pPr lvl="1"/>
+            <a:r>
+              <a:rPr lang="fr-FR" sz="1800" dirty="0"/>
+              <a:t>N'importe quel langage !</a:t>
+            </a:r>
+          </a:p>
+          <a:p>
+            <a:pPr lvl="1"/>
+            <a:r>
+              <a:rPr lang="fr-FR" sz="1800" dirty="0"/>
+              <a:t>Embarqué : C++, JS, …</a:t>
+            </a:r>
+          </a:p>
+          <a:p>
+            <a:pPr lvl="1"/>
+            <a:endParaRPr lang="fr-FR" sz="1500" dirty="0"/>
+          </a:p>
+        </p:txBody>
+      </p:sp>
+      <p:pic>
+        <p:nvPicPr>
+          <p:cNvPr id="11" name="Image 10">
+            <a:extLst>
+              <a:ext uri="{FF2B5EF4-FFF2-40B4-BE49-F238E27FC236}">
+                <a16:creationId xmlns:a16="http://schemas.microsoft.com/office/drawing/2014/main" id="{E2C0264F-CF05-444C-A3C0-924199BBFEB2}"/>
+              </a:ext>
+            </a:extLst>
+          </p:cNvPr>
+          <p:cNvPicPr>
+            <a:picLocks noChangeAspect="1"/>
+          </p:cNvPicPr>
+          <p:nvPr/>
+        </p:nvPicPr>
+        <p:blipFill>
+          <a:blip r:embed="rId4"/>
+          <a:stretch>
+            <a:fillRect/>
+          </a:stretch>
+        </p:blipFill>
+        <p:spPr>
+          <a:xfrm>
+            <a:off x="5190679" y="1873856"/>
+            <a:ext cx="2300288" cy="571500"/>
+          </a:xfrm>
+          <a:prstGeom prst="rect">
+            <a:avLst/>
+          </a:prstGeom>
+        </p:spPr>
+      </p:pic>
     </p:spTree>
     <p:extLst>
       <p:ext uri="{BB962C8B-B14F-4D97-AF65-F5344CB8AC3E}">
-        <p14:creationId xmlns:p14="http://schemas.microsoft.com/office/powerpoint/2010/main" val="3554226762"/>
+        <p14:creationId xmlns:p14="http://schemas.microsoft.com/office/powerpoint/2010/main" val="3605670846"/>
       </p:ext>
     </p:extLst>
   </p:cSld>
@@ -6056,6 +6384,166 @@
       </p:grpSpPr>
       <p:sp>
         <p:nvSpPr>
+          <p:cNvPr id="2" name="Titre 1">
+            <a:extLst>
+              <a:ext uri="{FF2B5EF4-FFF2-40B4-BE49-F238E27FC236}">
+                <a16:creationId xmlns:a16="http://schemas.microsoft.com/office/drawing/2014/main" id="{9E89BEBE-6249-4EE9-A3DE-988A6532E15C}"/>
+              </a:ext>
+            </a:extLst>
+          </p:cNvPr>
+          <p:cNvSpPr>
+            <a:spLocks noGrp="1"/>
+          </p:cNvSpPr>
+          <p:nvPr>
+            <p:ph type="title"/>
+          </p:nvPr>
+        </p:nvSpPr>
+        <p:spPr/>
+        <p:txBody>
+          <a:bodyPr/>
+          <a:lstStyle/>
+          <a:p>
+            <a:r>
+              <a:rPr lang="fr-FR" dirty="0"/>
+              <a:t>Les </a:t>
+            </a:r>
+            <a:r>
+              <a:rPr lang="fr-FR" dirty="0" err="1"/>
+              <a:t>Frameworks</a:t>
+            </a:r>
+            <a:r>
+              <a:rPr lang="fr-FR" dirty="0"/>
+              <a:t> ML et DL en 2019</a:t>
+            </a:r>
+          </a:p>
+        </p:txBody>
+      </p:sp>
+      <p:pic>
+        <p:nvPicPr>
+          <p:cNvPr id="1036" name="Picture 12">
+            <a:extLst>
+              <a:ext uri="{FF2B5EF4-FFF2-40B4-BE49-F238E27FC236}">
+                <a16:creationId xmlns:a16="http://schemas.microsoft.com/office/drawing/2014/main" id="{CC81630E-520F-4640-A4D7-4C649ED090DD}"/>
+              </a:ext>
+            </a:extLst>
+          </p:cNvPr>
+          <p:cNvPicPr>
+            <a:picLocks noChangeAspect="1" noChangeArrowheads="1"/>
+          </p:cNvPicPr>
+          <p:nvPr/>
+        </p:nvPicPr>
+        <p:blipFill>
+          <a:blip r:embed="rId2">
+            <a:extLst>
+              <a:ext uri="{28A0092B-C50C-407E-A947-70E740481C1C}">
+                <a14:useLocalDpi xmlns:a14="http://schemas.microsoft.com/office/drawing/2010/main" val="0"/>
+              </a:ext>
+            </a:extLst>
+          </a:blip>
+          <a:srcRect/>
+          <a:stretch>
+            <a:fillRect/>
+          </a:stretch>
+        </p:blipFill>
+        <p:spPr bwMode="auto">
+          <a:xfrm>
+            <a:off x="1534507" y="1851422"/>
+            <a:ext cx="5938352" cy="3401057"/>
+          </a:xfrm>
+          <a:prstGeom prst="rect">
+            <a:avLst/>
+          </a:prstGeom>
+          <a:noFill/>
+          <a:extLst>
+            <a:ext uri="{909E8E84-426E-40DD-AFC4-6F175D3DCCD1}">
+              <a14:hiddenFill xmlns:a14="http://schemas.microsoft.com/office/drawing/2010/main">
+                <a:solidFill>
+                  <a:srgbClr val="FFFFFF"/>
+                </a:solidFill>
+              </a14:hiddenFill>
+            </a:ext>
+          </a:extLst>
+        </p:spPr>
+      </p:pic>
+      <p:pic>
+        <p:nvPicPr>
+          <p:cNvPr id="3" name="Picture 4" descr="TensorFlow — Wikipédia">
+            <a:extLst>
+              <a:ext uri="{FF2B5EF4-FFF2-40B4-BE49-F238E27FC236}">
+                <a16:creationId xmlns:a16="http://schemas.microsoft.com/office/drawing/2014/main" id="{C4B0032F-A73B-40A0-917F-E14A99B3F947}"/>
+              </a:ext>
+            </a:extLst>
+          </p:cNvPr>
+          <p:cNvPicPr>
+            <a:picLocks noChangeAspect="1" noChangeArrowheads="1"/>
+          </p:cNvPicPr>
+          <p:nvPr/>
+        </p:nvPicPr>
+        <p:blipFill>
+          <a:blip r:embed="rId3">
+            <a:extLst>
+              <a:ext uri="{28A0092B-C50C-407E-A947-70E740481C1C}">
+                <a14:useLocalDpi xmlns:a14="http://schemas.microsoft.com/office/drawing/2010/main" val="0"/>
+              </a:ext>
+            </a:extLst>
+          </a:blip>
+          <a:srcRect/>
+          <a:stretch>
+            <a:fillRect/>
+          </a:stretch>
+        </p:blipFill>
+        <p:spPr bwMode="auto">
+          <a:xfrm>
+            <a:off x="5927934" y="2089516"/>
+            <a:ext cx="1304594" cy="1087161"/>
+          </a:xfrm>
+          <a:prstGeom prst="rect">
+            <a:avLst/>
+          </a:prstGeom>
+          <a:noFill/>
+          <a:extLst>
+            <a:ext uri="{909E8E84-426E-40DD-AFC4-6F175D3DCCD1}">
+              <a14:hiddenFill xmlns:a14="http://schemas.microsoft.com/office/drawing/2010/main">
+                <a:solidFill>
+                  <a:srgbClr val="FFFFFF"/>
+                </a:solidFill>
+              </a14:hiddenFill>
+            </a:ext>
+          </a:extLst>
+        </p:spPr>
+      </p:pic>
+    </p:spTree>
+    <p:extLst>
+      <p:ext uri="{BB962C8B-B14F-4D97-AF65-F5344CB8AC3E}">
+        <p14:creationId xmlns:p14="http://schemas.microsoft.com/office/powerpoint/2010/main" val="934904824"/>
+      </p:ext>
+    </p:extLst>
+  </p:cSld>
+  <p:clrMapOvr>
+    <a:masterClrMapping/>
+  </p:clrMapOvr>
+</p:sld>
+</file>
+
+<file path=ppt/slides/slide29.xml><?xml version="1.0" encoding="utf-8"?>
+<p:sld xmlns:a="http://schemas.openxmlformats.org/drawingml/2006/main" xmlns:r="http://schemas.openxmlformats.org/officeDocument/2006/relationships" xmlns:p="http://schemas.openxmlformats.org/presentationml/2006/main">
+  <p:cSld>
+    <p:spTree>
+      <p:nvGrpSpPr>
+        <p:cNvPr id="1" name=""/>
+        <p:cNvGrpSpPr/>
+        <p:nvPr/>
+      </p:nvGrpSpPr>
+      <p:grpSpPr>
+        <a:xfrm>
+          <a:off x="0" y="0"/>
+          <a:ext cx="0" cy="0"/>
+          <a:chOff x="0" y="0"/>
+          <a:chExt cx="0" cy="0"/>
+        </a:xfrm>
+      </p:grpSpPr>
+      <p:sp>
+        <p:nvSpPr>
           <p:cNvPr id="2" name="Titre 1"/>
           <p:cNvSpPr>
             <a:spLocks noGrp="1"/>
@@ -6070,10 +6558,13 @@
           <a:lstStyle/>
           <a:p>
             <a:r>
-              <a:rPr lang="fr-FR" smtClean="0"/>
-              <a:t>Neurone</a:t>
-            </a:r>
-            <a:endParaRPr lang="fr-FR"/>
+              <a:rPr lang="fr-FR" dirty="0" err="1"/>
+              <a:t>Deep</a:t>
+            </a:r>
+            <a:r>
+              <a:rPr lang="fr-FR" dirty="0"/>
+              <a:t> Learning</a:t>
+            </a:r>
           </a:p>
         </p:txBody>
       </p:sp>
@@ -6093,14 +6584,228 @@
           <a:lstStyle/>
           <a:p>
             <a:r>
-              <a:rPr lang="fr-FR" dirty="0" smtClean="0"/>
+              <a:rPr lang="fr-FR" dirty="0"/>
+              <a:t>Le </a:t>
+            </a:r>
+            <a:r>
+              <a:rPr lang="fr-FR" dirty="0" err="1"/>
+              <a:t>deep</a:t>
+            </a:r>
+            <a:r>
+              <a:rPr lang="fr-FR" dirty="0"/>
+              <a:t> </a:t>
+            </a:r>
+            <a:r>
+              <a:rPr lang="fr-FR" dirty="0" err="1"/>
+              <a:t>learning</a:t>
+            </a:r>
+            <a:r>
+              <a:rPr lang="fr-FR" dirty="0"/>
+              <a:t> est un ensemble de méthodes d'apprentissage automatique tentant de modéliser avec un haut niveau d’abstraction des données grâce à des architectures articulées de différentes transformations </a:t>
+            </a:r>
+            <a:r>
+              <a:rPr lang="fr-FR"/>
+              <a:t>non linéaires</a:t>
+            </a:r>
+          </a:p>
+          <a:p>
+            <a:pPr lvl="1"/>
+            <a:r>
+              <a:rPr lang="fr-FR"/>
+              <a:t>Ces </a:t>
+            </a:r>
+            <a:r>
+              <a:rPr lang="fr-FR" dirty="0"/>
+              <a:t>techniques ont permis des progrès importants et rapides dans les domaines de l'analyse du signal sonore ou visuel et notamment de la reconnaissance faciale, de la reconnaissance vocale, de la vision par ordinateur, du traitement automatisé du langage</a:t>
+            </a:r>
+          </a:p>
+        </p:txBody>
+      </p:sp>
+    </p:spTree>
+    <p:extLst>
+      <p:ext uri="{BB962C8B-B14F-4D97-AF65-F5344CB8AC3E}">
+        <p14:creationId xmlns:p14="http://schemas.microsoft.com/office/powerpoint/2010/main" val="3554226762"/>
+      </p:ext>
+    </p:extLst>
+  </p:cSld>
+  <p:clrMapOvr>
+    <a:masterClrMapping/>
+  </p:clrMapOvr>
+</p:sld>
+</file>
+
+<file path=ppt/slides/slide3.xml><?xml version="1.0" encoding="utf-8"?>
+<p:sld xmlns:a="http://schemas.openxmlformats.org/drawingml/2006/main" xmlns:r="http://schemas.openxmlformats.org/officeDocument/2006/relationships" xmlns:p="http://schemas.openxmlformats.org/presentationml/2006/main">
+  <p:cSld>
+    <p:spTree>
+      <p:nvGrpSpPr>
+        <p:cNvPr id="1" name=""/>
+        <p:cNvGrpSpPr/>
+        <p:nvPr/>
+      </p:nvGrpSpPr>
+      <p:grpSpPr>
+        <a:xfrm>
+          <a:off x="0" y="0"/>
+          <a:ext cx="0" cy="0"/>
+          <a:chOff x="0" y="0"/>
+          <a:chExt cx="0" cy="0"/>
+        </a:xfrm>
+      </p:grpSpPr>
+      <p:sp>
+        <p:nvSpPr>
+          <p:cNvPr id="2" name="Titre 1"/>
+          <p:cNvSpPr>
+            <a:spLocks noGrp="1"/>
+          </p:cNvSpPr>
+          <p:nvPr>
+            <p:ph type="title"/>
+          </p:nvPr>
+        </p:nvSpPr>
+        <p:spPr/>
+        <p:txBody>
+          <a:bodyPr/>
+          <a:lstStyle/>
+          <a:p>
+            <a:endParaRPr lang="fr-FR"/>
+          </a:p>
+        </p:txBody>
+      </p:sp>
+      <p:sp>
+        <p:nvSpPr>
+          <p:cNvPr id="3" name="Espace réservé du contenu 2"/>
+          <p:cNvSpPr>
+            <a:spLocks noGrp="1"/>
+          </p:cNvSpPr>
+          <p:nvPr>
+            <p:ph idx="1"/>
+          </p:nvPr>
+        </p:nvSpPr>
+        <p:spPr/>
+        <p:txBody>
+          <a:bodyPr/>
+          <a:lstStyle/>
+          <a:p>
+            <a:endParaRPr lang="fr-FR"/>
+          </a:p>
+        </p:txBody>
+      </p:sp>
+      <p:pic>
+        <p:nvPicPr>
+          <p:cNvPr id="1026" name="Picture 2" descr="Image associÃ©e"/>
+          <p:cNvPicPr>
+            <a:picLocks noChangeAspect="1" noChangeArrowheads="1"/>
+          </p:cNvPicPr>
+          <p:nvPr/>
+        </p:nvPicPr>
+        <p:blipFill>
+          <a:blip r:embed="rId2">
+            <a:extLst>
+              <a:ext uri="{28A0092B-C50C-407E-A947-70E740481C1C}">
+                <a14:useLocalDpi xmlns:a14="http://schemas.microsoft.com/office/drawing/2010/main" val="0"/>
+              </a:ext>
+            </a:extLst>
+          </a:blip>
+          <a:srcRect/>
+          <a:stretch>
+            <a:fillRect/>
+          </a:stretch>
+        </p:blipFill>
+        <p:spPr bwMode="auto">
+          <a:xfrm>
+            <a:off x="954616" y="0"/>
+            <a:ext cx="7215842" cy="6785993"/>
+          </a:xfrm>
+          <a:prstGeom prst="rect">
+            <a:avLst/>
+          </a:prstGeom>
+          <a:noFill/>
+          <a:extLst>
+            <a:ext uri="{909E8E84-426E-40DD-AFC4-6F175D3DCCD1}">
+              <a14:hiddenFill xmlns:a14="http://schemas.microsoft.com/office/drawing/2010/main">
+                <a:solidFill>
+                  <a:srgbClr val="FFFFFF"/>
+                </a:solidFill>
+              </a14:hiddenFill>
+            </a:ext>
+          </a:extLst>
+        </p:spPr>
+      </p:pic>
+    </p:spTree>
+    <p:extLst>
+      <p:ext uri="{BB962C8B-B14F-4D97-AF65-F5344CB8AC3E}">
+        <p14:creationId xmlns:p14="http://schemas.microsoft.com/office/powerpoint/2010/main" val="3559559726"/>
+      </p:ext>
+    </p:extLst>
+  </p:cSld>
+  <p:clrMapOvr>
+    <a:masterClrMapping/>
+  </p:clrMapOvr>
+</p:sld>
+</file>
+
+<file path=ppt/slides/slide30.xml><?xml version="1.0" encoding="utf-8"?>
+<p:sld xmlns:a="http://schemas.openxmlformats.org/drawingml/2006/main" xmlns:r="http://schemas.openxmlformats.org/officeDocument/2006/relationships" xmlns:p="http://schemas.openxmlformats.org/presentationml/2006/main">
+  <p:cSld>
+    <p:spTree>
+      <p:nvGrpSpPr>
+        <p:cNvPr id="1" name=""/>
+        <p:cNvGrpSpPr/>
+        <p:nvPr/>
+      </p:nvGrpSpPr>
+      <p:grpSpPr>
+        <a:xfrm>
+          <a:off x="0" y="0"/>
+          <a:ext cx="0" cy="0"/>
+          <a:chOff x="0" y="0"/>
+          <a:chExt cx="0" cy="0"/>
+        </a:xfrm>
+      </p:grpSpPr>
+      <p:sp>
+        <p:nvSpPr>
+          <p:cNvPr id="2" name="Titre 1"/>
+          <p:cNvSpPr>
+            <a:spLocks noGrp="1"/>
+          </p:cNvSpPr>
+          <p:nvPr>
+            <p:ph type="title"/>
+          </p:nvPr>
+        </p:nvSpPr>
+        <p:spPr/>
+        <p:txBody>
+          <a:bodyPr/>
+          <a:lstStyle/>
+          <a:p>
+            <a:r>
+              <a:rPr lang="fr-FR"/>
+              <a:t>Neurone</a:t>
+            </a:r>
+          </a:p>
+        </p:txBody>
+      </p:sp>
+      <p:sp>
+        <p:nvSpPr>
+          <p:cNvPr id="3" name="Espace réservé du contenu 2"/>
+          <p:cNvSpPr>
+            <a:spLocks noGrp="1"/>
+          </p:cNvSpPr>
+          <p:nvPr>
+            <p:ph idx="1"/>
+          </p:nvPr>
+        </p:nvSpPr>
+        <p:spPr/>
+        <p:txBody>
+          <a:bodyPr/>
+          <a:lstStyle/>
+          <a:p>
+            <a:r>
+              <a:rPr lang="fr-FR" dirty="0"/>
               <a:t>En biologie un neurone est une cellule connecté à d’autre neurones qui a la faculté de laisser passer ou non un courant électrique</a:t>
             </a:r>
           </a:p>
           <a:p>
             <a:pPr lvl="1"/>
             <a:r>
-              <a:rPr lang="fr-FR" dirty="0" smtClean="0"/>
+              <a:rPr lang="fr-FR" dirty="0"/>
               <a:t>Sa modélisation mathématique est appelé perceptron</a:t>
             </a:r>
           </a:p>
@@ -6163,7 +6868,7 @@
 </p:sld>
 </file>
 
-<file path=ppt/slides/slide29.xml><?xml version="1.0" encoding="utf-8"?>
+<file path=ppt/slides/slide31.xml><?xml version="1.0" encoding="utf-8"?>
 <p:sld xmlns:a="http://schemas.openxmlformats.org/drawingml/2006/main" xmlns:r="http://schemas.openxmlformats.org/officeDocument/2006/relationships" xmlns:p="http://schemas.openxmlformats.org/presentationml/2006/main">
   <p:cSld>
     <p:spTree>
@@ -6196,10 +6901,9 @@
           <a:lstStyle/>
           <a:p>
             <a:r>
-              <a:rPr lang="fr-FR" dirty="0" smtClean="0"/>
+              <a:rPr lang="fr-FR" dirty="0"/>
               <a:t>Neurone</a:t>
             </a:r>
-            <a:endParaRPr lang="fr-FR" dirty="0"/>
           </a:p>
         </p:txBody>
       </p:sp>
@@ -6219,21 +6923,21 @@
           <a:lstStyle/>
           <a:p>
             <a:r>
-              <a:rPr lang="fr-FR" dirty="0" smtClean="0"/>
+              <a:rPr lang="fr-FR" dirty="0"/>
               <a:t>Un neurone possède plusieurs entrées (ix), une sortie (o), un seuil et une fonction d’activation (f)</a:t>
             </a:r>
           </a:p>
           <a:p>
             <a:r>
-              <a:rPr lang="fr-FR" dirty="0" smtClean="0"/>
+              <a:rPr lang="fr-FR" dirty="0"/>
               <a:t>Chaque entrée possède un poids (</a:t>
             </a:r>
             <a:r>
-              <a:rPr lang="fr-FR" dirty="0" err="1" smtClean="0"/>
+              <a:rPr lang="fr-FR" dirty="0" err="1"/>
               <a:t>Wx</a:t>
             </a:r>
             <a:r>
-              <a:rPr lang="fr-FR" dirty="0" smtClean="0"/>
+              <a:rPr lang="fr-FR" dirty="0"/>
               <a:t>)</a:t>
             </a:r>
           </a:p>
@@ -6296,7 +7000,7 @@
 </p:sld>
 </file>
 
-<file path=ppt/slides/slide3.xml><?xml version="1.0" encoding="utf-8"?>
+<file path=ppt/slides/slide32.xml><?xml version="1.0" encoding="utf-8"?>
 <p:sld xmlns:a="http://schemas.openxmlformats.org/drawingml/2006/main" xmlns:r="http://schemas.openxmlformats.org/officeDocument/2006/relationships" xmlns:p="http://schemas.openxmlformats.org/presentationml/2006/main">
   <p:cSld>
     <p:spTree>
@@ -6329,10 +7033,9 @@
           <a:lstStyle/>
           <a:p>
             <a:r>
-              <a:rPr lang="fr-FR" dirty="0" err="1" smtClean="0"/>
-              <a:t>Wikipedia</a:t>
-            </a:r>
-            <a:endParaRPr lang="fr-FR" dirty="0"/>
+              <a:rPr lang="fr-FR" dirty="0"/>
+              <a:t>Réseaux</a:t>
+            </a:r>
           </a:p>
         </p:txBody>
       </p:sp>
@@ -6353,215 +7056,74 @@
           <a:p>
             <a:r>
               <a:rPr lang="fr-FR" dirty="0"/>
-              <a:t>L</a:t>
-            </a:r>
-            <a:r>
-              <a:rPr lang="fr-FR" dirty="0" smtClean="0"/>
-              <a:t>a </a:t>
-            </a:r>
-            <a:r>
-              <a:rPr lang="fr-FR" dirty="0"/>
-              <a:t>science des données est l'extraction de connaissance d'ensembles de </a:t>
-            </a:r>
-            <a:r>
-              <a:rPr lang="fr-FR" dirty="0" smtClean="0"/>
-              <a:t>données</a:t>
-            </a:r>
-          </a:p>
-          <a:p>
-            <a:r>
-              <a:rPr lang="fr-FR" dirty="0" smtClean="0"/>
-              <a:t>Elle </a:t>
-            </a:r>
-            <a:r>
-              <a:rPr lang="fr-FR" dirty="0"/>
-              <a:t>emploie des techniques et des théories tirées de plusieurs autres domaines plus </a:t>
-            </a:r>
-            <a:r>
-              <a:rPr lang="fr-FR" dirty="0" smtClean="0"/>
-              <a:t>larges :</a:t>
+              <a:t>Les neurones peuvent être mis en réseaux</a:t>
             </a:r>
           </a:p>
           <a:p>
             <a:pPr lvl="1"/>
             <a:r>
-              <a:rPr lang="fr-FR" dirty="0" smtClean="0"/>
-              <a:t>des </a:t>
-            </a:r>
-            <a:r>
-              <a:rPr lang="fr-FR" dirty="0"/>
-              <a:t>mathématiques, la statistique principalement, la théorie de l'information et la technologie de l'information, notamment le traitement de signal, des modèles probabilistes, l'apprentissage automatique, l'apprentissage statistique, la programmation informatique, l'ingénierie de données, la reconnaissance de formes et l'apprentissage, la visualisation, l'analytique prophétique, la modélisation d'incertitude, le stockage de données, </a:t>
-            </a:r>
-            <a:r>
-              <a:rPr lang="fr-FR" dirty="0" smtClean="0"/>
-              <a:t>…</a:t>
-            </a:r>
-          </a:p>
-        </p:txBody>
-      </p:sp>
-    </p:spTree>
-    <p:extLst>
-      <p:ext uri="{BB962C8B-B14F-4D97-AF65-F5344CB8AC3E}">
-        <p14:creationId xmlns:p14="http://schemas.microsoft.com/office/powerpoint/2010/main" val="1773936858"/>
-      </p:ext>
-    </p:extLst>
-  </p:cSld>
-  <p:clrMapOvr>
-    <a:masterClrMapping/>
-  </p:clrMapOvr>
-</p:sld>
-</file>
-
-<file path=ppt/slides/slide30.xml><?xml version="1.0" encoding="utf-8"?>
-<p:sld xmlns:a="http://schemas.openxmlformats.org/drawingml/2006/main" xmlns:r="http://schemas.openxmlformats.org/officeDocument/2006/relationships" xmlns:p="http://schemas.openxmlformats.org/presentationml/2006/main">
-  <p:cSld>
-    <p:spTree>
-      <p:nvGrpSpPr>
-        <p:cNvPr id="1" name=""/>
-        <p:cNvGrpSpPr/>
-        <p:nvPr/>
-      </p:nvGrpSpPr>
-      <p:grpSpPr>
-        <a:xfrm>
-          <a:off x="0" y="0"/>
-          <a:ext cx="0" cy="0"/>
-          <a:chOff x="0" y="0"/>
-          <a:chExt cx="0" cy="0"/>
-        </a:xfrm>
-      </p:grpSpPr>
-      <p:sp>
-        <p:nvSpPr>
-          <p:cNvPr id="2" name="Titre 1"/>
-          <p:cNvSpPr>
-            <a:spLocks noGrp="1"/>
-          </p:cNvSpPr>
-          <p:nvPr>
-            <p:ph type="title"/>
-          </p:nvPr>
-        </p:nvSpPr>
-        <p:spPr/>
-        <p:txBody>
-          <a:bodyPr/>
-          <a:lstStyle/>
-          <a:p>
-            <a:r>
-              <a:rPr lang="fr-FR" dirty="0" smtClean="0"/>
-              <a:t>Réseaux</a:t>
-            </a:r>
-            <a:endParaRPr lang="fr-FR" dirty="0"/>
-          </a:p>
-        </p:txBody>
-      </p:sp>
-      <p:sp>
-        <p:nvSpPr>
-          <p:cNvPr id="3" name="Espace réservé du contenu 2"/>
-          <p:cNvSpPr>
-            <a:spLocks noGrp="1"/>
-          </p:cNvSpPr>
-          <p:nvPr>
-            <p:ph idx="1"/>
-          </p:nvPr>
-        </p:nvSpPr>
-        <p:spPr/>
-        <p:txBody>
-          <a:bodyPr/>
-          <a:lstStyle/>
-          <a:p>
-            <a:r>
-              <a:rPr lang="fr-FR" dirty="0" smtClean="0"/>
-              <a:t>Les neurones peuvent être mis en réseaux</a:t>
+              <a:rPr lang="fr-FR" dirty="0"/>
+              <a:t>En arbre (MLP)</a:t>
             </a:r>
           </a:p>
           <a:p>
             <a:pPr lvl="1"/>
             <a:r>
-              <a:rPr lang="fr-FR" dirty="0" smtClean="0"/>
-              <a:t>En arbre (MLP)</a:t>
+              <a:rPr lang="fr-FR" dirty="0"/>
+              <a:t>En graphe (plus complexe)</a:t>
             </a:r>
           </a:p>
           <a:p>
             <a:pPr lvl="1"/>
             <a:r>
               <a:rPr lang="fr-FR" dirty="0"/>
-              <a:t>E</a:t>
-            </a:r>
-            <a:r>
-              <a:rPr lang="fr-FR" dirty="0" smtClean="0"/>
-              <a:t>n graphe (plus complexe)</a:t>
+              <a:t>Poids multiples</a:t>
+            </a:r>
+          </a:p>
+          <a:p>
+            <a:r>
+              <a:rPr lang="fr-FR" dirty="0"/>
+              <a:t>Très couteux</a:t>
             </a:r>
           </a:p>
           <a:p>
             <a:pPr lvl="1"/>
             <a:r>
-              <a:rPr lang="fr-FR" dirty="0" smtClean="0"/>
-              <a:t>Poids multiples</a:t>
-            </a:r>
-          </a:p>
-          <a:p>
-            <a:r>
-              <a:rPr lang="fr-FR" dirty="0" smtClean="0"/>
-              <a:t>Très couteux</a:t>
+              <a:rPr lang="fr-FR" dirty="0"/>
+              <a:t>Mais donne de très bon résultats</a:t>
             </a:r>
           </a:p>
           <a:p>
             <a:pPr lvl="1"/>
             <a:r>
-              <a:rPr lang="fr-FR" dirty="0" smtClean="0"/>
-              <a:t>Mais donne de très bon résultats</a:t>
+              <a:rPr lang="fr-FR" dirty="0"/>
+              <a:t>Maitrise l’addition sur 4 bits avec 145 neurones et 100 itérations</a:t>
+            </a:r>
+          </a:p>
+          <a:p>
+            <a:r>
+              <a:rPr lang="fr-FR" dirty="0" err="1"/>
+              <a:t>Backpropagation</a:t>
+            </a:r>
+            <a:r>
+              <a:rPr lang="fr-FR" dirty="0"/>
+              <a:t> complexe</a:t>
             </a:r>
           </a:p>
           <a:p>
             <a:pPr lvl="1"/>
             <a:r>
-              <a:rPr lang="fr-FR" dirty="0" smtClean="0"/>
-              <a:t>Maitrise l’addition sur 4 bits avec </a:t>
-            </a:r>
-            <a:r>
-              <a:rPr lang="fr-FR" dirty="0" smtClean="0"/>
-              <a:t>145</a:t>
-            </a:r>
-            <a:r>
-              <a:rPr lang="fr-FR" dirty="0" smtClean="0"/>
-              <a:t> </a:t>
-            </a:r>
-            <a:r>
-              <a:rPr lang="fr-FR" dirty="0" smtClean="0"/>
-              <a:t>neurones et </a:t>
-            </a:r>
-            <a:r>
-              <a:rPr lang="fr-FR" dirty="0" smtClean="0"/>
-              <a:t>100 </a:t>
-            </a:r>
-            <a:r>
-              <a:rPr lang="fr-FR" dirty="0" smtClean="0"/>
-              <a:t>itérations</a:t>
-            </a:r>
-          </a:p>
-          <a:p>
-            <a:r>
-              <a:rPr lang="fr-FR" dirty="0" err="1" smtClean="0"/>
-              <a:t>Backpropagation</a:t>
-            </a:r>
-            <a:r>
-              <a:rPr lang="fr-FR" dirty="0" smtClean="0"/>
-              <a:t> complexe</a:t>
-            </a:r>
-          </a:p>
-          <a:p>
-            <a:pPr lvl="1"/>
-            <a:r>
-              <a:rPr lang="fr-FR" dirty="0" smtClean="0"/>
+              <a:rPr lang="fr-FR" dirty="0"/>
               <a:t>Basé sur la répartition de l'erreurs sur les poids et la pente de la courbe de la fonction d'activation (</a:t>
             </a:r>
             <a:r>
-              <a:rPr lang="fr-FR" dirty="0" err="1" smtClean="0"/>
+              <a:rPr lang="fr-FR" dirty="0" err="1"/>
               <a:t>derivée</a:t>
             </a:r>
             <a:r>
-              <a:rPr lang="fr-FR" dirty="0" smtClean="0"/>
+              <a:rPr lang="fr-FR" dirty="0"/>
               <a:t>)</a:t>
             </a:r>
-            <a:endParaRPr lang="fr-FR" dirty="0"/>
           </a:p>
         </p:txBody>
       </p:sp>
@@ -6619,7 +7181,7 @@
 </p:sld>
 </file>
 
-<file path=ppt/slides/slide31.xml><?xml version="1.0" encoding="utf-8"?>
+<file path=ppt/slides/slide33.xml><?xml version="1.0" encoding="utf-8"?>
 <p:sld xmlns:a="http://schemas.openxmlformats.org/drawingml/2006/main" xmlns:r="http://schemas.openxmlformats.org/officeDocument/2006/relationships" xmlns:p="http://schemas.openxmlformats.org/presentationml/2006/main">
   <p:cSld>
     <p:spTree>
@@ -6638,6 +7200,108 @@
       </p:grpSpPr>
       <p:sp>
         <p:nvSpPr>
+          <p:cNvPr id="2" name="Titre 1">
+            <a:extLst>
+              <a:ext uri="{FF2B5EF4-FFF2-40B4-BE49-F238E27FC236}">
+                <a16:creationId xmlns:a16="http://schemas.microsoft.com/office/drawing/2014/main" id="{DADD6331-FA6A-4ED1-909A-5002ED680318}"/>
+              </a:ext>
+            </a:extLst>
+          </p:cNvPr>
+          <p:cNvSpPr>
+            <a:spLocks noGrp="1"/>
+          </p:cNvSpPr>
+          <p:nvPr>
+            <p:ph type="title"/>
+          </p:nvPr>
+        </p:nvSpPr>
+        <p:spPr/>
+        <p:txBody>
+          <a:bodyPr/>
+          <a:lstStyle/>
+          <a:p>
+            <a:endParaRPr lang="fr-FR"/>
+          </a:p>
+        </p:txBody>
+      </p:sp>
+      <p:pic>
+        <p:nvPicPr>
+          <p:cNvPr id="1030" name="Picture 6" descr="Introduction au deep learning avec Tensorflow | Machine Learning lab">
+            <a:extLst>
+              <a:ext uri="{FF2B5EF4-FFF2-40B4-BE49-F238E27FC236}">
+                <a16:creationId xmlns:a16="http://schemas.microsoft.com/office/drawing/2014/main" id="{DC8127FD-9812-4BB5-A5F9-577769DF8298}"/>
+              </a:ext>
+            </a:extLst>
+          </p:cNvPr>
+          <p:cNvPicPr>
+            <a:picLocks noChangeAspect="1" noChangeArrowheads="1"/>
+          </p:cNvPicPr>
+          <p:nvPr/>
+        </p:nvPicPr>
+        <p:blipFill>
+          <a:blip r:embed="rId2">
+            <a:extLst>
+              <a:ext uri="{28A0092B-C50C-407E-A947-70E740481C1C}">
+                <a14:useLocalDpi xmlns:a14="http://schemas.microsoft.com/office/drawing/2010/main" val="0"/>
+              </a:ext>
+            </a:extLst>
+          </a:blip>
+          <a:srcRect/>
+          <a:stretch>
+            <a:fillRect/>
+          </a:stretch>
+        </p:blipFill>
+        <p:spPr bwMode="auto">
+          <a:xfrm>
+            <a:off x="0" y="857250"/>
+            <a:ext cx="9144000" cy="5703081"/>
+          </a:xfrm>
+          <a:prstGeom prst="rect">
+            <a:avLst/>
+          </a:prstGeom>
+          <a:noFill/>
+          <a:extLst>
+            <a:ext uri="{909E8E84-426E-40DD-AFC4-6F175D3DCCD1}">
+              <a14:hiddenFill xmlns:a14="http://schemas.microsoft.com/office/drawing/2010/main">
+                <a:solidFill>
+                  <a:srgbClr val="FFFFFF"/>
+                </a:solidFill>
+              </a14:hiddenFill>
+            </a:ext>
+          </a:extLst>
+        </p:spPr>
+      </p:pic>
+    </p:spTree>
+    <p:extLst>
+      <p:ext uri="{BB962C8B-B14F-4D97-AF65-F5344CB8AC3E}">
+        <p14:creationId xmlns:p14="http://schemas.microsoft.com/office/powerpoint/2010/main" val="868538207"/>
+      </p:ext>
+    </p:extLst>
+  </p:cSld>
+  <p:clrMapOvr>
+    <a:masterClrMapping/>
+  </p:clrMapOvr>
+</p:sld>
+</file>
+
+<file path=ppt/slides/slide34.xml><?xml version="1.0" encoding="utf-8"?>
+<p:sld xmlns:a="http://schemas.openxmlformats.org/drawingml/2006/main" xmlns:r="http://schemas.openxmlformats.org/officeDocument/2006/relationships" xmlns:p="http://schemas.openxmlformats.org/presentationml/2006/main">
+  <p:cSld>
+    <p:spTree>
+      <p:nvGrpSpPr>
+        <p:cNvPr id="1" name=""/>
+        <p:cNvGrpSpPr/>
+        <p:nvPr/>
+      </p:nvGrpSpPr>
+      <p:grpSpPr>
+        <a:xfrm>
+          <a:off x="0" y="0"/>
+          <a:ext cx="0" cy="0"/>
+          <a:chOff x="0" y="0"/>
+          <a:chExt cx="0" cy="0"/>
+        </a:xfrm>
+      </p:grpSpPr>
+      <p:sp>
+        <p:nvSpPr>
           <p:cNvPr id="2" name="Titre 1"/>
           <p:cNvSpPr>
             <a:spLocks noGrp="1"/>
@@ -6652,10 +7316,9 @@
           <a:lstStyle/>
           <a:p>
             <a:r>
-              <a:rPr lang="fr-FR" dirty="0" smtClean="0"/>
+              <a:rPr lang="fr-FR" dirty="0"/>
               <a:t>Workflow</a:t>
             </a:r>
-            <a:endParaRPr lang="fr-FR" dirty="0"/>
           </a:p>
         </p:txBody>
       </p:sp>
@@ -6715,7 +7378,1387 @@
 </p:sld>
 </file>
 
-<file path=ppt/slides/slide32.xml><?xml version="1.0" encoding="utf-8"?>
+<file path=ppt/slides/slide35.xml><?xml version="1.0" encoding="utf-8"?>
+<p:sld xmlns:a="http://schemas.openxmlformats.org/drawingml/2006/main" xmlns:r="http://schemas.openxmlformats.org/officeDocument/2006/relationships" xmlns:p="http://schemas.openxmlformats.org/presentationml/2006/main">
+  <p:cSld>
+    <p:spTree>
+      <p:nvGrpSpPr>
+        <p:cNvPr id="1" name=""/>
+        <p:cNvGrpSpPr/>
+        <p:nvPr/>
+      </p:nvGrpSpPr>
+      <p:grpSpPr>
+        <a:xfrm>
+          <a:off x="0" y="0"/>
+          <a:ext cx="0" cy="0"/>
+          <a:chOff x="0" y="0"/>
+          <a:chExt cx="0" cy="0"/>
+        </a:xfrm>
+      </p:grpSpPr>
+      <p:sp>
+        <p:nvSpPr>
+          <p:cNvPr id="2" name="Titre 1"/>
+          <p:cNvSpPr>
+            <a:spLocks noGrp="1"/>
+          </p:cNvSpPr>
+          <p:nvPr>
+            <p:ph type="title"/>
+          </p:nvPr>
+        </p:nvSpPr>
+        <p:spPr/>
+        <p:txBody>
+          <a:bodyPr/>
+          <a:lstStyle/>
+          <a:p>
+            <a:r>
+              <a:rPr lang="fr-FR" dirty="0"/>
+              <a:t>Yann Le </a:t>
+            </a:r>
+            <a:r>
+              <a:rPr lang="fr-FR" dirty="0" err="1"/>
+              <a:t>Cun</a:t>
+            </a:r>
+            <a:endParaRPr lang="fr-FR" dirty="0"/>
+          </a:p>
+        </p:txBody>
+      </p:sp>
+      <p:sp>
+        <p:nvSpPr>
+          <p:cNvPr id="3" name="Espace réservé du contenu 2"/>
+          <p:cNvSpPr>
+            <a:spLocks noGrp="1"/>
+          </p:cNvSpPr>
+          <p:nvPr>
+            <p:ph idx="1"/>
+          </p:nvPr>
+        </p:nvSpPr>
+        <p:spPr/>
+        <p:txBody>
+          <a:bodyPr/>
+          <a:lstStyle/>
+          <a:p>
+            <a:r>
+              <a:rPr lang="fr-FR" dirty="0"/>
+              <a:t>Co-inventeur de l’apprentissage profond</a:t>
+            </a:r>
+          </a:p>
+          <a:p>
+            <a:pPr lvl="1"/>
+            <a:r>
+              <a:rPr lang="fr-FR" dirty="0"/>
+              <a:t>Prix Turing</a:t>
+            </a:r>
+          </a:p>
+          <a:p>
+            <a:pPr lvl="1"/>
+            <a:r>
+              <a:rPr lang="fr-FR" dirty="0"/>
+              <a:t>Inventeur des CNN</a:t>
+            </a:r>
+          </a:p>
+          <a:p>
+            <a:r>
+              <a:rPr lang="fr-FR" dirty="0"/>
+              <a:t>Directeur de Facebook AI</a:t>
+            </a:r>
+          </a:p>
+        </p:txBody>
+      </p:sp>
+      <p:pic>
+        <p:nvPicPr>
+          <p:cNvPr id="1026" name="Picture 2" descr="Yann LeCun - 2018 (cropped).jpg"/>
+          <p:cNvPicPr>
+            <a:picLocks noChangeAspect="1" noChangeArrowheads="1"/>
+          </p:cNvPicPr>
+          <p:nvPr/>
+        </p:nvPicPr>
+        <p:blipFill>
+          <a:blip r:embed="rId2">
+            <a:extLst>
+              <a:ext uri="{28A0092B-C50C-407E-A947-70E740481C1C}">
+                <a14:useLocalDpi xmlns:a14="http://schemas.microsoft.com/office/drawing/2010/main" val="0"/>
+              </a:ext>
+            </a:extLst>
+          </a:blip>
+          <a:srcRect/>
+          <a:stretch>
+            <a:fillRect/>
+          </a:stretch>
+        </p:blipFill>
+        <p:spPr bwMode="auto">
+          <a:xfrm>
+            <a:off x="5371732" y="1068031"/>
+            <a:ext cx="3596935" cy="4136477"/>
+          </a:xfrm>
+          <a:prstGeom prst="rect">
+            <a:avLst/>
+          </a:prstGeom>
+          <a:noFill/>
+          <a:extLst>
+            <a:ext uri="{909E8E84-426E-40DD-AFC4-6F175D3DCCD1}">
+              <a14:hiddenFill xmlns:a14="http://schemas.microsoft.com/office/drawing/2010/main">
+                <a:solidFill>
+                  <a:srgbClr val="FFFFFF"/>
+                </a:solidFill>
+              </a14:hiddenFill>
+            </a:ext>
+          </a:extLst>
+        </p:spPr>
+      </p:pic>
+    </p:spTree>
+    <p:extLst>
+      <p:ext uri="{BB962C8B-B14F-4D97-AF65-F5344CB8AC3E}">
+        <p14:creationId xmlns:p14="http://schemas.microsoft.com/office/powerpoint/2010/main" val="3900335428"/>
+      </p:ext>
+    </p:extLst>
+  </p:cSld>
+  <p:clrMapOvr>
+    <a:masterClrMapping/>
+  </p:clrMapOvr>
+</p:sld>
+</file>
+
+<file path=ppt/slides/slide36.xml><?xml version="1.0" encoding="utf-8"?>
+<p:sld xmlns:a="http://schemas.openxmlformats.org/drawingml/2006/main" xmlns:r="http://schemas.openxmlformats.org/officeDocument/2006/relationships" xmlns:p="http://schemas.openxmlformats.org/presentationml/2006/main">
+  <p:cSld>
+    <p:spTree>
+      <p:nvGrpSpPr>
+        <p:cNvPr id="1" name=""/>
+        <p:cNvGrpSpPr/>
+        <p:nvPr/>
+      </p:nvGrpSpPr>
+      <p:grpSpPr>
+        <a:xfrm>
+          <a:off x="0" y="0"/>
+          <a:ext cx="0" cy="0"/>
+          <a:chOff x="0" y="0"/>
+          <a:chExt cx="0" cy="0"/>
+        </a:xfrm>
+      </p:grpSpPr>
+      <p:sp>
+        <p:nvSpPr>
+          <p:cNvPr id="2" name="Titre 1"/>
+          <p:cNvSpPr>
+            <a:spLocks noGrp="1"/>
+          </p:cNvSpPr>
+          <p:nvPr>
+            <p:ph type="title"/>
+          </p:nvPr>
+        </p:nvSpPr>
+        <p:spPr/>
+        <p:txBody>
+          <a:bodyPr/>
+          <a:lstStyle/>
+          <a:p>
+            <a:r>
+              <a:rPr lang="fr-FR"/>
+              <a:t>François Chollet</a:t>
+            </a:r>
+            <a:endParaRPr lang="fr-FR" dirty="0"/>
+          </a:p>
+        </p:txBody>
+      </p:sp>
+      <p:sp>
+        <p:nvSpPr>
+          <p:cNvPr id="3" name="Espace réservé du contenu 2"/>
+          <p:cNvSpPr>
+            <a:spLocks noGrp="1"/>
+          </p:cNvSpPr>
+          <p:nvPr>
+            <p:ph idx="1"/>
+          </p:nvPr>
+        </p:nvSpPr>
+        <p:spPr/>
+        <p:txBody>
+          <a:bodyPr/>
+          <a:lstStyle/>
+          <a:p>
+            <a:r>
+              <a:rPr lang="fr-FR" dirty="0"/>
+              <a:t>Chef de projet Google </a:t>
+            </a:r>
+            <a:r>
+              <a:rPr lang="fr-FR" dirty="0" err="1"/>
+              <a:t>TensorFlow</a:t>
+            </a:r>
+            <a:endParaRPr lang="fr-FR" dirty="0"/>
+          </a:p>
+          <a:p>
+            <a:r>
+              <a:rPr lang="fr-FR" dirty="0"/>
+              <a:t>Inventeur de </a:t>
+            </a:r>
+            <a:r>
+              <a:rPr lang="fr-FR" dirty="0" err="1"/>
+              <a:t>Keras</a:t>
+            </a:r>
+            <a:endParaRPr lang="fr-FR" dirty="0"/>
+          </a:p>
+        </p:txBody>
+      </p:sp>
+      <p:pic>
+        <p:nvPicPr>
+          <p:cNvPr id="1026" name="Picture 2" descr="FranÃ§ois Chollet"/>
+          <p:cNvPicPr>
+            <a:picLocks noChangeAspect="1" noChangeArrowheads="1"/>
+          </p:cNvPicPr>
+          <p:nvPr/>
+        </p:nvPicPr>
+        <p:blipFill>
+          <a:blip r:embed="rId2" cstate="print">
+            <a:extLst>
+              <a:ext uri="{28A0092B-C50C-407E-A947-70E740481C1C}">
+                <a14:useLocalDpi xmlns:a14="http://schemas.microsoft.com/office/drawing/2010/main" val="0"/>
+              </a:ext>
+            </a:extLst>
+          </a:blip>
+          <a:srcRect/>
+          <a:stretch>
+            <a:fillRect/>
+          </a:stretch>
+        </p:blipFill>
+        <p:spPr bwMode="auto">
+          <a:xfrm>
+            <a:off x="6911266" y="1696525"/>
+            <a:ext cx="1827194" cy="1827194"/>
+          </a:xfrm>
+          <a:prstGeom prst="rect">
+            <a:avLst/>
+          </a:prstGeom>
+          <a:noFill/>
+          <a:extLst>
+            <a:ext uri="{909E8E84-426E-40DD-AFC4-6F175D3DCCD1}">
+              <a14:hiddenFill xmlns:a14="http://schemas.microsoft.com/office/drawing/2010/main">
+                <a:solidFill>
+                  <a:srgbClr val="FFFFFF"/>
+                </a:solidFill>
+              </a14:hiddenFill>
+            </a:ext>
+          </a:extLst>
+        </p:spPr>
+      </p:pic>
+      <p:pic>
+        <p:nvPicPr>
+          <p:cNvPr id="1028" name="Picture 4" descr="Keras tutorial - keras logo"/>
+          <p:cNvPicPr>
+            <a:picLocks noChangeAspect="1" noChangeArrowheads="1"/>
+          </p:cNvPicPr>
+          <p:nvPr/>
+        </p:nvPicPr>
+        <p:blipFill>
+          <a:blip r:embed="rId3" cstate="print">
+            <a:extLst>
+              <a:ext uri="{28A0092B-C50C-407E-A947-70E740481C1C}">
+                <a14:useLocalDpi xmlns:a14="http://schemas.microsoft.com/office/drawing/2010/main" val="0"/>
+              </a:ext>
+            </a:extLst>
+          </a:blip>
+          <a:srcRect/>
+          <a:stretch>
+            <a:fillRect/>
+          </a:stretch>
+        </p:blipFill>
+        <p:spPr bwMode="auto">
+          <a:xfrm>
+            <a:off x="6834803" y="3766908"/>
+            <a:ext cx="990061" cy="990061"/>
+          </a:xfrm>
+          <a:prstGeom prst="rect">
+            <a:avLst/>
+          </a:prstGeom>
+          <a:noFill/>
+          <a:extLst>
+            <a:ext uri="{909E8E84-426E-40DD-AFC4-6F175D3DCCD1}">
+              <a14:hiddenFill xmlns:a14="http://schemas.microsoft.com/office/drawing/2010/main">
+                <a:solidFill>
+                  <a:srgbClr val="FFFFFF"/>
+                </a:solidFill>
+              </a14:hiddenFill>
+            </a:ext>
+          </a:extLst>
+        </p:spPr>
+      </p:pic>
+    </p:spTree>
+    <p:extLst>
+      <p:ext uri="{BB962C8B-B14F-4D97-AF65-F5344CB8AC3E}">
+        <p14:creationId xmlns:p14="http://schemas.microsoft.com/office/powerpoint/2010/main" val="2214351883"/>
+      </p:ext>
+    </p:extLst>
+  </p:cSld>
+  <p:clrMapOvr>
+    <a:masterClrMapping/>
+  </p:clrMapOvr>
+</p:sld>
+</file>
+
+<file path=ppt/slides/slide37.xml><?xml version="1.0" encoding="utf-8"?>
+<p:sld xmlns:a="http://schemas.openxmlformats.org/drawingml/2006/main" xmlns:r="http://schemas.openxmlformats.org/officeDocument/2006/relationships" xmlns:p="http://schemas.openxmlformats.org/presentationml/2006/main">
+  <p:cSld>
+    <p:spTree>
+      <p:nvGrpSpPr>
+        <p:cNvPr id="1" name=""/>
+        <p:cNvGrpSpPr/>
+        <p:nvPr/>
+      </p:nvGrpSpPr>
+      <p:grpSpPr>
+        <a:xfrm>
+          <a:off x="0" y="0"/>
+          <a:ext cx="0" cy="0"/>
+          <a:chOff x="0" y="0"/>
+          <a:chExt cx="0" cy="0"/>
+        </a:xfrm>
+      </p:grpSpPr>
+      <p:sp>
+        <p:nvSpPr>
+          <p:cNvPr id="2" name="Titre 1">
+            <a:extLst>
+              <a:ext uri="{FF2B5EF4-FFF2-40B4-BE49-F238E27FC236}">
+                <a16:creationId xmlns:a16="http://schemas.microsoft.com/office/drawing/2014/main" id="{553CA38B-3BB0-4629-BF22-7D4D4C6D2943}"/>
+              </a:ext>
+            </a:extLst>
+          </p:cNvPr>
+          <p:cNvSpPr>
+            <a:spLocks noGrp="1"/>
+          </p:cNvSpPr>
+          <p:nvPr>
+            <p:ph type="title"/>
+          </p:nvPr>
+        </p:nvSpPr>
+        <p:spPr/>
+        <p:txBody>
+          <a:bodyPr/>
+          <a:lstStyle/>
+          <a:p>
+            <a:r>
+              <a:rPr lang="fr-FR" dirty="0"/>
+              <a:t>Les enjeux 1/3</a:t>
+            </a:r>
+          </a:p>
+        </p:txBody>
+      </p:sp>
+      <p:sp>
+        <p:nvSpPr>
+          <p:cNvPr id="7" name="Espace réservé du contenu 2">
+            <a:extLst>
+              <a:ext uri="{FF2B5EF4-FFF2-40B4-BE49-F238E27FC236}">
+                <a16:creationId xmlns:a16="http://schemas.microsoft.com/office/drawing/2014/main" id="{62CAC85E-A812-47F9-A7C5-91F75568AA15}"/>
+              </a:ext>
+            </a:extLst>
+          </p:cNvPr>
+          <p:cNvSpPr txBox="1">
+            <a:spLocks/>
+          </p:cNvSpPr>
+          <p:nvPr/>
+        </p:nvSpPr>
+        <p:spPr>
+          <a:xfrm>
+            <a:off x="628650" y="2226469"/>
+            <a:ext cx="7886700" cy="3263504"/>
+          </a:xfrm>
+          <a:prstGeom prst="rect">
+            <a:avLst/>
+          </a:prstGeom>
+        </p:spPr>
+        <p:txBody>
+          <a:bodyPr/>
+          <a:lstStyle>
+            <a:lvl1pPr marL="228600" indent="-228600" algn="l" defTabSz="914400" rtl="0" eaLnBrk="1" latinLnBrk="0" hangingPunct="1">
+              <a:lnSpc>
+                <a:spcPct val="90000"/>
+              </a:lnSpc>
+              <a:spcBef>
+                <a:spcPts val="1000"/>
+              </a:spcBef>
+              <a:buFont typeface="Arial" panose="020B0604020202020204" pitchFamily="34" charset="0"/>
+              <a:buChar char="•"/>
+              <a:defRPr sz="2800" kern="1200">
+                <a:solidFill>
+                  <a:schemeClr val="tx1"/>
+                </a:solidFill>
+                <a:latin typeface="+mn-lt"/>
+                <a:ea typeface="+mn-ea"/>
+                <a:cs typeface="+mn-cs"/>
+              </a:defRPr>
+            </a:lvl1pPr>
+            <a:lvl2pPr marL="685800" indent="-228600" algn="l" defTabSz="914400" rtl="0" eaLnBrk="1" latinLnBrk="0" hangingPunct="1">
+              <a:lnSpc>
+                <a:spcPct val="90000"/>
+              </a:lnSpc>
+              <a:spcBef>
+                <a:spcPts val="500"/>
+              </a:spcBef>
+              <a:buFont typeface="Arial" panose="020B0604020202020204" pitchFamily="34" charset="0"/>
+              <a:buChar char="•"/>
+              <a:defRPr sz="2400" kern="1200">
+                <a:solidFill>
+                  <a:schemeClr val="tx1"/>
+                </a:solidFill>
+                <a:latin typeface="+mn-lt"/>
+                <a:ea typeface="+mn-ea"/>
+                <a:cs typeface="+mn-cs"/>
+              </a:defRPr>
+            </a:lvl2pPr>
+            <a:lvl3pPr marL="1143000" indent="-228600" algn="l" defTabSz="914400" rtl="0" eaLnBrk="1" latinLnBrk="0" hangingPunct="1">
+              <a:lnSpc>
+                <a:spcPct val="90000"/>
+              </a:lnSpc>
+              <a:spcBef>
+                <a:spcPts val="500"/>
+              </a:spcBef>
+              <a:buFont typeface="Arial" panose="020B0604020202020204" pitchFamily="34" charset="0"/>
+              <a:buChar char="•"/>
+              <a:defRPr sz="2000" kern="1200">
+                <a:solidFill>
+                  <a:schemeClr val="tx1"/>
+                </a:solidFill>
+                <a:latin typeface="+mn-lt"/>
+                <a:ea typeface="+mn-ea"/>
+                <a:cs typeface="+mn-cs"/>
+              </a:defRPr>
+            </a:lvl3pPr>
+            <a:lvl4pPr marL="1600200" indent="-228600" algn="l" defTabSz="914400" rtl="0" eaLnBrk="1" latinLnBrk="0" hangingPunct="1">
+              <a:lnSpc>
+                <a:spcPct val="90000"/>
+              </a:lnSpc>
+              <a:spcBef>
+                <a:spcPts val="500"/>
+              </a:spcBef>
+              <a:buFont typeface="Arial" panose="020B0604020202020204" pitchFamily="34" charset="0"/>
+              <a:buChar char="•"/>
+              <a:defRPr sz="1800" kern="1200">
+                <a:solidFill>
+                  <a:schemeClr val="tx1"/>
+                </a:solidFill>
+                <a:latin typeface="+mn-lt"/>
+                <a:ea typeface="+mn-ea"/>
+                <a:cs typeface="+mn-cs"/>
+              </a:defRPr>
+            </a:lvl4pPr>
+            <a:lvl5pPr marL="2057400" indent="-228600" algn="l" defTabSz="914400" rtl="0" eaLnBrk="1" latinLnBrk="0" hangingPunct="1">
+              <a:lnSpc>
+                <a:spcPct val="90000"/>
+              </a:lnSpc>
+              <a:spcBef>
+                <a:spcPts val="500"/>
+              </a:spcBef>
+              <a:buFont typeface="Arial" panose="020B0604020202020204" pitchFamily="34" charset="0"/>
+              <a:buChar char="•"/>
+              <a:defRPr sz="1800" kern="1200">
+                <a:solidFill>
+                  <a:schemeClr val="tx1"/>
+                </a:solidFill>
+                <a:latin typeface="+mn-lt"/>
+                <a:ea typeface="+mn-ea"/>
+                <a:cs typeface="+mn-cs"/>
+              </a:defRPr>
+            </a:lvl5pPr>
+            <a:lvl6pPr marL="2514600" indent="-228600" algn="l" defTabSz="914400" rtl="0" eaLnBrk="1" latinLnBrk="0" hangingPunct="1">
+              <a:lnSpc>
+                <a:spcPct val="90000"/>
+              </a:lnSpc>
+              <a:spcBef>
+                <a:spcPts val="500"/>
+              </a:spcBef>
+              <a:buFont typeface="Arial" panose="020B0604020202020204" pitchFamily="34" charset="0"/>
+              <a:buChar char="•"/>
+              <a:defRPr sz="1800" kern="1200">
+                <a:solidFill>
+                  <a:schemeClr val="tx1"/>
+                </a:solidFill>
+                <a:latin typeface="+mn-lt"/>
+                <a:ea typeface="+mn-ea"/>
+                <a:cs typeface="+mn-cs"/>
+              </a:defRPr>
+            </a:lvl6pPr>
+            <a:lvl7pPr marL="2971800" indent="-228600" algn="l" defTabSz="914400" rtl="0" eaLnBrk="1" latinLnBrk="0" hangingPunct="1">
+              <a:lnSpc>
+                <a:spcPct val="90000"/>
+              </a:lnSpc>
+              <a:spcBef>
+                <a:spcPts val="500"/>
+              </a:spcBef>
+              <a:buFont typeface="Arial" panose="020B0604020202020204" pitchFamily="34" charset="0"/>
+              <a:buChar char="•"/>
+              <a:defRPr sz="1800" kern="1200">
+                <a:solidFill>
+                  <a:schemeClr val="tx1"/>
+                </a:solidFill>
+                <a:latin typeface="+mn-lt"/>
+                <a:ea typeface="+mn-ea"/>
+                <a:cs typeface="+mn-cs"/>
+              </a:defRPr>
+            </a:lvl7pPr>
+            <a:lvl8pPr marL="3429000" indent="-228600" algn="l" defTabSz="914400" rtl="0" eaLnBrk="1" latinLnBrk="0" hangingPunct="1">
+              <a:lnSpc>
+                <a:spcPct val="90000"/>
+              </a:lnSpc>
+              <a:spcBef>
+                <a:spcPts val="500"/>
+              </a:spcBef>
+              <a:buFont typeface="Arial" panose="020B0604020202020204" pitchFamily="34" charset="0"/>
+              <a:buChar char="•"/>
+              <a:defRPr sz="1800" kern="1200">
+                <a:solidFill>
+                  <a:schemeClr val="tx1"/>
+                </a:solidFill>
+                <a:latin typeface="+mn-lt"/>
+                <a:ea typeface="+mn-ea"/>
+                <a:cs typeface="+mn-cs"/>
+              </a:defRPr>
+            </a:lvl8pPr>
+            <a:lvl9pPr marL="3886200" indent="-228600" algn="l" defTabSz="914400" rtl="0" eaLnBrk="1" latinLnBrk="0" hangingPunct="1">
+              <a:lnSpc>
+                <a:spcPct val="90000"/>
+              </a:lnSpc>
+              <a:spcBef>
+                <a:spcPts val="500"/>
+              </a:spcBef>
+              <a:buFont typeface="Arial" panose="020B0604020202020204" pitchFamily="34" charset="0"/>
+              <a:buChar char="•"/>
+              <a:defRPr sz="1800" kern="1200">
+                <a:solidFill>
+                  <a:schemeClr val="tx1"/>
+                </a:solidFill>
+                <a:latin typeface="+mn-lt"/>
+                <a:ea typeface="+mn-ea"/>
+                <a:cs typeface="+mn-cs"/>
+              </a:defRPr>
+            </a:lvl9pPr>
+          </a:lstStyle>
+          <a:p>
+            <a:r>
+              <a:rPr lang="fr-FR" sz="2100" b="1" dirty="0">
+                <a:solidFill>
+                  <a:srgbClr val="111111"/>
+                </a:solidFill>
+                <a:latin typeface="Arial" panose="020B0604020202020204" pitchFamily="34" charset="0"/>
+              </a:rPr>
+              <a:t>Constituer et donner accès à de très grands jeux de données de qualité</a:t>
+            </a:r>
+          </a:p>
+          <a:p>
+            <a:pPr lvl="1"/>
+            <a:r>
+              <a:rPr lang="fr-FR" sz="1800" dirty="0"/>
+              <a:t>le principal facteur limitant à l’heure actuelle n’est pas la technologie mais l’accès à des données de qualité.</a:t>
+            </a:r>
+          </a:p>
+          <a:p>
+            <a:pPr lvl="1"/>
+            <a:r>
+              <a:rPr lang="fr-FR" sz="1800" dirty="0"/>
+              <a:t>L’accès à des données massives, corrélées, complètes, qualifiées, historisées, est une clé technologique majeure de mise au point de technologies d’intelligence artificielle aujourd’hui</a:t>
+            </a:r>
+          </a:p>
+        </p:txBody>
+      </p:sp>
+    </p:spTree>
+    <p:extLst>
+      <p:ext uri="{BB962C8B-B14F-4D97-AF65-F5344CB8AC3E}">
+        <p14:creationId xmlns:p14="http://schemas.microsoft.com/office/powerpoint/2010/main" val="3326188260"/>
+      </p:ext>
+    </p:extLst>
+  </p:cSld>
+  <p:clrMapOvr>
+    <a:masterClrMapping/>
+  </p:clrMapOvr>
+</p:sld>
+</file>
+
+<file path=ppt/slides/slide38.xml><?xml version="1.0" encoding="utf-8"?>
+<p:sld xmlns:a="http://schemas.openxmlformats.org/drawingml/2006/main" xmlns:r="http://schemas.openxmlformats.org/officeDocument/2006/relationships" xmlns:p="http://schemas.openxmlformats.org/presentationml/2006/main">
+  <p:cSld>
+    <p:spTree>
+      <p:nvGrpSpPr>
+        <p:cNvPr id="1" name=""/>
+        <p:cNvGrpSpPr/>
+        <p:nvPr/>
+      </p:nvGrpSpPr>
+      <p:grpSpPr>
+        <a:xfrm>
+          <a:off x="0" y="0"/>
+          <a:ext cx="0" cy="0"/>
+          <a:chOff x="0" y="0"/>
+          <a:chExt cx="0" cy="0"/>
+        </a:xfrm>
+      </p:grpSpPr>
+      <p:sp>
+        <p:nvSpPr>
+          <p:cNvPr id="2" name="Titre 1"/>
+          <p:cNvSpPr>
+            <a:spLocks noGrp="1"/>
+          </p:cNvSpPr>
+          <p:nvPr>
+            <p:ph type="title"/>
+          </p:nvPr>
+        </p:nvSpPr>
+        <p:spPr/>
+        <p:txBody>
+          <a:bodyPr/>
+          <a:lstStyle/>
+          <a:p>
+            <a:r>
+              <a:rPr lang="fr-FR" dirty="0"/>
+              <a:t>Les nouvelles sources de données</a:t>
+            </a:r>
+          </a:p>
+        </p:txBody>
+      </p:sp>
+      <p:sp>
+        <p:nvSpPr>
+          <p:cNvPr id="3" name="Espace réservé du contenu 2"/>
+          <p:cNvSpPr>
+            <a:spLocks noGrp="1"/>
+          </p:cNvSpPr>
+          <p:nvPr>
+            <p:ph idx="1"/>
+          </p:nvPr>
+        </p:nvSpPr>
+        <p:spPr/>
+        <p:txBody>
+          <a:bodyPr/>
+          <a:lstStyle/>
+          <a:p>
+            <a:endParaRPr lang="fr-FR" dirty="0"/>
+          </a:p>
+        </p:txBody>
+      </p:sp>
+      <p:pic>
+        <p:nvPicPr>
+          <p:cNvPr id="1026" name="Picture 2" descr="Nouvelles sources de données Big Data"/>
+          <p:cNvPicPr>
+            <a:picLocks noChangeAspect="1" noChangeArrowheads="1"/>
+          </p:cNvPicPr>
+          <p:nvPr/>
+        </p:nvPicPr>
+        <p:blipFill>
+          <a:blip r:embed="rId2">
+            <a:extLst>
+              <a:ext uri="{28A0092B-C50C-407E-A947-70E740481C1C}">
+                <a14:useLocalDpi xmlns:a14="http://schemas.microsoft.com/office/drawing/2010/main" val="0"/>
+              </a:ext>
+            </a:extLst>
+          </a:blip>
+          <a:srcRect/>
+          <a:stretch>
+            <a:fillRect/>
+          </a:stretch>
+        </p:blipFill>
+        <p:spPr bwMode="auto">
+          <a:xfrm>
+            <a:off x="1709682" y="2186862"/>
+            <a:ext cx="5837663" cy="3269091"/>
+          </a:xfrm>
+          <a:prstGeom prst="rect">
+            <a:avLst/>
+          </a:prstGeom>
+          <a:noFill/>
+          <a:extLst>
+            <a:ext uri="{909E8E84-426E-40DD-AFC4-6F175D3DCCD1}">
+              <a14:hiddenFill xmlns:a14="http://schemas.microsoft.com/office/drawing/2010/main">
+                <a:solidFill>
+                  <a:srgbClr val="FFFFFF"/>
+                </a:solidFill>
+              </a14:hiddenFill>
+            </a:ext>
+          </a:extLst>
+        </p:spPr>
+      </p:pic>
+    </p:spTree>
+    <p:extLst>
+      <p:ext uri="{BB962C8B-B14F-4D97-AF65-F5344CB8AC3E}">
+        <p14:creationId xmlns:p14="http://schemas.microsoft.com/office/powerpoint/2010/main" val="419766916"/>
+      </p:ext>
+    </p:extLst>
+  </p:cSld>
+  <p:clrMapOvr>
+    <a:masterClrMapping/>
+  </p:clrMapOvr>
+</p:sld>
+</file>
+
+<file path=ppt/slides/slide39.xml><?xml version="1.0" encoding="utf-8"?>
+<p:sld xmlns:a="http://schemas.openxmlformats.org/drawingml/2006/main" xmlns:r="http://schemas.openxmlformats.org/officeDocument/2006/relationships" xmlns:p="http://schemas.openxmlformats.org/presentationml/2006/main">
+  <p:cSld>
+    <p:spTree>
+      <p:nvGrpSpPr>
+        <p:cNvPr id="1" name=""/>
+        <p:cNvGrpSpPr/>
+        <p:nvPr/>
+      </p:nvGrpSpPr>
+      <p:grpSpPr>
+        <a:xfrm>
+          <a:off x="0" y="0"/>
+          <a:ext cx="0" cy="0"/>
+          <a:chOff x="0" y="0"/>
+          <a:chExt cx="0" cy="0"/>
+        </a:xfrm>
+      </p:grpSpPr>
+      <p:sp>
+        <p:nvSpPr>
+          <p:cNvPr id="2" name="Titre 1">
+            <a:extLst>
+              <a:ext uri="{FF2B5EF4-FFF2-40B4-BE49-F238E27FC236}">
+                <a16:creationId xmlns:a16="http://schemas.microsoft.com/office/drawing/2014/main" id="{553CA38B-3BB0-4629-BF22-7D4D4C6D2943}"/>
+              </a:ext>
+            </a:extLst>
+          </p:cNvPr>
+          <p:cNvSpPr>
+            <a:spLocks noGrp="1"/>
+          </p:cNvSpPr>
+          <p:nvPr>
+            <p:ph type="title"/>
+          </p:nvPr>
+        </p:nvSpPr>
+        <p:spPr/>
+        <p:txBody>
+          <a:bodyPr/>
+          <a:lstStyle/>
+          <a:p>
+            <a:r>
+              <a:rPr lang="fr-FR" dirty="0"/>
+              <a:t>Les enjeux 2/3</a:t>
+            </a:r>
+          </a:p>
+        </p:txBody>
+      </p:sp>
+      <p:sp>
+        <p:nvSpPr>
+          <p:cNvPr id="7" name="Espace réservé du contenu 2">
+            <a:extLst>
+              <a:ext uri="{FF2B5EF4-FFF2-40B4-BE49-F238E27FC236}">
+                <a16:creationId xmlns:a16="http://schemas.microsoft.com/office/drawing/2014/main" id="{62CAC85E-A812-47F9-A7C5-91F75568AA15}"/>
+              </a:ext>
+            </a:extLst>
+          </p:cNvPr>
+          <p:cNvSpPr txBox="1">
+            <a:spLocks/>
+          </p:cNvSpPr>
+          <p:nvPr/>
+        </p:nvSpPr>
+        <p:spPr>
+          <a:xfrm>
+            <a:off x="628650" y="2226469"/>
+            <a:ext cx="7886700" cy="3263504"/>
+          </a:xfrm>
+          <a:prstGeom prst="rect">
+            <a:avLst/>
+          </a:prstGeom>
+        </p:spPr>
+        <p:txBody>
+          <a:bodyPr/>
+          <a:lstStyle>
+            <a:lvl1pPr marL="228600" indent="-228600" algn="l" defTabSz="914400" rtl="0" eaLnBrk="1" latinLnBrk="0" hangingPunct="1">
+              <a:lnSpc>
+                <a:spcPct val="90000"/>
+              </a:lnSpc>
+              <a:spcBef>
+                <a:spcPts val="1000"/>
+              </a:spcBef>
+              <a:buFont typeface="Arial" panose="020B0604020202020204" pitchFamily="34" charset="0"/>
+              <a:buChar char="•"/>
+              <a:defRPr sz="2800" kern="1200">
+                <a:solidFill>
+                  <a:schemeClr val="tx1"/>
+                </a:solidFill>
+                <a:latin typeface="+mn-lt"/>
+                <a:ea typeface="+mn-ea"/>
+                <a:cs typeface="+mn-cs"/>
+              </a:defRPr>
+            </a:lvl1pPr>
+            <a:lvl2pPr marL="685800" indent="-228600" algn="l" defTabSz="914400" rtl="0" eaLnBrk="1" latinLnBrk="0" hangingPunct="1">
+              <a:lnSpc>
+                <a:spcPct val="90000"/>
+              </a:lnSpc>
+              <a:spcBef>
+                <a:spcPts val="500"/>
+              </a:spcBef>
+              <a:buFont typeface="Arial" panose="020B0604020202020204" pitchFamily="34" charset="0"/>
+              <a:buChar char="•"/>
+              <a:defRPr sz="2400" kern="1200">
+                <a:solidFill>
+                  <a:schemeClr val="tx1"/>
+                </a:solidFill>
+                <a:latin typeface="+mn-lt"/>
+                <a:ea typeface="+mn-ea"/>
+                <a:cs typeface="+mn-cs"/>
+              </a:defRPr>
+            </a:lvl2pPr>
+            <a:lvl3pPr marL="1143000" indent="-228600" algn="l" defTabSz="914400" rtl="0" eaLnBrk="1" latinLnBrk="0" hangingPunct="1">
+              <a:lnSpc>
+                <a:spcPct val="90000"/>
+              </a:lnSpc>
+              <a:spcBef>
+                <a:spcPts val="500"/>
+              </a:spcBef>
+              <a:buFont typeface="Arial" panose="020B0604020202020204" pitchFamily="34" charset="0"/>
+              <a:buChar char="•"/>
+              <a:defRPr sz="2000" kern="1200">
+                <a:solidFill>
+                  <a:schemeClr val="tx1"/>
+                </a:solidFill>
+                <a:latin typeface="+mn-lt"/>
+                <a:ea typeface="+mn-ea"/>
+                <a:cs typeface="+mn-cs"/>
+              </a:defRPr>
+            </a:lvl3pPr>
+            <a:lvl4pPr marL="1600200" indent="-228600" algn="l" defTabSz="914400" rtl="0" eaLnBrk="1" latinLnBrk="0" hangingPunct="1">
+              <a:lnSpc>
+                <a:spcPct val="90000"/>
+              </a:lnSpc>
+              <a:spcBef>
+                <a:spcPts val="500"/>
+              </a:spcBef>
+              <a:buFont typeface="Arial" panose="020B0604020202020204" pitchFamily="34" charset="0"/>
+              <a:buChar char="•"/>
+              <a:defRPr sz="1800" kern="1200">
+                <a:solidFill>
+                  <a:schemeClr val="tx1"/>
+                </a:solidFill>
+                <a:latin typeface="+mn-lt"/>
+                <a:ea typeface="+mn-ea"/>
+                <a:cs typeface="+mn-cs"/>
+              </a:defRPr>
+            </a:lvl4pPr>
+            <a:lvl5pPr marL="2057400" indent="-228600" algn="l" defTabSz="914400" rtl="0" eaLnBrk="1" latinLnBrk="0" hangingPunct="1">
+              <a:lnSpc>
+                <a:spcPct val="90000"/>
+              </a:lnSpc>
+              <a:spcBef>
+                <a:spcPts val="500"/>
+              </a:spcBef>
+              <a:buFont typeface="Arial" panose="020B0604020202020204" pitchFamily="34" charset="0"/>
+              <a:buChar char="•"/>
+              <a:defRPr sz="1800" kern="1200">
+                <a:solidFill>
+                  <a:schemeClr val="tx1"/>
+                </a:solidFill>
+                <a:latin typeface="+mn-lt"/>
+                <a:ea typeface="+mn-ea"/>
+                <a:cs typeface="+mn-cs"/>
+              </a:defRPr>
+            </a:lvl5pPr>
+            <a:lvl6pPr marL="2514600" indent="-228600" algn="l" defTabSz="914400" rtl="0" eaLnBrk="1" latinLnBrk="0" hangingPunct="1">
+              <a:lnSpc>
+                <a:spcPct val="90000"/>
+              </a:lnSpc>
+              <a:spcBef>
+                <a:spcPts val="500"/>
+              </a:spcBef>
+              <a:buFont typeface="Arial" panose="020B0604020202020204" pitchFamily="34" charset="0"/>
+              <a:buChar char="•"/>
+              <a:defRPr sz="1800" kern="1200">
+                <a:solidFill>
+                  <a:schemeClr val="tx1"/>
+                </a:solidFill>
+                <a:latin typeface="+mn-lt"/>
+                <a:ea typeface="+mn-ea"/>
+                <a:cs typeface="+mn-cs"/>
+              </a:defRPr>
+            </a:lvl6pPr>
+            <a:lvl7pPr marL="2971800" indent="-228600" algn="l" defTabSz="914400" rtl="0" eaLnBrk="1" latinLnBrk="0" hangingPunct="1">
+              <a:lnSpc>
+                <a:spcPct val="90000"/>
+              </a:lnSpc>
+              <a:spcBef>
+                <a:spcPts val="500"/>
+              </a:spcBef>
+              <a:buFont typeface="Arial" panose="020B0604020202020204" pitchFamily="34" charset="0"/>
+              <a:buChar char="•"/>
+              <a:defRPr sz="1800" kern="1200">
+                <a:solidFill>
+                  <a:schemeClr val="tx1"/>
+                </a:solidFill>
+                <a:latin typeface="+mn-lt"/>
+                <a:ea typeface="+mn-ea"/>
+                <a:cs typeface="+mn-cs"/>
+              </a:defRPr>
+            </a:lvl7pPr>
+            <a:lvl8pPr marL="3429000" indent="-228600" algn="l" defTabSz="914400" rtl="0" eaLnBrk="1" latinLnBrk="0" hangingPunct="1">
+              <a:lnSpc>
+                <a:spcPct val="90000"/>
+              </a:lnSpc>
+              <a:spcBef>
+                <a:spcPts val="500"/>
+              </a:spcBef>
+              <a:buFont typeface="Arial" panose="020B0604020202020204" pitchFamily="34" charset="0"/>
+              <a:buChar char="•"/>
+              <a:defRPr sz="1800" kern="1200">
+                <a:solidFill>
+                  <a:schemeClr val="tx1"/>
+                </a:solidFill>
+                <a:latin typeface="+mn-lt"/>
+                <a:ea typeface="+mn-ea"/>
+                <a:cs typeface="+mn-cs"/>
+              </a:defRPr>
+            </a:lvl8pPr>
+            <a:lvl9pPr marL="3886200" indent="-228600" algn="l" defTabSz="914400" rtl="0" eaLnBrk="1" latinLnBrk="0" hangingPunct="1">
+              <a:lnSpc>
+                <a:spcPct val="90000"/>
+              </a:lnSpc>
+              <a:spcBef>
+                <a:spcPts val="500"/>
+              </a:spcBef>
+              <a:buFont typeface="Arial" panose="020B0604020202020204" pitchFamily="34" charset="0"/>
+              <a:buChar char="•"/>
+              <a:defRPr sz="1800" kern="1200">
+                <a:solidFill>
+                  <a:schemeClr val="tx1"/>
+                </a:solidFill>
+                <a:latin typeface="+mn-lt"/>
+                <a:ea typeface="+mn-ea"/>
+                <a:cs typeface="+mn-cs"/>
+              </a:defRPr>
+            </a:lvl9pPr>
+          </a:lstStyle>
+          <a:p>
+            <a:r>
+              <a:rPr lang="fr-FR" sz="2100" b="1" dirty="0">
+                <a:solidFill>
+                  <a:srgbClr val="111111"/>
+                </a:solidFill>
+                <a:latin typeface="Arial" panose="020B0604020202020204" pitchFamily="34" charset="0"/>
+              </a:rPr>
+              <a:t>Embaucher, capitaliser et former</a:t>
+            </a:r>
+          </a:p>
+          <a:p>
+            <a:r>
+              <a:rPr lang="fr-FR" sz="2100" dirty="0">
+                <a:solidFill>
+                  <a:srgbClr val="111111"/>
+                </a:solidFill>
+                <a:latin typeface="Arial" panose="020B0604020202020204" pitchFamily="34" charset="0"/>
+              </a:rPr>
+              <a:t>Créer des équipes autonomes</a:t>
+            </a:r>
+          </a:p>
+          <a:p>
+            <a:r>
+              <a:rPr lang="en-US" sz="2100" dirty="0"/>
+              <a:t>Data Scientist (n.): Person who is better at statistics than any software engineer and better at software engineering than any statistician</a:t>
+            </a:r>
+            <a:endParaRPr lang="fr-FR" sz="2100" dirty="0"/>
+          </a:p>
+          <a:p>
+            <a:endParaRPr lang="fr-FR" sz="2100" b="1" dirty="0">
+              <a:solidFill>
+                <a:srgbClr val="111111"/>
+              </a:solidFill>
+              <a:latin typeface="Arial" panose="020B0604020202020204" pitchFamily="34" charset="0"/>
+            </a:endParaRPr>
+          </a:p>
+        </p:txBody>
+      </p:sp>
+      <p:pic>
+        <p:nvPicPr>
+          <p:cNvPr id="4" name="Picture 2" descr="https://upload.wikimedia.org/wikipedia/commons/4/44/DataScienceDisciplines.png">
+            <a:extLst>
+              <a:ext uri="{FF2B5EF4-FFF2-40B4-BE49-F238E27FC236}">
+                <a16:creationId xmlns:a16="http://schemas.microsoft.com/office/drawing/2014/main" id="{55A7E1B0-1946-4E1F-92C7-9D63F94A7C70}"/>
+              </a:ext>
+            </a:extLst>
+          </p:cNvPr>
+          <p:cNvPicPr>
+            <a:picLocks noChangeAspect="1" noChangeArrowheads="1"/>
+          </p:cNvPicPr>
+          <p:nvPr/>
+        </p:nvPicPr>
+        <p:blipFill>
+          <a:blip r:embed="rId2">
+            <a:extLst>
+              <a:ext uri="{28A0092B-C50C-407E-A947-70E740481C1C}">
+                <a14:useLocalDpi xmlns:a14="http://schemas.microsoft.com/office/drawing/2010/main" val="0"/>
+              </a:ext>
+            </a:extLst>
+          </a:blip>
+          <a:srcRect/>
+          <a:stretch>
+            <a:fillRect/>
+          </a:stretch>
+        </p:blipFill>
+        <p:spPr bwMode="auto">
+          <a:xfrm>
+            <a:off x="3034753" y="3667033"/>
+            <a:ext cx="3184055" cy="2388041"/>
+          </a:xfrm>
+          <a:prstGeom prst="rect">
+            <a:avLst/>
+          </a:prstGeom>
+          <a:noFill/>
+          <a:extLst>
+            <a:ext uri="{909E8E84-426E-40DD-AFC4-6F175D3DCCD1}">
+              <a14:hiddenFill xmlns:a14="http://schemas.microsoft.com/office/drawing/2010/main">
+                <a:solidFill>
+                  <a:srgbClr val="FFFFFF"/>
+                </a:solidFill>
+              </a14:hiddenFill>
+            </a:ext>
+          </a:extLst>
+        </p:spPr>
+      </p:pic>
+    </p:spTree>
+    <p:extLst>
+      <p:ext uri="{BB962C8B-B14F-4D97-AF65-F5344CB8AC3E}">
+        <p14:creationId xmlns:p14="http://schemas.microsoft.com/office/powerpoint/2010/main" val="3120774273"/>
+      </p:ext>
+    </p:extLst>
+  </p:cSld>
+  <p:clrMapOvr>
+    <a:masterClrMapping/>
+  </p:clrMapOvr>
+</p:sld>
+</file>
+
+<file path=ppt/slides/slide4.xml><?xml version="1.0" encoding="utf-8"?>
+<p:sld xmlns:a="http://schemas.openxmlformats.org/drawingml/2006/main" xmlns:r="http://schemas.openxmlformats.org/officeDocument/2006/relationships" xmlns:p="http://schemas.openxmlformats.org/presentationml/2006/main">
+  <p:cSld>
+    <p:spTree>
+      <p:nvGrpSpPr>
+        <p:cNvPr id="1" name=""/>
+        <p:cNvGrpSpPr/>
+        <p:nvPr/>
+      </p:nvGrpSpPr>
+      <p:grpSpPr>
+        <a:xfrm>
+          <a:off x="0" y="0"/>
+          <a:ext cx="0" cy="0"/>
+          <a:chOff x="0" y="0"/>
+          <a:chExt cx="0" cy="0"/>
+        </a:xfrm>
+      </p:grpSpPr>
+      <p:sp>
+        <p:nvSpPr>
+          <p:cNvPr id="2" name="Titre 1"/>
+          <p:cNvSpPr>
+            <a:spLocks noGrp="1"/>
+          </p:cNvSpPr>
+          <p:nvPr>
+            <p:ph type="title"/>
+          </p:nvPr>
+        </p:nvSpPr>
+        <p:spPr/>
+        <p:txBody>
+          <a:bodyPr/>
+          <a:lstStyle/>
+          <a:p>
+            <a:r>
+              <a:rPr lang="fr-FR" dirty="0" err="1"/>
+              <a:t>Wikipedia</a:t>
+            </a:r>
+            <a:endParaRPr lang="fr-FR" dirty="0"/>
+          </a:p>
+        </p:txBody>
+      </p:sp>
+      <p:sp>
+        <p:nvSpPr>
+          <p:cNvPr id="3" name="Espace réservé du contenu 2"/>
+          <p:cNvSpPr>
+            <a:spLocks noGrp="1"/>
+          </p:cNvSpPr>
+          <p:nvPr>
+            <p:ph idx="1"/>
+          </p:nvPr>
+        </p:nvSpPr>
+        <p:spPr/>
+        <p:txBody>
+          <a:bodyPr/>
+          <a:lstStyle/>
+          <a:p>
+            <a:r>
+              <a:rPr lang="fr-FR" dirty="0"/>
+              <a:t>La science des données est l'extraction de connaissance d'ensembles de données</a:t>
+            </a:r>
+          </a:p>
+          <a:p>
+            <a:r>
+              <a:rPr lang="fr-FR" dirty="0"/>
+              <a:t>Elle emploie des techniques et des théories tirées de plusieurs autres domaines plus larges :</a:t>
+            </a:r>
+          </a:p>
+          <a:p>
+            <a:pPr lvl="1"/>
+            <a:r>
+              <a:rPr lang="fr-FR" dirty="0"/>
+              <a:t>des mathématiques, la statistique principalement, la théorie de l'information et la technologie de l'information, notamment le traitement de signal, des modèles probabilistes, l'apprentissage automatique, l'apprentissage statistique, la programmation informatique, l'ingénierie de données, la reconnaissance de formes et l'apprentissage, la visualisation, l'analytique prophétique, la modélisation d'incertitude, le stockage de données, …</a:t>
+            </a:r>
+          </a:p>
+        </p:txBody>
+      </p:sp>
+    </p:spTree>
+    <p:extLst>
+      <p:ext uri="{BB962C8B-B14F-4D97-AF65-F5344CB8AC3E}">
+        <p14:creationId xmlns:p14="http://schemas.microsoft.com/office/powerpoint/2010/main" val="1773936858"/>
+      </p:ext>
+    </p:extLst>
+  </p:cSld>
+  <p:clrMapOvr>
+    <a:masterClrMapping/>
+  </p:clrMapOvr>
+</p:sld>
+</file>
+
+<file path=ppt/slides/slide40.xml><?xml version="1.0" encoding="utf-8"?>
+<p:sld xmlns:a="http://schemas.openxmlformats.org/drawingml/2006/main" xmlns:r="http://schemas.openxmlformats.org/officeDocument/2006/relationships" xmlns:p="http://schemas.openxmlformats.org/presentationml/2006/main">
+  <p:cSld>
+    <p:spTree>
+      <p:nvGrpSpPr>
+        <p:cNvPr id="1" name=""/>
+        <p:cNvGrpSpPr/>
+        <p:nvPr/>
+      </p:nvGrpSpPr>
+      <p:grpSpPr>
+        <a:xfrm>
+          <a:off x="0" y="0"/>
+          <a:ext cx="0" cy="0"/>
+          <a:chOff x="0" y="0"/>
+          <a:chExt cx="0" cy="0"/>
+        </a:xfrm>
+      </p:grpSpPr>
+      <p:sp>
+        <p:nvSpPr>
+          <p:cNvPr id="2" name="Titre 1">
+            <a:extLst>
+              <a:ext uri="{FF2B5EF4-FFF2-40B4-BE49-F238E27FC236}">
+                <a16:creationId xmlns:a16="http://schemas.microsoft.com/office/drawing/2014/main" id="{553CA38B-3BB0-4629-BF22-7D4D4C6D2943}"/>
+              </a:ext>
+            </a:extLst>
+          </p:cNvPr>
+          <p:cNvSpPr>
+            <a:spLocks noGrp="1"/>
+          </p:cNvSpPr>
+          <p:nvPr>
+            <p:ph type="title"/>
+          </p:nvPr>
+        </p:nvSpPr>
+        <p:spPr/>
+        <p:txBody>
+          <a:bodyPr/>
+          <a:lstStyle/>
+          <a:p>
+            <a:r>
+              <a:rPr lang="fr-FR" dirty="0"/>
+              <a:t>Les enjeux 3/3</a:t>
+            </a:r>
+          </a:p>
+        </p:txBody>
+      </p:sp>
+      <p:sp>
+        <p:nvSpPr>
+          <p:cNvPr id="7" name="Espace réservé du contenu 2">
+            <a:extLst>
+              <a:ext uri="{FF2B5EF4-FFF2-40B4-BE49-F238E27FC236}">
+                <a16:creationId xmlns:a16="http://schemas.microsoft.com/office/drawing/2014/main" id="{62CAC85E-A812-47F9-A7C5-91F75568AA15}"/>
+              </a:ext>
+            </a:extLst>
+          </p:cNvPr>
+          <p:cNvSpPr txBox="1">
+            <a:spLocks/>
+          </p:cNvSpPr>
+          <p:nvPr/>
+        </p:nvSpPr>
+        <p:spPr>
+          <a:xfrm>
+            <a:off x="628650" y="2226469"/>
+            <a:ext cx="7886700" cy="3263504"/>
+          </a:xfrm>
+          <a:prstGeom prst="rect">
+            <a:avLst/>
+          </a:prstGeom>
+        </p:spPr>
+        <p:txBody>
+          <a:bodyPr/>
+          <a:lstStyle>
+            <a:lvl1pPr marL="228600" indent="-228600" algn="l" defTabSz="914400" rtl="0" eaLnBrk="1" latinLnBrk="0" hangingPunct="1">
+              <a:lnSpc>
+                <a:spcPct val="90000"/>
+              </a:lnSpc>
+              <a:spcBef>
+                <a:spcPts val="1000"/>
+              </a:spcBef>
+              <a:buFont typeface="Arial" panose="020B0604020202020204" pitchFamily="34" charset="0"/>
+              <a:buChar char="•"/>
+              <a:defRPr sz="2800" kern="1200">
+                <a:solidFill>
+                  <a:schemeClr val="tx1"/>
+                </a:solidFill>
+                <a:latin typeface="+mn-lt"/>
+                <a:ea typeface="+mn-ea"/>
+                <a:cs typeface="+mn-cs"/>
+              </a:defRPr>
+            </a:lvl1pPr>
+            <a:lvl2pPr marL="685800" indent="-228600" algn="l" defTabSz="914400" rtl="0" eaLnBrk="1" latinLnBrk="0" hangingPunct="1">
+              <a:lnSpc>
+                <a:spcPct val="90000"/>
+              </a:lnSpc>
+              <a:spcBef>
+                <a:spcPts val="500"/>
+              </a:spcBef>
+              <a:buFont typeface="Arial" panose="020B0604020202020204" pitchFamily="34" charset="0"/>
+              <a:buChar char="•"/>
+              <a:defRPr sz="2400" kern="1200">
+                <a:solidFill>
+                  <a:schemeClr val="tx1"/>
+                </a:solidFill>
+                <a:latin typeface="+mn-lt"/>
+                <a:ea typeface="+mn-ea"/>
+                <a:cs typeface="+mn-cs"/>
+              </a:defRPr>
+            </a:lvl2pPr>
+            <a:lvl3pPr marL="1143000" indent="-228600" algn="l" defTabSz="914400" rtl="0" eaLnBrk="1" latinLnBrk="0" hangingPunct="1">
+              <a:lnSpc>
+                <a:spcPct val="90000"/>
+              </a:lnSpc>
+              <a:spcBef>
+                <a:spcPts val="500"/>
+              </a:spcBef>
+              <a:buFont typeface="Arial" panose="020B0604020202020204" pitchFamily="34" charset="0"/>
+              <a:buChar char="•"/>
+              <a:defRPr sz="2000" kern="1200">
+                <a:solidFill>
+                  <a:schemeClr val="tx1"/>
+                </a:solidFill>
+                <a:latin typeface="+mn-lt"/>
+                <a:ea typeface="+mn-ea"/>
+                <a:cs typeface="+mn-cs"/>
+              </a:defRPr>
+            </a:lvl3pPr>
+            <a:lvl4pPr marL="1600200" indent="-228600" algn="l" defTabSz="914400" rtl="0" eaLnBrk="1" latinLnBrk="0" hangingPunct="1">
+              <a:lnSpc>
+                <a:spcPct val="90000"/>
+              </a:lnSpc>
+              <a:spcBef>
+                <a:spcPts val="500"/>
+              </a:spcBef>
+              <a:buFont typeface="Arial" panose="020B0604020202020204" pitchFamily="34" charset="0"/>
+              <a:buChar char="•"/>
+              <a:defRPr sz="1800" kern="1200">
+                <a:solidFill>
+                  <a:schemeClr val="tx1"/>
+                </a:solidFill>
+                <a:latin typeface="+mn-lt"/>
+                <a:ea typeface="+mn-ea"/>
+                <a:cs typeface="+mn-cs"/>
+              </a:defRPr>
+            </a:lvl4pPr>
+            <a:lvl5pPr marL="2057400" indent="-228600" algn="l" defTabSz="914400" rtl="0" eaLnBrk="1" latinLnBrk="0" hangingPunct="1">
+              <a:lnSpc>
+                <a:spcPct val="90000"/>
+              </a:lnSpc>
+              <a:spcBef>
+                <a:spcPts val="500"/>
+              </a:spcBef>
+              <a:buFont typeface="Arial" panose="020B0604020202020204" pitchFamily="34" charset="0"/>
+              <a:buChar char="•"/>
+              <a:defRPr sz="1800" kern="1200">
+                <a:solidFill>
+                  <a:schemeClr val="tx1"/>
+                </a:solidFill>
+                <a:latin typeface="+mn-lt"/>
+                <a:ea typeface="+mn-ea"/>
+                <a:cs typeface="+mn-cs"/>
+              </a:defRPr>
+            </a:lvl5pPr>
+            <a:lvl6pPr marL="2514600" indent="-228600" algn="l" defTabSz="914400" rtl="0" eaLnBrk="1" latinLnBrk="0" hangingPunct="1">
+              <a:lnSpc>
+                <a:spcPct val="90000"/>
+              </a:lnSpc>
+              <a:spcBef>
+                <a:spcPts val="500"/>
+              </a:spcBef>
+              <a:buFont typeface="Arial" panose="020B0604020202020204" pitchFamily="34" charset="0"/>
+              <a:buChar char="•"/>
+              <a:defRPr sz="1800" kern="1200">
+                <a:solidFill>
+                  <a:schemeClr val="tx1"/>
+                </a:solidFill>
+                <a:latin typeface="+mn-lt"/>
+                <a:ea typeface="+mn-ea"/>
+                <a:cs typeface="+mn-cs"/>
+              </a:defRPr>
+            </a:lvl6pPr>
+            <a:lvl7pPr marL="2971800" indent="-228600" algn="l" defTabSz="914400" rtl="0" eaLnBrk="1" latinLnBrk="0" hangingPunct="1">
+              <a:lnSpc>
+                <a:spcPct val="90000"/>
+              </a:lnSpc>
+              <a:spcBef>
+                <a:spcPts val="500"/>
+              </a:spcBef>
+              <a:buFont typeface="Arial" panose="020B0604020202020204" pitchFamily="34" charset="0"/>
+              <a:buChar char="•"/>
+              <a:defRPr sz="1800" kern="1200">
+                <a:solidFill>
+                  <a:schemeClr val="tx1"/>
+                </a:solidFill>
+                <a:latin typeface="+mn-lt"/>
+                <a:ea typeface="+mn-ea"/>
+                <a:cs typeface="+mn-cs"/>
+              </a:defRPr>
+            </a:lvl7pPr>
+            <a:lvl8pPr marL="3429000" indent="-228600" algn="l" defTabSz="914400" rtl="0" eaLnBrk="1" latinLnBrk="0" hangingPunct="1">
+              <a:lnSpc>
+                <a:spcPct val="90000"/>
+              </a:lnSpc>
+              <a:spcBef>
+                <a:spcPts val="500"/>
+              </a:spcBef>
+              <a:buFont typeface="Arial" panose="020B0604020202020204" pitchFamily="34" charset="0"/>
+              <a:buChar char="•"/>
+              <a:defRPr sz="1800" kern="1200">
+                <a:solidFill>
+                  <a:schemeClr val="tx1"/>
+                </a:solidFill>
+                <a:latin typeface="+mn-lt"/>
+                <a:ea typeface="+mn-ea"/>
+                <a:cs typeface="+mn-cs"/>
+              </a:defRPr>
+            </a:lvl8pPr>
+            <a:lvl9pPr marL="3886200" indent="-228600" algn="l" defTabSz="914400" rtl="0" eaLnBrk="1" latinLnBrk="0" hangingPunct="1">
+              <a:lnSpc>
+                <a:spcPct val="90000"/>
+              </a:lnSpc>
+              <a:spcBef>
+                <a:spcPts val="500"/>
+              </a:spcBef>
+              <a:buFont typeface="Arial" panose="020B0604020202020204" pitchFamily="34" charset="0"/>
+              <a:buChar char="•"/>
+              <a:defRPr sz="1800" kern="1200">
+                <a:solidFill>
+                  <a:schemeClr val="tx1"/>
+                </a:solidFill>
+                <a:latin typeface="+mn-lt"/>
+                <a:ea typeface="+mn-ea"/>
+                <a:cs typeface="+mn-cs"/>
+              </a:defRPr>
+            </a:lvl9pPr>
+          </a:lstStyle>
+          <a:p>
+            <a:r>
+              <a:rPr lang="fr-FR" sz="2100" b="1" dirty="0">
+                <a:solidFill>
+                  <a:srgbClr val="111111"/>
+                </a:solidFill>
+                <a:latin typeface="Arial" panose="020B0604020202020204" pitchFamily="34" charset="0"/>
+              </a:rPr>
+              <a:t>Mettre en pratique et industrialiser</a:t>
+            </a:r>
+          </a:p>
+        </p:txBody>
+      </p:sp>
+    </p:spTree>
+    <p:extLst>
+      <p:ext uri="{BB962C8B-B14F-4D97-AF65-F5344CB8AC3E}">
+        <p14:creationId xmlns:p14="http://schemas.microsoft.com/office/powerpoint/2010/main" val="2372488552"/>
+      </p:ext>
+    </p:extLst>
+  </p:cSld>
+  <p:clrMapOvr>
+    <a:masterClrMapping/>
+  </p:clrMapOvr>
+</p:sld>
+</file>
+
+<file path=ppt/slides/slide41.xml><?xml version="1.0" encoding="utf-8"?>
 <p:sld xmlns:a="http://schemas.openxmlformats.org/drawingml/2006/main" xmlns:r="http://schemas.openxmlformats.org/officeDocument/2006/relationships" xmlns:p="http://schemas.openxmlformats.org/presentationml/2006/main">
   <p:cSld>
     <p:spTree>
@@ -6865,7 +8908,7 @@
 </p:sld>
 </file>
 
-<file path=ppt/slides/slide4.xml><?xml version="1.0" encoding="utf-8"?>
+<file path=ppt/slides/slide5.xml><?xml version="1.0" encoding="utf-8"?>
 <p:sld xmlns:a="http://schemas.openxmlformats.org/drawingml/2006/main" xmlns:r="http://schemas.openxmlformats.org/officeDocument/2006/relationships" xmlns:p="http://schemas.openxmlformats.org/presentationml/2006/main">
   <p:cSld>
     <p:spTree>
@@ -6898,10 +8941,9 @@
           <a:lstStyle/>
           <a:p>
             <a:r>
-              <a:rPr lang="fr-FR" dirty="0" smtClean="0"/>
+              <a:rPr lang="fr-FR" dirty="0"/>
               <a:t>Data Science</a:t>
             </a:r>
-            <a:endParaRPr lang="fr-FR" dirty="0"/>
           </a:p>
         </p:txBody>
       </p:sp>
@@ -6961,7 +9003,7 @@
 </p:sld>
 </file>
 
-<file path=ppt/slides/slide5.xml><?xml version="1.0" encoding="utf-8"?>
+<file path=ppt/slides/slide6.xml><?xml version="1.0" encoding="utf-8"?>
 <p:sld xmlns:a="http://schemas.openxmlformats.org/drawingml/2006/main" xmlns:r="http://schemas.openxmlformats.org/officeDocument/2006/relationships" xmlns:p="http://schemas.openxmlformats.org/presentationml/2006/main">
   <p:cSld>
     <p:spTree>
@@ -6994,10 +9036,9 @@
           <a:lstStyle/>
           <a:p>
             <a:r>
-              <a:rPr lang="fr-FR" dirty="0" smtClean="0"/>
+              <a:rPr lang="fr-FR" dirty="0"/>
               <a:t>Data Science</a:t>
             </a:r>
-            <a:endParaRPr lang="fr-FR" dirty="0"/>
           </a:p>
         </p:txBody>
       </p:sp>
@@ -7017,75 +9058,75 @@
           <a:lstStyle/>
           <a:p>
             <a:r>
-              <a:rPr lang="fr-FR" dirty="0" smtClean="0"/>
+              <a:rPr lang="fr-FR" dirty="0"/>
               <a:t>S’appuie sur plusieurs technologies</a:t>
             </a:r>
           </a:p>
           <a:p>
             <a:r>
-              <a:rPr lang="fr-FR" dirty="0" smtClean="0"/>
+              <a:rPr lang="fr-FR" dirty="0"/>
               <a:t>Développement</a:t>
             </a:r>
           </a:p>
           <a:p>
             <a:pPr lvl="1"/>
             <a:r>
-              <a:rPr lang="fr-FR" dirty="0" smtClean="0"/>
+              <a:rPr lang="fr-FR" dirty="0"/>
               <a:t>Python, R</a:t>
             </a:r>
           </a:p>
           <a:p>
             <a:r>
-              <a:rPr lang="fr-FR" dirty="0" smtClean="0"/>
+              <a:rPr lang="fr-FR" dirty="0"/>
               <a:t>Stockage</a:t>
             </a:r>
           </a:p>
           <a:p>
             <a:pPr lvl="1"/>
             <a:r>
-              <a:rPr lang="fr-FR" dirty="0" smtClean="0"/>
+              <a:rPr lang="fr-FR" dirty="0"/>
               <a:t>File, Base de données, </a:t>
             </a:r>
             <a:r>
-              <a:rPr lang="fr-FR" dirty="0" err="1" smtClean="0"/>
+              <a:rPr lang="fr-FR" dirty="0" err="1"/>
               <a:t>Big</a:t>
             </a:r>
             <a:r>
-              <a:rPr lang="fr-FR" dirty="0" smtClean="0"/>
+              <a:rPr lang="fr-FR" dirty="0"/>
               <a:t> Data</a:t>
             </a:r>
           </a:p>
           <a:p>
             <a:r>
-              <a:rPr lang="fr-FR" dirty="0" smtClean="0"/>
+              <a:rPr lang="fr-FR" dirty="0"/>
               <a:t>Math</a:t>
             </a:r>
           </a:p>
           <a:p>
             <a:pPr lvl="1"/>
             <a:r>
-              <a:rPr lang="fr-FR" dirty="0" smtClean="0"/>
+              <a:rPr lang="fr-FR" dirty="0"/>
               <a:t>Régression, </a:t>
             </a:r>
             <a:r>
-              <a:rPr lang="fr-FR" dirty="0" err="1" smtClean="0"/>
+              <a:rPr lang="fr-FR" dirty="0" err="1"/>
               <a:t>Stats</a:t>
             </a:r>
             <a:r>
-              <a:rPr lang="fr-FR" dirty="0" smtClean="0"/>
+              <a:rPr lang="fr-FR" dirty="0"/>
               <a:t>, Algèbre linéaire</a:t>
             </a:r>
           </a:p>
           <a:p>
             <a:r>
-              <a:rPr lang="fr-FR" dirty="0" smtClean="0"/>
+              <a:rPr lang="fr-FR" dirty="0"/>
               <a:t>IA</a:t>
             </a:r>
           </a:p>
           <a:p>
             <a:pPr lvl="1"/>
             <a:r>
-              <a:rPr lang="fr-FR" dirty="0" smtClean="0"/>
+              <a:rPr lang="fr-FR" dirty="0"/>
               <a:t>Réseaux neuronaux</a:t>
             </a:r>
           </a:p>
@@ -7104,7 +9145,7 @@
 </p:sld>
 </file>
 
-<file path=ppt/slides/slide6.xml><?xml version="1.0" encoding="utf-8"?>
+<file path=ppt/slides/slide7.xml><?xml version="1.0" encoding="utf-8"?>
 <p:sld xmlns:a="http://schemas.openxmlformats.org/drawingml/2006/main" xmlns:r="http://schemas.openxmlformats.org/officeDocument/2006/relationships" xmlns:p="http://schemas.openxmlformats.org/presentationml/2006/main">
   <p:cSld>
     <p:spTree>
@@ -7196,110 +9237,6 @@
 </p:sld>
 </file>
 
-<file path=ppt/slides/slide7.xml><?xml version="1.0" encoding="utf-8"?>
-<p:sld xmlns:a="http://schemas.openxmlformats.org/drawingml/2006/main" xmlns:r="http://schemas.openxmlformats.org/officeDocument/2006/relationships" xmlns:p="http://schemas.openxmlformats.org/presentationml/2006/main">
-  <p:cSld>
-    <p:spTree>
-      <p:nvGrpSpPr>
-        <p:cNvPr id="1" name=""/>
-        <p:cNvGrpSpPr/>
-        <p:nvPr/>
-      </p:nvGrpSpPr>
-      <p:grpSpPr>
-        <a:xfrm>
-          <a:off x="0" y="0"/>
-          <a:ext cx="0" cy="0"/>
-          <a:chOff x="0" y="0"/>
-          <a:chExt cx="0" cy="0"/>
-        </a:xfrm>
-      </p:grpSpPr>
-      <p:sp>
-        <p:nvSpPr>
-          <p:cNvPr id="2" name="Titre 1"/>
-          <p:cNvSpPr>
-            <a:spLocks noGrp="1"/>
-          </p:cNvSpPr>
-          <p:nvPr>
-            <p:ph type="title"/>
-          </p:nvPr>
-        </p:nvSpPr>
-        <p:spPr/>
-        <p:txBody>
-          <a:bodyPr/>
-          <a:lstStyle/>
-          <a:p>
-            <a:r>
-              <a:rPr lang="fr-FR" dirty="0" smtClean="0"/>
-              <a:t>Les langages</a:t>
-            </a:r>
-            <a:endParaRPr lang="fr-FR" dirty="0"/>
-          </a:p>
-        </p:txBody>
-      </p:sp>
-      <p:sp>
-        <p:nvSpPr>
-          <p:cNvPr id="3" name="Espace réservé du contenu 2"/>
-          <p:cNvSpPr>
-            <a:spLocks noGrp="1"/>
-          </p:cNvSpPr>
-          <p:nvPr>
-            <p:ph idx="1"/>
-          </p:nvPr>
-        </p:nvSpPr>
-        <p:spPr/>
-        <p:txBody>
-          <a:bodyPr/>
-          <a:lstStyle/>
-          <a:p>
-            <a:r>
-              <a:rPr lang="fr-FR" dirty="0" smtClean="0"/>
-              <a:t>Les "nouveaux"</a:t>
-            </a:r>
-          </a:p>
-          <a:p>
-            <a:pPr lvl="1"/>
-            <a:r>
-              <a:rPr lang="fr-FR" dirty="0" smtClean="0"/>
-              <a:t>Python, R, Scala, </a:t>
-            </a:r>
-            <a:r>
-              <a:rPr lang="fr-FR" dirty="0" err="1" smtClean="0"/>
-              <a:t>Kotlin</a:t>
-            </a:r>
-            <a:r>
-              <a:rPr lang="fr-FR" dirty="0" smtClean="0"/>
-              <a:t>, …</a:t>
-            </a:r>
-          </a:p>
-          <a:p>
-            <a:r>
-              <a:rPr lang="fr-FR" dirty="0" smtClean="0"/>
-              <a:t>Les "anciens"</a:t>
-            </a:r>
-          </a:p>
-          <a:p>
-            <a:pPr lvl="1"/>
-            <a:r>
-              <a:rPr lang="fr-FR" dirty="0" smtClean="0"/>
-              <a:t>Java, C#</a:t>
-            </a:r>
-            <a:endParaRPr lang="fr-FR" dirty="0"/>
-          </a:p>
-        </p:txBody>
-      </p:sp>
-    </p:spTree>
-    <p:extLst>
-      <p:ext uri="{BB962C8B-B14F-4D97-AF65-F5344CB8AC3E}">
-        <p14:creationId xmlns:p14="http://schemas.microsoft.com/office/powerpoint/2010/main" val="3006852767"/>
-      </p:ext>
-    </p:extLst>
-  </p:cSld>
-  <p:clrMapOvr>
-    <a:masterClrMapping/>
-  </p:clrMapOvr>
-</p:sld>
-</file>
-
 <file path=ppt/slides/slide8.xml><?xml version="1.0" encoding="utf-8"?>
 <p:sld xmlns:a="http://schemas.openxmlformats.org/drawingml/2006/main" xmlns:r="http://schemas.openxmlformats.org/officeDocument/2006/relationships" xmlns:p="http://schemas.openxmlformats.org/presentationml/2006/main">
   <p:cSld>
@@ -7333,14 +9270,9 @@
           <a:lstStyle/>
           <a:p>
             <a:r>
-              <a:rPr lang="fr-FR" dirty="0" smtClean="0"/>
-              <a:t>Data </a:t>
-            </a:r>
-            <a:r>
-              <a:rPr lang="fr-FR" dirty="0" err="1" smtClean="0"/>
-              <a:t>Scientist</a:t>
-            </a:r>
-            <a:endParaRPr lang="fr-FR" dirty="0"/>
+              <a:rPr lang="fr-FR" dirty="0"/>
+              <a:t>Les langages</a:t>
+            </a:r>
           </a:p>
         </p:txBody>
       </p:sp>
@@ -7361,55 +9293,43 @@
           <a:p>
             <a:r>
               <a:rPr lang="fr-FR" dirty="0"/>
-              <a:t>Le premier objectif du </a:t>
-            </a:r>
-            <a:r>
-              <a:rPr lang="fr-FR" dirty="0" smtClean="0"/>
-              <a:t>data </a:t>
+              <a:t>Les "nouveaux"</a:t>
+            </a:r>
+          </a:p>
+          <a:p>
+            <a:pPr lvl="1"/>
+            <a:r>
+              <a:rPr lang="fr-FR" dirty="0"/>
+              <a:t>Python, R, Scala, </a:t>
             </a:r>
             <a:r>
               <a:rPr lang="fr-FR" dirty="0" err="1"/>
-              <a:t>scientist</a:t>
-            </a:r>
-            <a:r>
-              <a:rPr lang="fr-FR" dirty="0"/>
-              <a:t> </a:t>
-            </a:r>
-            <a:r>
-              <a:rPr lang="fr-FR" dirty="0" smtClean="0"/>
-              <a:t>est </a:t>
-            </a:r>
-            <a:r>
-              <a:rPr lang="fr-FR" dirty="0"/>
-              <a:t>de produire des méthodes (automatisées, autant que possible) de tri et d'analyse de données de masse et de sources plus ou moins complexes ou disjointes de données, afin d'en extraire des informations utiles ou potentiellement </a:t>
-            </a:r>
-            <a:r>
-              <a:rPr lang="fr-FR" dirty="0" smtClean="0"/>
-              <a:t>utiles</a:t>
-            </a:r>
-          </a:p>
-          <a:p>
-            <a:r>
-              <a:rPr lang="fr-FR" dirty="0" smtClean="0"/>
-              <a:t>Terme inventé en 2001 par William Cleveland</a:t>
-            </a:r>
-          </a:p>
-          <a:p>
-            <a:r>
-              <a:rPr lang="en-US" dirty="0"/>
-              <a:t>Data Scientist (n.): Person who is better at statistics than any software engineer and better at software engineering than any statistician</a:t>
-            </a:r>
-            <a:endParaRPr lang="fr-FR" dirty="0" smtClean="0"/>
-          </a:p>
-          <a:p>
-            <a:endParaRPr lang="fr-FR" dirty="0"/>
+              <a:t>Kotlin</a:t>
+            </a:r>
+            <a:r>
+              <a:rPr lang="fr-FR" dirty="0"/>
+              <a:t>, …</a:t>
+            </a:r>
+          </a:p>
+          <a:p>
+            <a:r>
+              <a:rPr lang="fr-FR" dirty="0"/>
+              <a:t>Les "anciens"</a:t>
+            </a:r>
+          </a:p>
+          <a:p>
+            <a:pPr lvl="1"/>
+            <a:r>
+              <a:rPr lang="fr-FR" dirty="0"/>
+              <a:t>Java, C#</a:t>
+            </a:r>
           </a:p>
         </p:txBody>
       </p:sp>
     </p:spTree>
     <p:extLst>
       <p:ext uri="{BB962C8B-B14F-4D97-AF65-F5344CB8AC3E}">
-        <p14:creationId xmlns:p14="http://schemas.microsoft.com/office/powerpoint/2010/main" val="2049857567"/>
+        <p14:creationId xmlns:p14="http://schemas.microsoft.com/office/powerpoint/2010/main" val="3006852767"/>
       </p:ext>
     </p:extLst>
   </p:cSld>
@@ -7452,8 +9372,12 @@
           <a:lstStyle/>
           <a:p>
             <a:r>
-              <a:rPr lang="fr-FR" dirty="0" smtClean="0"/>
-              <a:t>Difficultés</a:t>
+              <a:rPr lang="fr-FR" dirty="0"/>
+              <a:t>Data </a:t>
+            </a:r>
+            <a:r>
+              <a:rPr lang="fr-FR" dirty="0" err="1"/>
+              <a:t>Scientist</a:t>
             </a:r>
             <a:endParaRPr lang="fr-FR" dirty="0"/>
           </a:p>
@@ -7475,168 +9399,46 @@
           <a:lstStyle/>
           <a:p>
             <a:r>
-              <a:rPr lang="fr-FR" dirty="0" smtClean="0"/>
-              <a:t>Certains problèmes sont trop complexes pour être résolus par un algorithme</a:t>
-            </a:r>
-          </a:p>
-          <a:p>
-            <a:pPr lvl="1"/>
-            <a:r>
-              <a:rPr lang="fr-FR" dirty="0" smtClean="0"/>
-              <a:t>Comment reconnaitre un visage ?</a:t>
-            </a:r>
-          </a:p>
-          <a:p>
-            <a:pPr lvl="1"/>
-            <a:r>
-              <a:rPr lang="fr-FR" dirty="0" smtClean="0"/>
-              <a:t>Comment conduire une voiture ?</a:t>
-            </a:r>
-          </a:p>
-          <a:p>
-            <a:pPr lvl="1"/>
-            <a:r>
-              <a:rPr lang="fr-FR" dirty="0" smtClean="0"/>
-              <a:t>Est-ce la même personne ?</a:t>
-            </a:r>
-          </a:p>
-          <a:p>
-            <a:pPr lvl="1"/>
-            <a:endParaRPr lang="fr-FR" dirty="0" smtClean="0"/>
-          </a:p>
-          <a:p>
-            <a:pPr lvl="1"/>
-            <a:r>
-              <a:rPr lang="fr-FR" dirty="0" smtClean="0"/>
-              <a:t>Les mesures anthropométriques ne suffisent pas</a:t>
+              <a:rPr lang="fr-FR" dirty="0"/>
+              <a:t>Le premier objectif du data </a:t>
+            </a:r>
+            <a:r>
+              <a:rPr lang="fr-FR" dirty="0" err="1"/>
+              <a:t>scientist</a:t>
+            </a:r>
+            <a:r>
+              <a:rPr lang="fr-FR" dirty="0"/>
+              <a:t> est de produire des méthodes (automatisées, autant que possible) de tri et d'analyse de données de masse et de sources plus ou moins complexes ou disjointes de données, afin d'en extraire des informations utiles ou potentiellement utiles</a:t>
+            </a:r>
+          </a:p>
+          <a:p>
+            <a:r>
+              <a:rPr lang="fr-FR" dirty="0"/>
+              <a:t>Terme inventé en 2001 par William Cleveland</a:t>
+            </a:r>
+          </a:p>
+          <a:p>
+            <a:r>
+              <a:rPr lang="en-US" dirty="0"/>
+              <a:t>Data Scientist (n.): Person who is better at statistics than any software engineer and better at software engineering than any statistician</a:t>
             </a:r>
             <a:endParaRPr lang="fr-FR" dirty="0"/>
           </a:p>
-        </p:txBody>
-      </p:sp>
-      <p:pic>
-        <p:nvPicPr>
-          <p:cNvPr id="1026" name="Picture 2" descr="RÃ©sultat de recherche d'images pour &quot;ia reconnaissance visage katy perry&quot;"/>
-          <p:cNvPicPr>
-            <a:picLocks noChangeAspect="1" noChangeArrowheads="1"/>
-          </p:cNvPicPr>
-          <p:nvPr/>
-        </p:nvPicPr>
-        <p:blipFill>
-          <a:blip r:embed="rId2">
-            <a:extLst>
-              <a:ext uri="{28A0092B-C50C-407E-A947-70E740481C1C}">
-                <a14:useLocalDpi xmlns:a14="http://schemas.microsoft.com/office/drawing/2010/main" val="0"/>
-              </a:ext>
-            </a:extLst>
-          </a:blip>
-          <a:srcRect/>
-          <a:stretch>
-            <a:fillRect/>
-          </a:stretch>
-        </p:blipFill>
-        <p:spPr bwMode="auto">
-          <a:xfrm>
-            <a:off x="5597259" y="1823841"/>
-            <a:ext cx="3584552" cy="2389702"/>
-          </a:xfrm>
-          <a:prstGeom prst="rect">
-            <a:avLst/>
-          </a:prstGeom>
-          <a:noFill/>
-          <a:extLst>
-            <a:ext uri="{909E8E84-426E-40DD-AFC4-6F175D3DCCD1}">
-              <a14:hiddenFill xmlns:a14="http://schemas.microsoft.com/office/drawing/2010/main">
-                <a:solidFill>
-                  <a:srgbClr val="FFFFFF"/>
-                </a:solidFill>
-              </a14:hiddenFill>
-            </a:ext>
-          </a:extLst>
-        </p:spPr>
-      </p:pic>
-      <p:pic>
-        <p:nvPicPr>
-          <p:cNvPr id="1028" name="Picture 4" descr="RÃ©sultat de recherche d'images pour &quot;deep learning  visage katy perry&quot;"/>
-          <p:cNvPicPr>
-            <a:picLocks noChangeAspect="1" noChangeArrowheads="1"/>
-          </p:cNvPicPr>
-          <p:nvPr/>
-        </p:nvPicPr>
-        <p:blipFill>
-          <a:blip r:embed="rId3">
-            <a:extLst>
-              <a:ext uri="{28A0092B-C50C-407E-A947-70E740481C1C}">
-                <a14:useLocalDpi xmlns:a14="http://schemas.microsoft.com/office/drawing/2010/main" val="0"/>
-              </a:ext>
-            </a:extLst>
-          </a:blip>
-          <a:srcRect/>
-          <a:stretch>
-            <a:fillRect/>
-          </a:stretch>
-        </p:blipFill>
-        <p:spPr bwMode="auto">
-          <a:xfrm>
-            <a:off x="7740352" y="1851480"/>
-            <a:ext cx="1821722" cy="2362063"/>
-          </a:xfrm>
-          <a:prstGeom prst="rect">
-            <a:avLst/>
-          </a:prstGeom>
-          <a:noFill/>
-          <a:extLst>
-            <a:ext uri="{909E8E84-426E-40DD-AFC4-6F175D3DCCD1}">
-              <a14:hiddenFill xmlns:a14="http://schemas.microsoft.com/office/drawing/2010/main">
-                <a:solidFill>
-                  <a:srgbClr val="FFFFFF"/>
-                </a:solidFill>
-              </a14:hiddenFill>
-            </a:ext>
-          </a:extLst>
-        </p:spPr>
-      </p:pic>
-      <p:pic>
-        <p:nvPicPr>
-          <p:cNvPr id="4" name="Image 3"/>
-          <p:cNvPicPr>
-            <a:picLocks noChangeAspect="1"/>
-          </p:cNvPicPr>
-          <p:nvPr/>
-        </p:nvPicPr>
-        <p:blipFill>
-          <a:blip r:embed="rId4"/>
-          <a:stretch>
-            <a:fillRect/>
-          </a:stretch>
-        </p:blipFill>
-        <p:spPr>
-          <a:xfrm>
-            <a:off x="2339752" y="4529861"/>
-            <a:ext cx="3751511" cy="2298271"/>
-          </a:xfrm>
-          <a:prstGeom prst="rect">
-            <a:avLst/>
-          </a:prstGeom>
-        </p:spPr>
-      </p:pic>
+          <a:p>
+            <a:endParaRPr lang="fr-FR" dirty="0"/>
+          </a:p>
+        </p:txBody>
+      </p:sp>
     </p:spTree>
     <p:extLst>
       <p:ext uri="{BB962C8B-B14F-4D97-AF65-F5344CB8AC3E}">
-        <p14:creationId xmlns:p14="http://schemas.microsoft.com/office/powerpoint/2010/main" val="3995539023"/>
+        <p14:creationId xmlns:p14="http://schemas.microsoft.com/office/powerpoint/2010/main" val="2049857567"/>
       </p:ext>
     </p:extLst>
   </p:cSld>
   <p:clrMapOvr>
     <a:masterClrMapping/>
   </p:clrMapOvr>
-  <p:timing>
-    <p:tnLst>
-      <p:par>
-        <p:cTn id="1" dur="indefinite" restart="never" nodeType="tmRoot"/>
-      </p:par>
-    </p:tnLst>
-  </p:timing>
 </p:sld>
 </file>
 
